--- a/GamePlatfromAppPrograming/Documents/실전 클래스의 활용!.pptx
+++ b/GamePlatfromAppPrograming/Documents/실전 클래스의 활용!.pptx
@@ -6,8 +6,12 @@
   </p:sldMasterIdLst>
   <p:sldIdLst>
     <p:sldId id="256" r:id="rId2"/>
-    <p:sldId id="257" r:id="rId3"/>
-    <p:sldId id="258" r:id="rId4"/>
+    <p:sldId id="262" r:id="rId3"/>
+    <p:sldId id="261" r:id="rId4"/>
+    <p:sldId id="257" r:id="rId5"/>
+    <p:sldId id="260" r:id="rId6"/>
+    <p:sldId id="258" r:id="rId7"/>
+    <p:sldId id="259" r:id="rId8"/>
   </p:sldIdLst>
   <p:sldSz cx="12192000" cy="6858000"/>
   <p:notesSz cx="6858000" cy="9144000"/>
@@ -245,7 +249,7 @@
           <a:p>
             <a:fld id="{77833477-6662-4A50-A76A-48ECB2E8BF1D}" type="datetimeFigureOut">
               <a:rPr lang="ko-KR" altLang="en-US" smtClean="0"/>
-              <a:t>2021-08-26</a:t>
+              <a:t>2021-08-27</a:t>
             </a:fld>
             <a:endParaRPr lang="ko-KR" altLang="en-US"/>
           </a:p>
@@ -415,7 +419,7 @@
           <a:p>
             <a:fld id="{77833477-6662-4A50-A76A-48ECB2E8BF1D}" type="datetimeFigureOut">
               <a:rPr lang="ko-KR" altLang="en-US" smtClean="0"/>
-              <a:t>2021-08-26</a:t>
+              <a:t>2021-08-27</a:t>
             </a:fld>
             <a:endParaRPr lang="ko-KR" altLang="en-US"/>
           </a:p>
@@ -595,7 +599,7 @@
           <a:p>
             <a:fld id="{77833477-6662-4A50-A76A-48ECB2E8BF1D}" type="datetimeFigureOut">
               <a:rPr lang="ko-KR" altLang="en-US" smtClean="0"/>
-              <a:t>2021-08-26</a:t>
+              <a:t>2021-08-27</a:t>
             </a:fld>
             <a:endParaRPr lang="ko-KR" altLang="en-US"/>
           </a:p>
@@ -765,7 +769,7 @@
           <a:p>
             <a:fld id="{77833477-6662-4A50-A76A-48ECB2E8BF1D}" type="datetimeFigureOut">
               <a:rPr lang="ko-KR" altLang="en-US" smtClean="0"/>
-              <a:t>2021-08-26</a:t>
+              <a:t>2021-08-27</a:t>
             </a:fld>
             <a:endParaRPr lang="ko-KR" altLang="en-US"/>
           </a:p>
@@ -1011,7 +1015,7 @@
           <a:p>
             <a:fld id="{77833477-6662-4A50-A76A-48ECB2E8BF1D}" type="datetimeFigureOut">
               <a:rPr lang="ko-KR" altLang="en-US" smtClean="0"/>
-              <a:t>2021-08-26</a:t>
+              <a:t>2021-08-27</a:t>
             </a:fld>
             <a:endParaRPr lang="ko-KR" altLang="en-US"/>
           </a:p>
@@ -1243,7 +1247,7 @@
           <a:p>
             <a:fld id="{77833477-6662-4A50-A76A-48ECB2E8BF1D}" type="datetimeFigureOut">
               <a:rPr lang="ko-KR" altLang="en-US" smtClean="0"/>
-              <a:t>2021-08-26</a:t>
+              <a:t>2021-08-27</a:t>
             </a:fld>
             <a:endParaRPr lang="ko-KR" altLang="en-US"/>
           </a:p>
@@ -1610,7 +1614,7 @@
           <a:p>
             <a:fld id="{77833477-6662-4A50-A76A-48ECB2E8BF1D}" type="datetimeFigureOut">
               <a:rPr lang="ko-KR" altLang="en-US" smtClean="0"/>
-              <a:t>2021-08-26</a:t>
+              <a:t>2021-08-27</a:t>
             </a:fld>
             <a:endParaRPr lang="ko-KR" altLang="en-US"/>
           </a:p>
@@ -1728,7 +1732,7 @@
           <a:p>
             <a:fld id="{77833477-6662-4A50-A76A-48ECB2E8BF1D}" type="datetimeFigureOut">
               <a:rPr lang="ko-KR" altLang="en-US" smtClean="0"/>
-              <a:t>2021-08-26</a:t>
+              <a:t>2021-08-27</a:t>
             </a:fld>
             <a:endParaRPr lang="ko-KR" altLang="en-US"/>
           </a:p>
@@ -1823,7 +1827,7 @@
           <a:p>
             <a:fld id="{77833477-6662-4A50-A76A-48ECB2E8BF1D}" type="datetimeFigureOut">
               <a:rPr lang="ko-KR" altLang="en-US" smtClean="0"/>
-              <a:t>2021-08-26</a:t>
+              <a:t>2021-08-27</a:t>
             </a:fld>
             <a:endParaRPr lang="ko-KR" altLang="en-US"/>
           </a:p>
@@ -2100,7 +2104,7 @@
           <a:p>
             <a:fld id="{77833477-6662-4A50-A76A-48ECB2E8BF1D}" type="datetimeFigureOut">
               <a:rPr lang="ko-KR" altLang="en-US" smtClean="0"/>
-              <a:t>2021-08-26</a:t>
+              <a:t>2021-08-27</a:t>
             </a:fld>
             <a:endParaRPr lang="ko-KR" altLang="en-US"/>
           </a:p>
@@ -2353,7 +2357,7 @@
           <a:p>
             <a:fld id="{77833477-6662-4A50-A76A-48ECB2E8BF1D}" type="datetimeFigureOut">
               <a:rPr lang="ko-KR" altLang="en-US" smtClean="0"/>
-              <a:t>2021-08-26</a:t>
+              <a:t>2021-08-27</a:t>
             </a:fld>
             <a:endParaRPr lang="ko-KR" altLang="en-US"/>
           </a:p>
@@ -2566,7 +2570,7 @@
           <a:p>
             <a:fld id="{77833477-6662-4A50-A76A-48ECB2E8BF1D}" type="datetimeFigureOut">
               <a:rPr lang="ko-KR" altLang="en-US" smtClean="0"/>
-              <a:t>2021-08-26</a:t>
+              <a:t>2021-08-27</a:t>
             </a:fld>
             <a:endParaRPr lang="ko-KR" altLang="en-US"/>
           </a:p>
@@ -3061,7 +3065,44 @@
             <p:ph type="title"/>
           </p:nvPr>
         </p:nvSpPr>
-        <p:spPr/>
+        <p:spPr>
+          <a:xfrm>
+            <a:off x="838200" y="365125"/>
+            <a:ext cx="7139319" cy="1325563"/>
+          </a:xfrm>
+        </p:spPr>
+        <p:txBody>
+          <a:bodyPr/>
+          <a:lstStyle/>
+          <a:p>
+            <a:r>
+              <a:rPr lang="ko-KR" altLang="en-US" dirty="0" err="1" smtClean="0"/>
+              <a:t>객체설계</a:t>
+            </a:r>
+            <a:r>
+              <a:rPr lang="ko-KR" altLang="en-US" dirty="0" smtClean="0"/>
+              <a:t> 용어 및 도식도 </a:t>
+            </a:r>
+            <a:endParaRPr lang="ko-KR" altLang="en-US" dirty="0"/>
+          </a:p>
+        </p:txBody>
+      </p:sp>
+      <p:sp>
+        <p:nvSpPr>
+          <p:cNvPr id="3" name="내용 개체 틀 2"/>
+          <p:cNvSpPr>
+            <a:spLocks noGrp="1"/>
+          </p:cNvSpPr>
+          <p:nvPr>
+            <p:ph idx="1"/>
+          </p:nvPr>
+        </p:nvSpPr>
+        <p:spPr>
+          <a:xfrm>
+            <a:off x="838199" y="1825625"/>
+            <a:ext cx="10834992" cy="4351338"/>
+          </a:xfrm>
+        </p:spPr>
         <p:txBody>
           <a:bodyPr/>
           <a:lstStyle/>
@@ -3071,8 +3112,1821 @@
               <a:t>객체</a:t>
             </a:r>
             <a:r>
+              <a:rPr lang="en-US" altLang="ko-KR" dirty="0" smtClean="0"/>
+              <a:t>: </a:t>
+            </a:r>
+            <a:r>
               <a:rPr lang="ko-KR" altLang="en-US" dirty="0" smtClean="0"/>
-              <a:t>의 설계</a:t>
+              <a:t>하나의 대상을 나타내는 대상</a:t>
+            </a:r>
+            <a:endParaRPr lang="en-US" altLang="ko-KR" dirty="0" smtClean="0"/>
+          </a:p>
+          <a:p>
+            <a:r>
+              <a:rPr lang="ko-KR" altLang="en-US" dirty="0" smtClean="0"/>
+              <a:t>속성</a:t>
+            </a:r>
+            <a:r>
+              <a:rPr lang="en-US" altLang="ko-KR" dirty="0" smtClean="0"/>
+              <a:t>: </a:t>
+            </a:r>
+            <a:r>
+              <a:rPr lang="ko-KR" altLang="en-US" dirty="0" smtClean="0"/>
+              <a:t>객체의 동작에 의해서 변경 될 수 있는 상태</a:t>
+            </a:r>
+            <a:r>
+              <a:rPr lang="en-US" altLang="ko-KR" dirty="0"/>
+              <a:t>.</a:t>
+            </a:r>
+            <a:endParaRPr lang="en-US" altLang="ko-KR" dirty="0" smtClean="0"/>
+          </a:p>
+          <a:p>
+            <a:r>
+              <a:rPr lang="ko-KR" altLang="en-US" dirty="0" smtClean="0"/>
+              <a:t>동작</a:t>
+            </a:r>
+            <a:r>
+              <a:rPr lang="en-US" altLang="ko-KR" dirty="0" smtClean="0"/>
+              <a:t>: </a:t>
+            </a:r>
+            <a:r>
+              <a:rPr lang="ko-KR" altLang="en-US" dirty="0" smtClean="0"/>
+              <a:t>객체의 속성이 변경 될 수 있는 사건</a:t>
+            </a:r>
+            <a:r>
+              <a:rPr lang="en-US" altLang="ko-KR" dirty="0" smtClean="0"/>
+              <a:t>.</a:t>
+            </a:r>
+            <a:r>
+              <a:rPr lang="ko-KR" altLang="en-US" dirty="0" smtClean="0"/>
+              <a:t> </a:t>
+            </a:r>
+            <a:endParaRPr lang="en-US" altLang="ko-KR" dirty="0" smtClean="0"/>
+          </a:p>
+          <a:p>
+            <a:r>
+              <a:rPr lang="ko-KR" altLang="en-US" dirty="0" smtClean="0"/>
+              <a:t>상속</a:t>
+            </a:r>
+            <a:r>
+              <a:rPr lang="en-US" altLang="ko-KR" dirty="0" smtClean="0"/>
+              <a:t>: </a:t>
+            </a:r>
+            <a:r>
+              <a:rPr lang="ko-KR" altLang="en-US" dirty="0" err="1" smtClean="0"/>
+              <a:t>하위객체의</a:t>
+            </a:r>
+            <a:r>
+              <a:rPr lang="ko-KR" altLang="en-US" dirty="0" smtClean="0"/>
+              <a:t> 공통적인 특징을 가진 상위 객체</a:t>
+            </a:r>
+            <a:endParaRPr lang="en-US" altLang="ko-KR" dirty="0" smtClean="0"/>
+          </a:p>
+          <a:p>
+            <a:r>
+              <a:rPr lang="ko-KR" altLang="en-US" dirty="0" err="1" smtClean="0"/>
+              <a:t>계층상속</a:t>
+            </a:r>
+            <a:r>
+              <a:rPr lang="en-US" altLang="ko-KR" dirty="0" smtClean="0"/>
+              <a:t>: </a:t>
+            </a:r>
+            <a:r>
+              <a:rPr lang="ko-KR" altLang="en-US" dirty="0" err="1" smtClean="0"/>
+              <a:t>하위객체를</a:t>
+            </a:r>
+            <a:r>
+              <a:rPr lang="ko-KR" altLang="en-US" dirty="0" smtClean="0"/>
+              <a:t> </a:t>
+            </a:r>
+            <a:r>
+              <a:rPr lang="ko-KR" altLang="en-US" dirty="0" err="1" smtClean="0"/>
+              <a:t>상위객체로</a:t>
+            </a:r>
+            <a:r>
+              <a:rPr lang="ko-KR" altLang="en-US" dirty="0" smtClean="0"/>
+              <a:t> 삼아 </a:t>
+            </a:r>
+            <a:r>
+              <a:rPr lang="ko-KR" altLang="en-US" dirty="0" err="1" smtClean="0"/>
+              <a:t>하위객체를</a:t>
+            </a:r>
+            <a:r>
+              <a:rPr lang="ko-KR" altLang="en-US" dirty="0" smtClean="0"/>
+              <a:t> 만드는 것</a:t>
+            </a:r>
+            <a:r>
+              <a:rPr lang="en-US" altLang="ko-KR" dirty="0" smtClean="0"/>
+              <a:t>.</a:t>
+            </a:r>
+          </a:p>
+          <a:p>
+            <a:r>
+              <a:rPr lang="ko-KR" altLang="en-US" dirty="0" err="1" smtClean="0"/>
+              <a:t>다중상속</a:t>
+            </a:r>
+            <a:r>
+              <a:rPr lang="en-US" altLang="ko-KR" dirty="0" smtClean="0"/>
+              <a:t>: </a:t>
+            </a:r>
+            <a:r>
+              <a:rPr lang="ko-KR" altLang="en-US" dirty="0" err="1" smtClean="0"/>
+              <a:t>상위객체를</a:t>
+            </a:r>
+            <a:r>
+              <a:rPr lang="ko-KR" altLang="en-US" dirty="0" smtClean="0"/>
+              <a:t> </a:t>
+            </a:r>
+            <a:r>
+              <a:rPr lang="en-US" altLang="ko-KR" dirty="0" smtClean="0"/>
+              <a:t>2</a:t>
+            </a:r>
+            <a:r>
+              <a:rPr lang="ko-KR" altLang="en-US" dirty="0" err="1" smtClean="0"/>
+              <a:t>개이상</a:t>
+            </a:r>
+            <a:r>
+              <a:rPr lang="ko-KR" altLang="en-US" dirty="0" smtClean="0"/>
+              <a:t> </a:t>
+            </a:r>
+            <a:r>
+              <a:rPr lang="ko-KR" altLang="en-US" dirty="0" err="1" smtClean="0"/>
+              <a:t>하위객체를</a:t>
+            </a:r>
+            <a:r>
+              <a:rPr lang="ko-KR" altLang="en-US" dirty="0" smtClean="0"/>
+              <a:t> 만드는 것</a:t>
+            </a:r>
+            <a:r>
+              <a:rPr lang="en-US" altLang="ko-KR" dirty="0" smtClean="0"/>
+              <a:t>.</a:t>
+            </a:r>
+            <a:r>
+              <a:rPr lang="ko-KR" altLang="en-US" dirty="0" smtClean="0"/>
+              <a:t> </a:t>
+            </a:r>
+            <a:endParaRPr lang="en-US" altLang="ko-KR" dirty="0"/>
+          </a:p>
+          <a:p>
+            <a:r>
+              <a:rPr lang="ko-KR" altLang="en-US" dirty="0" err="1"/>
+              <a:t>다형성</a:t>
+            </a:r>
+            <a:r>
+              <a:rPr lang="en-US" altLang="ko-KR" dirty="0"/>
+              <a:t>: </a:t>
+            </a:r>
+            <a:r>
+              <a:rPr lang="ko-KR" altLang="en-US" dirty="0" err="1"/>
+              <a:t>하위객체의</a:t>
+            </a:r>
+            <a:r>
+              <a:rPr lang="ko-KR" altLang="en-US" dirty="0"/>
+              <a:t> 공통적인 동작을 상위객체에서 사용하는 것</a:t>
+            </a:r>
+            <a:r>
+              <a:rPr lang="en-US" altLang="ko-KR" dirty="0"/>
+              <a:t>.</a:t>
+            </a:r>
+          </a:p>
+          <a:p>
+            <a:r>
+              <a:rPr lang="ko-KR" altLang="en-US" dirty="0"/>
+              <a:t>실체화</a:t>
+            </a:r>
+            <a:r>
+              <a:rPr lang="en-US" altLang="ko-KR" dirty="0"/>
+              <a:t>: </a:t>
+            </a:r>
+            <a:r>
+              <a:rPr lang="ko-KR" altLang="en-US" dirty="0"/>
+              <a:t>실체가 없는 </a:t>
+            </a:r>
+            <a:r>
+              <a:rPr lang="ko-KR" altLang="en-US" dirty="0" err="1"/>
+              <a:t>상위객체를</a:t>
+            </a:r>
+            <a:r>
+              <a:rPr lang="ko-KR" altLang="en-US" dirty="0"/>
+              <a:t> </a:t>
+            </a:r>
+            <a:r>
+              <a:rPr lang="ko-KR" altLang="en-US" dirty="0" err="1"/>
+              <a:t>사용할수</a:t>
+            </a:r>
+            <a:r>
+              <a:rPr lang="ko-KR" altLang="en-US" dirty="0"/>
+              <a:t> 있는 객체로 만드는 것</a:t>
+            </a:r>
+            <a:r>
+              <a:rPr lang="en-US" altLang="ko-KR" dirty="0"/>
+              <a:t>.</a:t>
+            </a:r>
+            <a:endParaRPr lang="ko-KR" altLang="en-US" dirty="0"/>
+          </a:p>
+        </p:txBody>
+      </p:sp>
+      <p:graphicFrame>
+        <p:nvGraphicFramePr>
+          <p:cNvPr id="10" name="표 9"/>
+          <p:cNvGraphicFramePr>
+            <a:graphicFrameLocks noGrp="1"/>
+          </p:cNvGraphicFramePr>
+          <p:nvPr>
+            <p:extLst>
+              <p:ext uri="{D42A27DB-BD31-4B8C-83A1-F6EECF244321}">
+                <p14:modId xmlns:p14="http://schemas.microsoft.com/office/powerpoint/2010/main" val="687206799"/>
+              </p:ext>
+            </p:extLst>
+          </p:nvPr>
+        </p:nvGraphicFramePr>
+        <p:xfrm>
+          <a:off x="9475309" y="537577"/>
+          <a:ext cx="889249" cy="1017408"/>
+        </p:xfrm>
+        <a:graphic>
+          <a:graphicData uri="http://schemas.openxmlformats.org/drawingml/2006/table">
+            <a:tbl>
+              <a:tblPr firstRow="1" bandRow="1">
+                <a:tableStyleId>{5C22544A-7EE6-4342-B048-85BDC9FD1C3A}</a:tableStyleId>
+              </a:tblPr>
+              <a:tblGrid>
+                <a:gridCol w="889249">
+                  <a:extLst>
+                    <a:ext uri="{9D8B030D-6E8A-4147-A177-3AD203B41FA5}">
+                      <a16:colId xmlns:a16="http://schemas.microsoft.com/office/drawing/2014/main" val="1268748105"/>
+                    </a:ext>
+                  </a:extLst>
+                </a:gridCol>
+              </a:tblGrid>
+              <a:tr h="333503">
+                <a:tc>
+                  <a:txBody>
+                    <a:bodyPr/>
+                    <a:lstStyle/>
+                    <a:p>
+                      <a:pPr algn="ctr" latinLnBrk="1"/>
+                      <a:r>
+                        <a:rPr lang="ko-KR" altLang="en-US" sz="1700" dirty="0" smtClean="0"/>
+                        <a:t>클래스</a:t>
+                      </a:r>
+                      <a:endParaRPr lang="ko-KR" altLang="en-US" sz="1700" dirty="0"/>
+                    </a:p>
+                  </a:txBody>
+                  <a:tcPr marL="80056" marR="80056" marT="40028" marB="40028"/>
+                </a:tc>
+                <a:extLst>
+                  <a:ext uri="{0D108BD9-81ED-4DB2-BD59-A6C34878D82A}">
+                    <a16:rowId xmlns:a16="http://schemas.microsoft.com/office/drawing/2014/main" val="4239921442"/>
+                  </a:ext>
+                </a:extLst>
+              </a:tr>
+              <a:tr h="333503">
+                <a:tc>
+                  <a:txBody>
+                    <a:bodyPr/>
+                    <a:lstStyle/>
+                    <a:p>
+                      <a:pPr algn="ctr" latinLnBrk="1"/>
+                      <a:r>
+                        <a:rPr lang="ko-KR" altLang="en-US" sz="1700" dirty="0" smtClean="0"/>
+                        <a:t>변수</a:t>
+                      </a:r>
+                      <a:endParaRPr lang="ko-KR" altLang="en-US" sz="1700" dirty="0"/>
+                    </a:p>
+                  </a:txBody>
+                  <a:tcPr marL="80056" marR="80056" marT="40028" marB="40028"/>
+                </a:tc>
+                <a:extLst>
+                  <a:ext uri="{0D108BD9-81ED-4DB2-BD59-A6C34878D82A}">
+                    <a16:rowId xmlns:a16="http://schemas.microsoft.com/office/drawing/2014/main" val="1850964627"/>
+                  </a:ext>
+                </a:extLst>
+              </a:tr>
+              <a:tr h="333503">
+                <a:tc>
+                  <a:txBody>
+                    <a:bodyPr/>
+                    <a:lstStyle/>
+                    <a:p>
+                      <a:pPr algn="ctr" latinLnBrk="1"/>
+                      <a:r>
+                        <a:rPr lang="ko-KR" altLang="en-US" sz="1700" dirty="0" smtClean="0"/>
+                        <a:t>함수</a:t>
+                      </a:r>
+                      <a:endParaRPr lang="ko-KR" altLang="en-US" sz="1700" dirty="0"/>
+                    </a:p>
+                  </a:txBody>
+                  <a:tcPr marL="80056" marR="80056" marT="40028" marB="40028"/>
+                </a:tc>
+                <a:extLst>
+                  <a:ext uri="{0D108BD9-81ED-4DB2-BD59-A6C34878D82A}">
+                    <a16:rowId xmlns:a16="http://schemas.microsoft.com/office/drawing/2014/main" val="1245535897"/>
+                  </a:ext>
+                </a:extLst>
+              </a:tr>
+            </a:tbl>
+          </a:graphicData>
+        </a:graphic>
+      </p:graphicFrame>
+      <p:graphicFrame>
+        <p:nvGraphicFramePr>
+          <p:cNvPr id="11" name="표 10"/>
+          <p:cNvGraphicFramePr>
+            <a:graphicFrameLocks noGrp="1"/>
+          </p:cNvGraphicFramePr>
+          <p:nvPr>
+            <p:extLst>
+              <p:ext uri="{D42A27DB-BD31-4B8C-83A1-F6EECF244321}">
+                <p14:modId xmlns:p14="http://schemas.microsoft.com/office/powerpoint/2010/main" val="1733567248"/>
+              </p:ext>
+            </p:extLst>
+          </p:nvPr>
+        </p:nvGraphicFramePr>
+        <p:xfrm>
+          <a:off x="10660507" y="524449"/>
+          <a:ext cx="889249" cy="1017408"/>
+        </p:xfrm>
+        <a:graphic>
+          <a:graphicData uri="http://schemas.openxmlformats.org/drawingml/2006/table">
+            <a:tbl>
+              <a:tblPr firstRow="1" bandRow="1">
+                <a:tableStyleId>{5C22544A-7EE6-4342-B048-85BDC9FD1C3A}</a:tableStyleId>
+              </a:tblPr>
+              <a:tblGrid>
+                <a:gridCol w="889249">
+                  <a:extLst>
+                    <a:ext uri="{9D8B030D-6E8A-4147-A177-3AD203B41FA5}">
+                      <a16:colId xmlns:a16="http://schemas.microsoft.com/office/drawing/2014/main" val="1268748105"/>
+                    </a:ext>
+                  </a:extLst>
+                </a:gridCol>
+              </a:tblGrid>
+              <a:tr h="333503">
+                <a:tc>
+                  <a:txBody>
+                    <a:bodyPr/>
+                    <a:lstStyle/>
+                    <a:p>
+                      <a:pPr algn="ctr" latinLnBrk="1"/>
+                      <a:r>
+                        <a:rPr lang="ko-KR" altLang="en-US" sz="1700" dirty="0" smtClean="0"/>
+                        <a:t>객체</a:t>
+                      </a:r>
+                      <a:endParaRPr lang="ko-KR" altLang="en-US" sz="1700" dirty="0"/>
+                    </a:p>
+                  </a:txBody>
+                  <a:tcPr marL="80056" marR="80056" marT="40028" marB="40028"/>
+                </a:tc>
+                <a:extLst>
+                  <a:ext uri="{0D108BD9-81ED-4DB2-BD59-A6C34878D82A}">
+                    <a16:rowId xmlns:a16="http://schemas.microsoft.com/office/drawing/2014/main" val="4239921442"/>
+                  </a:ext>
+                </a:extLst>
+              </a:tr>
+              <a:tr h="333503">
+                <a:tc>
+                  <a:txBody>
+                    <a:bodyPr/>
+                    <a:lstStyle/>
+                    <a:p>
+                      <a:pPr algn="ctr" latinLnBrk="1"/>
+                      <a:r>
+                        <a:rPr lang="ko-KR" altLang="en-US" sz="1700" dirty="0" smtClean="0"/>
+                        <a:t>필드</a:t>
+                      </a:r>
+                      <a:endParaRPr lang="ko-KR" altLang="en-US" sz="1700" dirty="0"/>
+                    </a:p>
+                  </a:txBody>
+                  <a:tcPr marL="80056" marR="80056" marT="40028" marB="40028"/>
+                </a:tc>
+                <a:extLst>
+                  <a:ext uri="{0D108BD9-81ED-4DB2-BD59-A6C34878D82A}">
+                    <a16:rowId xmlns:a16="http://schemas.microsoft.com/office/drawing/2014/main" val="1850964627"/>
+                  </a:ext>
+                </a:extLst>
+              </a:tr>
+              <a:tr h="333503">
+                <a:tc>
+                  <a:txBody>
+                    <a:bodyPr/>
+                    <a:lstStyle/>
+                    <a:p>
+                      <a:pPr algn="ctr" latinLnBrk="1"/>
+                      <a:r>
+                        <a:rPr lang="ko-KR" altLang="en-US" sz="1700" dirty="0" smtClean="0"/>
+                        <a:t>메서드</a:t>
+                      </a:r>
+                      <a:endParaRPr lang="ko-KR" altLang="en-US" sz="1700" dirty="0"/>
+                    </a:p>
+                  </a:txBody>
+                  <a:tcPr marL="80056" marR="80056" marT="40028" marB="40028"/>
+                </a:tc>
+                <a:extLst>
+                  <a:ext uri="{0D108BD9-81ED-4DB2-BD59-A6C34878D82A}">
+                    <a16:rowId xmlns:a16="http://schemas.microsoft.com/office/drawing/2014/main" val="1245535897"/>
+                  </a:ext>
+                </a:extLst>
+              </a:tr>
+            </a:tbl>
+          </a:graphicData>
+        </a:graphic>
+      </p:graphicFrame>
+      <p:sp>
+        <p:nvSpPr>
+          <p:cNvPr id="12" name="직사각형 11"/>
+          <p:cNvSpPr/>
+          <p:nvPr/>
+        </p:nvSpPr>
+        <p:spPr>
+          <a:xfrm>
+            <a:off x="9458666" y="560600"/>
+            <a:ext cx="905892" cy="981257"/>
+          </a:xfrm>
+          <a:prstGeom prst="rect">
+            <a:avLst/>
+          </a:prstGeom>
+          <a:noFill/>
+          <a:ln>
+            <a:prstDash val="solid"/>
+          </a:ln>
+        </p:spPr>
+        <p:style>
+          <a:lnRef idx="2">
+            <a:schemeClr val="accent1">
+              <a:shade val="50000"/>
+            </a:schemeClr>
+          </a:lnRef>
+          <a:fillRef idx="1">
+            <a:schemeClr val="accent1"/>
+          </a:fillRef>
+          <a:effectRef idx="0">
+            <a:schemeClr val="accent1"/>
+          </a:effectRef>
+          <a:fontRef idx="minor">
+            <a:schemeClr val="lt1"/>
+          </a:fontRef>
+        </p:style>
+        <p:txBody>
+          <a:bodyPr rtlCol="0" anchor="ctr"/>
+          <a:lstStyle/>
+          <a:p>
+            <a:pPr algn="ctr"/>
+            <a:endParaRPr lang="ko-KR" altLang="en-US"/>
+          </a:p>
+        </p:txBody>
+      </p:sp>
+      <p:sp>
+        <p:nvSpPr>
+          <p:cNvPr id="13" name="직사각형 12"/>
+          <p:cNvSpPr/>
+          <p:nvPr/>
+        </p:nvSpPr>
+        <p:spPr>
+          <a:xfrm>
+            <a:off x="10660505" y="545321"/>
+            <a:ext cx="889252" cy="981257"/>
+          </a:xfrm>
+          <a:prstGeom prst="rect">
+            <a:avLst/>
+          </a:prstGeom>
+          <a:noFill/>
+          <a:ln>
+            <a:prstDash val="solid"/>
+          </a:ln>
+        </p:spPr>
+        <p:style>
+          <a:lnRef idx="2">
+            <a:schemeClr val="accent1">
+              <a:shade val="50000"/>
+            </a:schemeClr>
+          </a:lnRef>
+          <a:fillRef idx="1">
+            <a:schemeClr val="accent1"/>
+          </a:fillRef>
+          <a:effectRef idx="0">
+            <a:schemeClr val="accent1"/>
+          </a:effectRef>
+          <a:fontRef idx="minor">
+            <a:schemeClr val="lt1"/>
+          </a:fontRef>
+        </p:style>
+        <p:txBody>
+          <a:bodyPr rtlCol="0" anchor="ctr"/>
+          <a:lstStyle/>
+          <a:p>
+            <a:pPr algn="ctr"/>
+            <a:endParaRPr lang="ko-KR" altLang="en-US"/>
+          </a:p>
+        </p:txBody>
+      </p:sp>
+      <p:graphicFrame>
+        <p:nvGraphicFramePr>
+          <p:cNvPr id="14" name="표 13"/>
+          <p:cNvGraphicFramePr>
+            <a:graphicFrameLocks noGrp="1"/>
+          </p:cNvGraphicFramePr>
+          <p:nvPr>
+            <p:extLst>
+              <p:ext uri="{D42A27DB-BD31-4B8C-83A1-F6EECF244321}">
+                <p14:modId xmlns:p14="http://schemas.microsoft.com/office/powerpoint/2010/main" val="2663955656"/>
+              </p:ext>
+            </p:extLst>
+          </p:nvPr>
+        </p:nvGraphicFramePr>
+        <p:xfrm>
+          <a:off x="8273468" y="537577"/>
+          <a:ext cx="889249" cy="1017408"/>
+        </p:xfrm>
+        <a:graphic>
+          <a:graphicData uri="http://schemas.openxmlformats.org/drawingml/2006/table">
+            <a:tbl>
+              <a:tblPr firstRow="1" bandRow="1">
+                <a:tableStyleId>{5C22544A-7EE6-4342-B048-85BDC9FD1C3A}</a:tableStyleId>
+              </a:tblPr>
+              <a:tblGrid>
+                <a:gridCol w="889249">
+                  <a:extLst>
+                    <a:ext uri="{9D8B030D-6E8A-4147-A177-3AD203B41FA5}">
+                      <a16:colId xmlns:a16="http://schemas.microsoft.com/office/drawing/2014/main" val="1268748105"/>
+                    </a:ext>
+                  </a:extLst>
+                </a:gridCol>
+              </a:tblGrid>
+              <a:tr h="333503">
+                <a:tc>
+                  <a:txBody>
+                    <a:bodyPr/>
+                    <a:lstStyle/>
+                    <a:p>
+                      <a:pPr algn="ctr" latinLnBrk="1"/>
+                      <a:r>
+                        <a:rPr lang="ko-KR" altLang="en-US" sz="1700" dirty="0" smtClean="0"/>
+                        <a:t>객체</a:t>
+                      </a:r>
+                      <a:endParaRPr lang="ko-KR" altLang="en-US" sz="1700" dirty="0"/>
+                    </a:p>
+                  </a:txBody>
+                  <a:tcPr marL="80056" marR="80056" marT="40028" marB="40028"/>
+                </a:tc>
+                <a:extLst>
+                  <a:ext uri="{0D108BD9-81ED-4DB2-BD59-A6C34878D82A}">
+                    <a16:rowId xmlns:a16="http://schemas.microsoft.com/office/drawing/2014/main" val="4239921442"/>
+                  </a:ext>
+                </a:extLst>
+              </a:tr>
+              <a:tr h="333503">
+                <a:tc>
+                  <a:txBody>
+                    <a:bodyPr/>
+                    <a:lstStyle/>
+                    <a:p>
+                      <a:pPr algn="ctr" latinLnBrk="1"/>
+                      <a:r>
+                        <a:rPr lang="ko-KR" altLang="en-US" sz="1700" dirty="0" smtClean="0"/>
+                        <a:t>속성</a:t>
+                      </a:r>
+                      <a:endParaRPr lang="ko-KR" altLang="en-US" sz="1700" dirty="0"/>
+                    </a:p>
+                  </a:txBody>
+                  <a:tcPr marL="80056" marR="80056" marT="40028" marB="40028"/>
+                </a:tc>
+                <a:extLst>
+                  <a:ext uri="{0D108BD9-81ED-4DB2-BD59-A6C34878D82A}">
+                    <a16:rowId xmlns:a16="http://schemas.microsoft.com/office/drawing/2014/main" val="1850964627"/>
+                  </a:ext>
+                </a:extLst>
+              </a:tr>
+              <a:tr h="333503">
+                <a:tc>
+                  <a:txBody>
+                    <a:bodyPr/>
+                    <a:lstStyle/>
+                    <a:p>
+                      <a:pPr algn="ctr" latinLnBrk="1"/>
+                      <a:r>
+                        <a:rPr lang="ko-KR" altLang="en-US" sz="1700" dirty="0" smtClean="0"/>
+                        <a:t>동작</a:t>
+                      </a:r>
+                      <a:endParaRPr lang="ko-KR" altLang="en-US" sz="1700" dirty="0"/>
+                    </a:p>
+                  </a:txBody>
+                  <a:tcPr marL="80056" marR="80056" marT="40028" marB="40028"/>
+                </a:tc>
+                <a:extLst>
+                  <a:ext uri="{0D108BD9-81ED-4DB2-BD59-A6C34878D82A}">
+                    <a16:rowId xmlns:a16="http://schemas.microsoft.com/office/drawing/2014/main" val="1245535897"/>
+                  </a:ext>
+                </a:extLst>
+              </a:tr>
+            </a:tbl>
+          </a:graphicData>
+        </a:graphic>
+      </p:graphicFrame>
+      <p:sp>
+        <p:nvSpPr>
+          <p:cNvPr id="15" name="직사각형 14"/>
+          <p:cNvSpPr/>
+          <p:nvPr/>
+        </p:nvSpPr>
+        <p:spPr>
+          <a:xfrm>
+            <a:off x="8256825" y="560600"/>
+            <a:ext cx="905892" cy="981257"/>
+          </a:xfrm>
+          <a:prstGeom prst="rect">
+            <a:avLst/>
+          </a:prstGeom>
+          <a:noFill/>
+          <a:ln>
+            <a:prstDash val="solid"/>
+          </a:ln>
+        </p:spPr>
+        <p:style>
+          <a:lnRef idx="2">
+            <a:schemeClr val="accent1">
+              <a:shade val="50000"/>
+            </a:schemeClr>
+          </a:lnRef>
+          <a:fillRef idx="1">
+            <a:schemeClr val="accent1"/>
+          </a:fillRef>
+          <a:effectRef idx="0">
+            <a:schemeClr val="accent1"/>
+          </a:effectRef>
+          <a:fontRef idx="minor">
+            <a:schemeClr val="lt1"/>
+          </a:fontRef>
+        </p:style>
+        <p:txBody>
+          <a:bodyPr rtlCol="0" anchor="ctr"/>
+          <a:lstStyle/>
+          <a:p>
+            <a:pPr algn="ctr"/>
+            <a:endParaRPr lang="ko-KR" altLang="en-US"/>
+          </a:p>
+        </p:txBody>
+      </p:sp>
+      <p:sp>
+        <p:nvSpPr>
+          <p:cNvPr id="16" name="TextBox 15"/>
+          <p:cNvSpPr txBox="1"/>
+          <p:nvPr/>
+        </p:nvSpPr>
+        <p:spPr>
+          <a:xfrm>
+            <a:off x="8216719" y="282311"/>
+            <a:ext cx="922535" cy="246221"/>
+          </a:xfrm>
+          <a:prstGeom prst="rect">
+            <a:avLst/>
+          </a:prstGeom>
+          <a:noFill/>
+        </p:spPr>
+        <p:txBody>
+          <a:bodyPr wrap="square" rtlCol="0">
+            <a:spAutoFit/>
+          </a:bodyPr>
+          <a:lstStyle/>
+          <a:p>
+            <a:r>
+              <a:rPr lang="en-US" altLang="ko-KR" sz="1000" b="1" dirty="0" smtClean="0"/>
+              <a:t>OOP</a:t>
+            </a:r>
+            <a:endParaRPr lang="ko-KR" altLang="en-US" sz="1000" b="1" dirty="0"/>
+          </a:p>
+        </p:txBody>
+      </p:sp>
+      <p:sp>
+        <p:nvSpPr>
+          <p:cNvPr id="17" name="TextBox 16"/>
+          <p:cNvSpPr txBox="1"/>
+          <p:nvPr/>
+        </p:nvSpPr>
+        <p:spPr>
+          <a:xfrm>
+            <a:off x="9415745" y="265917"/>
+            <a:ext cx="948813" cy="246221"/>
+          </a:xfrm>
+          <a:prstGeom prst="rect">
+            <a:avLst/>
+          </a:prstGeom>
+          <a:noFill/>
+        </p:spPr>
+        <p:txBody>
+          <a:bodyPr wrap="square" rtlCol="0">
+            <a:spAutoFit/>
+          </a:bodyPr>
+          <a:lstStyle/>
+          <a:p>
+            <a:r>
+              <a:rPr lang="en-US" altLang="ko-KR" sz="1000" b="1" dirty="0" smtClean="0"/>
+              <a:t>C/C++,C#</a:t>
+            </a:r>
+            <a:endParaRPr lang="ko-KR" altLang="en-US" sz="1000" b="1" dirty="0"/>
+          </a:p>
+        </p:txBody>
+      </p:sp>
+      <p:sp>
+        <p:nvSpPr>
+          <p:cNvPr id="18" name="TextBox 17"/>
+          <p:cNvSpPr txBox="1"/>
+          <p:nvPr/>
+        </p:nvSpPr>
+        <p:spPr>
+          <a:xfrm>
+            <a:off x="10631321" y="275564"/>
+            <a:ext cx="908707" cy="246221"/>
+          </a:xfrm>
+          <a:prstGeom prst="rect">
+            <a:avLst/>
+          </a:prstGeom>
+          <a:noFill/>
+        </p:spPr>
+        <p:txBody>
+          <a:bodyPr wrap="square" rtlCol="0">
+            <a:spAutoFit/>
+          </a:bodyPr>
+          <a:lstStyle/>
+          <a:p>
+            <a:r>
+              <a:rPr lang="en-US" altLang="ko-KR" sz="1000" b="1" dirty="0" smtClean="0"/>
+              <a:t>Java</a:t>
+            </a:r>
+            <a:endParaRPr lang="ko-KR" altLang="en-US" sz="1000" b="1" dirty="0"/>
+          </a:p>
+        </p:txBody>
+      </p:sp>
+    </p:spTree>
+    <p:extLst>
+      <p:ext uri="{BB962C8B-B14F-4D97-AF65-F5344CB8AC3E}">
+        <p14:creationId xmlns:p14="http://schemas.microsoft.com/office/powerpoint/2010/main" val="2706179316"/>
+      </p:ext>
+    </p:extLst>
+  </p:cSld>
+  <p:clrMapOvr>
+    <a:masterClrMapping/>
+  </p:clrMapOvr>
+</p:sld>
+</file>
+
+<file path=ppt/slides/slide3.xml><?xml version="1.0" encoding="utf-8"?>
+<p:sld xmlns:a="http://schemas.openxmlformats.org/drawingml/2006/main" xmlns:r="http://schemas.openxmlformats.org/officeDocument/2006/relationships" xmlns:p="http://schemas.openxmlformats.org/presentationml/2006/main">
+  <p:cSld>
+    <p:spTree>
+      <p:nvGrpSpPr>
+        <p:cNvPr id="1" name=""/>
+        <p:cNvGrpSpPr/>
+        <p:nvPr/>
+      </p:nvGrpSpPr>
+      <p:grpSpPr>
+        <a:xfrm>
+          <a:off x="0" y="0"/>
+          <a:ext cx="0" cy="0"/>
+          <a:chOff x="0" y="0"/>
+          <a:chExt cx="0" cy="0"/>
+        </a:xfrm>
+      </p:grpSpPr>
+      <p:sp>
+        <p:nvSpPr>
+          <p:cNvPr id="2" name="제목 1"/>
+          <p:cNvSpPr>
+            <a:spLocks noGrp="1"/>
+          </p:cNvSpPr>
+          <p:nvPr>
+            <p:ph type="title"/>
+          </p:nvPr>
+        </p:nvSpPr>
+        <p:spPr>
+          <a:xfrm>
+            <a:off x="838199" y="365125"/>
+            <a:ext cx="10259831" cy="1325563"/>
+          </a:xfrm>
+        </p:spPr>
+        <p:txBody>
+          <a:bodyPr/>
+          <a:lstStyle/>
+          <a:p>
+            <a:r>
+              <a:rPr lang="ko-KR" altLang="en-US" dirty="0" smtClean="0"/>
+              <a:t>객체의 설계 </a:t>
+            </a:r>
+            <a:r>
+              <a:rPr lang="en-US" altLang="ko-KR" dirty="0" smtClean="0"/>
+              <a:t>#</a:t>
+            </a:r>
+            <a:r>
+              <a:rPr lang="ko-KR" altLang="en-US" dirty="0" err="1" smtClean="0"/>
+              <a:t>프로토타입</a:t>
+            </a:r>
+            <a:r>
+              <a:rPr lang="ko-KR" altLang="en-US" dirty="0" smtClean="0"/>
+              <a:t> 분석</a:t>
+            </a:r>
+            <a:endParaRPr lang="ko-KR" altLang="en-US" dirty="0"/>
+          </a:p>
+        </p:txBody>
+      </p:sp>
+      <p:graphicFrame>
+        <p:nvGraphicFramePr>
+          <p:cNvPr id="36" name="표 35"/>
+          <p:cNvGraphicFramePr>
+            <a:graphicFrameLocks noGrp="1"/>
+          </p:cNvGraphicFramePr>
+          <p:nvPr>
+            <p:extLst>
+              <p:ext uri="{D42A27DB-BD31-4B8C-83A1-F6EECF244321}">
+                <p14:modId xmlns:p14="http://schemas.microsoft.com/office/powerpoint/2010/main" val="3572542459"/>
+              </p:ext>
+            </p:extLst>
+          </p:nvPr>
+        </p:nvGraphicFramePr>
+        <p:xfrm>
+          <a:off x="2968878" y="3842894"/>
+          <a:ext cx="1416057" cy="1656080"/>
+        </p:xfrm>
+        <a:graphic>
+          <a:graphicData uri="http://schemas.openxmlformats.org/drawingml/2006/table">
+            <a:tbl>
+              <a:tblPr firstRow="1" bandRow="1">
+                <a:tableStyleId>{5C22544A-7EE6-4342-B048-85BDC9FD1C3A}</a:tableStyleId>
+              </a:tblPr>
+              <a:tblGrid>
+                <a:gridCol w="1416057">
+                  <a:extLst>
+                    <a:ext uri="{9D8B030D-6E8A-4147-A177-3AD203B41FA5}">
+                      <a16:colId xmlns:a16="http://schemas.microsoft.com/office/drawing/2014/main" val="1268748105"/>
+                    </a:ext>
+                  </a:extLst>
+                </a:gridCol>
+              </a:tblGrid>
+              <a:tr h="370840">
+                <a:tc>
+                  <a:txBody>
+                    <a:bodyPr/>
+                    <a:lstStyle/>
+                    <a:p>
+                      <a:pPr latinLnBrk="1"/>
+                      <a:r>
+                        <a:rPr lang="ko-KR" altLang="en-US" dirty="0" err="1" smtClean="0"/>
+                        <a:t>아이템정보</a:t>
+                      </a:r>
+                      <a:endParaRPr lang="ko-KR" altLang="en-US" dirty="0"/>
+                    </a:p>
+                  </a:txBody>
+                  <a:tcPr/>
+                </a:tc>
+                <a:extLst>
+                  <a:ext uri="{0D108BD9-81ED-4DB2-BD59-A6C34878D82A}">
+                    <a16:rowId xmlns:a16="http://schemas.microsoft.com/office/drawing/2014/main" val="4239921442"/>
+                  </a:ext>
+                </a:extLst>
+              </a:tr>
+              <a:tr h="331894">
+                <a:tc>
+                  <a:txBody>
+                    <a:bodyPr/>
+                    <a:lstStyle/>
+                    <a:p>
+                      <a:pPr latinLnBrk="1"/>
+                      <a:r>
+                        <a:rPr lang="ko-KR" altLang="en-US" dirty="0" smtClean="0"/>
+                        <a:t>이름</a:t>
+                      </a:r>
+                      <a:endParaRPr lang="en-US" altLang="ko-KR" dirty="0" smtClean="0"/>
+                    </a:p>
+                    <a:p>
+                      <a:pPr latinLnBrk="1"/>
+                      <a:r>
+                        <a:rPr lang="ko-KR" altLang="en-US" dirty="0" smtClean="0"/>
+                        <a:t>설명</a:t>
+                      </a:r>
+                      <a:endParaRPr lang="en-US" altLang="ko-KR" dirty="0" smtClean="0"/>
+                    </a:p>
+                    <a:p>
+                      <a:pPr latinLnBrk="1"/>
+                      <a:r>
+                        <a:rPr lang="ko-KR" altLang="en-US" dirty="0" err="1" smtClean="0"/>
+                        <a:t>아이템종류</a:t>
+                      </a:r>
+                      <a:endParaRPr lang="ko-KR" altLang="en-US" dirty="0"/>
+                    </a:p>
+                  </a:txBody>
+                  <a:tcPr/>
+                </a:tc>
+                <a:extLst>
+                  <a:ext uri="{0D108BD9-81ED-4DB2-BD59-A6C34878D82A}">
+                    <a16:rowId xmlns:a16="http://schemas.microsoft.com/office/drawing/2014/main" val="1850964627"/>
+                  </a:ext>
+                </a:extLst>
+              </a:tr>
+              <a:tr h="370840">
+                <a:tc>
+                  <a:txBody>
+                    <a:bodyPr/>
+                    <a:lstStyle/>
+                    <a:p>
+                      <a:pPr latinLnBrk="1"/>
+                      <a:r>
+                        <a:rPr lang="ko-KR" altLang="en-US" dirty="0" smtClean="0"/>
+                        <a:t>사용</a:t>
+                      </a:r>
+                      <a:endParaRPr lang="ko-KR" altLang="en-US" dirty="0"/>
+                    </a:p>
+                  </a:txBody>
+                  <a:tcPr/>
+                </a:tc>
+                <a:extLst>
+                  <a:ext uri="{0D108BD9-81ED-4DB2-BD59-A6C34878D82A}">
+                    <a16:rowId xmlns:a16="http://schemas.microsoft.com/office/drawing/2014/main" val="1245535897"/>
+                  </a:ext>
+                </a:extLst>
+              </a:tr>
+            </a:tbl>
+          </a:graphicData>
+        </a:graphic>
+      </p:graphicFrame>
+      <p:sp>
+        <p:nvSpPr>
+          <p:cNvPr id="37" name="직사각형 36"/>
+          <p:cNvSpPr/>
+          <p:nvPr/>
+        </p:nvSpPr>
+        <p:spPr>
+          <a:xfrm>
+            <a:off x="2984487" y="4802798"/>
+            <a:ext cx="1395948" cy="319085"/>
+          </a:xfrm>
+          <a:prstGeom prst="rect">
+            <a:avLst/>
+          </a:prstGeom>
+          <a:solidFill>
+            <a:schemeClr val="accent1">
+              <a:alpha val="50000"/>
+            </a:schemeClr>
+          </a:solidFill>
+        </p:spPr>
+        <p:style>
+          <a:lnRef idx="2">
+            <a:schemeClr val="accent1">
+              <a:shade val="50000"/>
+            </a:schemeClr>
+          </a:lnRef>
+          <a:fillRef idx="1">
+            <a:schemeClr val="accent1"/>
+          </a:fillRef>
+          <a:effectRef idx="0">
+            <a:schemeClr val="accent1"/>
+          </a:effectRef>
+          <a:fontRef idx="minor">
+            <a:schemeClr val="lt1"/>
+          </a:fontRef>
+        </p:style>
+        <p:txBody>
+          <a:bodyPr rtlCol="0" anchor="ctr"/>
+          <a:lstStyle/>
+          <a:p>
+            <a:pPr algn="ctr"/>
+            <a:endParaRPr lang="ko-KR" altLang="en-US"/>
+          </a:p>
+        </p:txBody>
+      </p:sp>
+      <p:graphicFrame>
+        <p:nvGraphicFramePr>
+          <p:cNvPr id="45" name="표 44"/>
+          <p:cNvGraphicFramePr>
+            <a:graphicFrameLocks noGrp="1"/>
+          </p:cNvGraphicFramePr>
+          <p:nvPr>
+            <p:extLst>
+              <p:ext uri="{D42A27DB-BD31-4B8C-83A1-F6EECF244321}">
+                <p14:modId xmlns:p14="http://schemas.microsoft.com/office/powerpoint/2010/main" val="2027478467"/>
+              </p:ext>
+            </p:extLst>
+          </p:nvPr>
+        </p:nvGraphicFramePr>
+        <p:xfrm>
+          <a:off x="2957765" y="2058792"/>
+          <a:ext cx="1416057" cy="1651000"/>
+        </p:xfrm>
+        <a:graphic>
+          <a:graphicData uri="http://schemas.openxmlformats.org/drawingml/2006/table">
+            <a:tbl>
+              <a:tblPr firstRow="1" bandRow="1">
+                <a:tableStyleId>{5C22544A-7EE6-4342-B048-85BDC9FD1C3A}</a:tableStyleId>
+              </a:tblPr>
+              <a:tblGrid>
+                <a:gridCol w="1416057">
+                  <a:extLst>
+                    <a:ext uri="{9D8B030D-6E8A-4147-A177-3AD203B41FA5}">
+                      <a16:colId xmlns:a16="http://schemas.microsoft.com/office/drawing/2014/main" val="1268748105"/>
+                    </a:ext>
+                  </a:extLst>
+                </a:gridCol>
+              </a:tblGrid>
+              <a:tr h="370840">
+                <a:tc>
+                  <a:txBody>
+                    <a:bodyPr/>
+                    <a:lstStyle/>
+                    <a:p>
+                      <a:pPr latinLnBrk="1"/>
+                      <a:r>
+                        <a:rPr lang="ko-KR" altLang="en-US" dirty="0" smtClean="0"/>
+                        <a:t>아이템</a:t>
+                      </a:r>
+                      <a:endParaRPr lang="ko-KR" altLang="en-US" dirty="0"/>
+                    </a:p>
+                  </a:txBody>
+                  <a:tcPr/>
+                </a:tc>
+                <a:extLst>
+                  <a:ext uri="{0D108BD9-81ED-4DB2-BD59-A6C34878D82A}">
+                    <a16:rowId xmlns:a16="http://schemas.microsoft.com/office/drawing/2014/main" val="4239921442"/>
+                  </a:ext>
+                </a:extLst>
+              </a:tr>
+              <a:tr h="331894">
+                <a:tc>
+                  <a:txBody>
+                    <a:bodyPr/>
+                    <a:lstStyle/>
+                    <a:p>
+                      <a:pPr latinLnBrk="1"/>
+                      <a:r>
+                        <a:rPr lang="ko-KR" altLang="en-US" dirty="0" err="1" smtClean="0"/>
+                        <a:t>아이템종류</a:t>
+                      </a:r>
+                      <a:endParaRPr lang="en-US" altLang="ko-KR" dirty="0" smtClean="0"/>
+                    </a:p>
+                    <a:p>
+                      <a:pPr latinLnBrk="1"/>
+                      <a:r>
+                        <a:rPr lang="ko-KR" altLang="en-US" dirty="0" smtClean="0"/>
+                        <a:t>점수</a:t>
+                      </a:r>
+                      <a:endParaRPr lang="ko-KR" altLang="en-US" dirty="0"/>
+                    </a:p>
+                  </a:txBody>
+                  <a:tcPr/>
+                </a:tc>
+                <a:extLst>
+                  <a:ext uri="{0D108BD9-81ED-4DB2-BD59-A6C34878D82A}">
+                    <a16:rowId xmlns:a16="http://schemas.microsoft.com/office/drawing/2014/main" val="1850964627"/>
+                  </a:ext>
+                </a:extLst>
+              </a:tr>
+              <a:tr h="370840">
+                <a:tc>
+                  <a:txBody>
+                    <a:bodyPr/>
+                    <a:lstStyle/>
+                    <a:p>
+                      <a:pPr latinLnBrk="1"/>
+                      <a:r>
+                        <a:rPr lang="ko-KR" altLang="en-US" dirty="0" smtClean="0"/>
+                        <a:t>사용</a:t>
+                      </a:r>
+                      <a:endParaRPr lang="en-US" altLang="ko-KR" dirty="0" smtClean="0"/>
+                    </a:p>
+                    <a:p>
+                      <a:pPr latinLnBrk="1"/>
+                      <a:r>
+                        <a:rPr lang="ko-KR" altLang="en-US" dirty="0" smtClean="0"/>
+                        <a:t>트리거</a:t>
+                      </a:r>
+                      <a:endParaRPr lang="ko-KR" altLang="en-US" dirty="0"/>
+                    </a:p>
+                  </a:txBody>
+                  <a:tcPr/>
+                </a:tc>
+                <a:extLst>
+                  <a:ext uri="{0D108BD9-81ED-4DB2-BD59-A6C34878D82A}">
+                    <a16:rowId xmlns:a16="http://schemas.microsoft.com/office/drawing/2014/main" val="1245535897"/>
+                  </a:ext>
+                </a:extLst>
+              </a:tr>
+            </a:tbl>
+          </a:graphicData>
+        </a:graphic>
+      </p:graphicFrame>
+      <p:sp>
+        <p:nvSpPr>
+          <p:cNvPr id="46" name="직사각형 45"/>
+          <p:cNvSpPr/>
+          <p:nvPr/>
+        </p:nvSpPr>
+        <p:spPr>
+          <a:xfrm>
+            <a:off x="2974312" y="2461134"/>
+            <a:ext cx="1410623" cy="319085"/>
+          </a:xfrm>
+          <a:prstGeom prst="rect">
+            <a:avLst/>
+          </a:prstGeom>
+          <a:solidFill>
+            <a:schemeClr val="accent1">
+              <a:alpha val="50000"/>
+            </a:schemeClr>
+          </a:solidFill>
+        </p:spPr>
+        <p:style>
+          <a:lnRef idx="2">
+            <a:schemeClr val="accent1">
+              <a:shade val="50000"/>
+            </a:schemeClr>
+          </a:lnRef>
+          <a:fillRef idx="1">
+            <a:schemeClr val="accent1"/>
+          </a:fillRef>
+          <a:effectRef idx="0">
+            <a:schemeClr val="accent1"/>
+          </a:effectRef>
+          <a:fontRef idx="minor">
+            <a:schemeClr val="lt1"/>
+          </a:fontRef>
+        </p:style>
+        <p:txBody>
+          <a:bodyPr rtlCol="0" anchor="ctr"/>
+          <a:lstStyle/>
+          <a:p>
+            <a:pPr algn="ctr"/>
+            <a:endParaRPr lang="ko-KR" altLang="en-US"/>
+          </a:p>
+        </p:txBody>
+      </p:sp>
+      <p:graphicFrame>
+        <p:nvGraphicFramePr>
+          <p:cNvPr id="80" name="표 79"/>
+          <p:cNvGraphicFramePr>
+            <a:graphicFrameLocks noGrp="1"/>
+          </p:cNvGraphicFramePr>
+          <p:nvPr>
+            <p:extLst>
+              <p:ext uri="{D42A27DB-BD31-4B8C-83A1-F6EECF244321}">
+                <p14:modId xmlns:p14="http://schemas.microsoft.com/office/powerpoint/2010/main" val="640457347"/>
+              </p:ext>
+            </p:extLst>
+          </p:nvPr>
+        </p:nvGraphicFramePr>
+        <p:xfrm>
+          <a:off x="5267573" y="2075751"/>
+          <a:ext cx="1416057" cy="2468880"/>
+        </p:xfrm>
+        <a:graphic>
+          <a:graphicData uri="http://schemas.openxmlformats.org/drawingml/2006/table">
+            <a:tbl>
+              <a:tblPr firstRow="1" bandRow="1">
+                <a:tableStyleId>{5C22544A-7EE6-4342-B048-85BDC9FD1C3A}</a:tableStyleId>
+              </a:tblPr>
+              <a:tblGrid>
+                <a:gridCol w="1416057">
+                  <a:extLst>
+                    <a:ext uri="{9D8B030D-6E8A-4147-A177-3AD203B41FA5}">
+                      <a16:colId xmlns:a16="http://schemas.microsoft.com/office/drawing/2014/main" val="1268748105"/>
+                    </a:ext>
+                  </a:extLst>
+                </a:gridCol>
+              </a:tblGrid>
+              <a:tr h="370840">
+                <a:tc>
+                  <a:txBody>
+                    <a:bodyPr/>
+                    <a:lstStyle/>
+                    <a:p>
+                      <a:pPr latinLnBrk="1"/>
+                      <a:r>
+                        <a:rPr lang="ko-KR" altLang="en-US" dirty="0" smtClean="0"/>
+                        <a:t>아이템정보관리자</a:t>
+                      </a:r>
+                      <a:endParaRPr lang="ko-KR" altLang="en-US" dirty="0"/>
+                    </a:p>
+                  </a:txBody>
+                  <a:tcPr/>
+                </a:tc>
+                <a:extLst>
+                  <a:ext uri="{0D108BD9-81ED-4DB2-BD59-A6C34878D82A}">
+                    <a16:rowId xmlns:a16="http://schemas.microsoft.com/office/drawing/2014/main" val="4239921442"/>
+                  </a:ext>
+                </a:extLst>
+              </a:tr>
+              <a:tr h="331894">
+                <a:tc>
+                  <a:txBody>
+                    <a:bodyPr/>
+                    <a:lstStyle/>
+                    <a:p>
+                      <a:pPr latinLnBrk="1"/>
+                      <a:r>
+                        <a:rPr lang="ko-KR" altLang="en-US" dirty="0" smtClean="0"/>
+                        <a:t>아이템정보목록</a:t>
+                      </a:r>
+                      <a:endParaRPr lang="ko-KR" altLang="en-US" dirty="0"/>
+                    </a:p>
+                  </a:txBody>
+                  <a:tcPr/>
+                </a:tc>
+                <a:extLst>
+                  <a:ext uri="{0D108BD9-81ED-4DB2-BD59-A6C34878D82A}">
+                    <a16:rowId xmlns:a16="http://schemas.microsoft.com/office/drawing/2014/main" val="1850964627"/>
+                  </a:ext>
+                </a:extLst>
+              </a:tr>
+              <a:tr h="370840">
+                <a:tc>
+                  <a:txBody>
+                    <a:bodyPr/>
+                    <a:lstStyle/>
+                    <a:p>
+                      <a:pPr latinLnBrk="1"/>
+                      <a:r>
+                        <a:rPr lang="ko-KR" altLang="en-US" dirty="0" smtClean="0"/>
+                        <a:t>가져오기</a:t>
+                      </a:r>
+                      <a:endParaRPr lang="en-US" altLang="ko-KR" dirty="0" smtClean="0"/>
+                    </a:p>
+                    <a:p>
+                      <a:pPr latinLnBrk="1"/>
+                      <a:r>
+                        <a:rPr lang="ko-KR" altLang="en-US" dirty="0" smtClean="0"/>
+                        <a:t>추가하기</a:t>
+                      </a:r>
+                      <a:endParaRPr lang="en-US" altLang="ko-KR" dirty="0" smtClean="0"/>
+                    </a:p>
+                    <a:p>
+                      <a:pPr latinLnBrk="1"/>
+                      <a:r>
+                        <a:rPr lang="ko-KR" altLang="en-US" dirty="0" err="1" smtClean="0"/>
+                        <a:t>목록생성</a:t>
+                      </a:r>
+                      <a:endParaRPr lang="en-US" altLang="ko-KR" dirty="0" smtClean="0"/>
+                    </a:p>
+                    <a:p>
+                      <a:pPr latinLnBrk="1"/>
+                      <a:r>
+                        <a:rPr lang="ko-KR" altLang="en-US" dirty="0" err="1" smtClean="0"/>
+                        <a:t>모두제거</a:t>
+                      </a:r>
+                      <a:endParaRPr lang="ko-KR" altLang="en-US" dirty="0"/>
+                    </a:p>
+                  </a:txBody>
+                  <a:tcPr/>
+                </a:tc>
+                <a:extLst>
+                  <a:ext uri="{0D108BD9-81ED-4DB2-BD59-A6C34878D82A}">
+                    <a16:rowId xmlns:a16="http://schemas.microsoft.com/office/drawing/2014/main" val="1245535897"/>
+                  </a:ext>
+                </a:extLst>
+              </a:tr>
+            </a:tbl>
+          </a:graphicData>
+        </a:graphic>
+      </p:graphicFrame>
+      <p:sp>
+        <p:nvSpPr>
+          <p:cNvPr id="28" name="직사각형 27"/>
+          <p:cNvSpPr/>
+          <p:nvPr/>
+        </p:nvSpPr>
+        <p:spPr>
+          <a:xfrm>
+            <a:off x="2979991" y="3857389"/>
+            <a:ext cx="1404941" cy="1636289"/>
+          </a:xfrm>
+          <a:prstGeom prst="rect">
+            <a:avLst/>
+          </a:prstGeom>
+          <a:noFill/>
+          <a:ln>
+            <a:prstDash val="solid"/>
+          </a:ln>
+        </p:spPr>
+        <p:style>
+          <a:lnRef idx="2">
+            <a:schemeClr val="accent1">
+              <a:shade val="50000"/>
+            </a:schemeClr>
+          </a:lnRef>
+          <a:fillRef idx="1">
+            <a:schemeClr val="accent1"/>
+          </a:fillRef>
+          <a:effectRef idx="0">
+            <a:schemeClr val="accent1"/>
+          </a:effectRef>
+          <a:fontRef idx="minor">
+            <a:schemeClr val="lt1"/>
+          </a:fontRef>
+        </p:style>
+        <p:txBody>
+          <a:bodyPr rtlCol="0" anchor="ctr"/>
+          <a:lstStyle/>
+          <a:p>
+            <a:pPr algn="ctr"/>
+            <a:endParaRPr lang="ko-KR" altLang="en-US"/>
+          </a:p>
+        </p:txBody>
+      </p:sp>
+      <p:sp>
+        <p:nvSpPr>
+          <p:cNvPr id="30" name="직사각형 29"/>
+          <p:cNvSpPr/>
+          <p:nvPr/>
+        </p:nvSpPr>
+        <p:spPr>
+          <a:xfrm>
+            <a:off x="5273130" y="2072550"/>
+            <a:ext cx="1404941" cy="2472081"/>
+          </a:xfrm>
+          <a:prstGeom prst="rect">
+            <a:avLst/>
+          </a:prstGeom>
+          <a:noFill/>
+          <a:ln>
+            <a:prstDash val="solid"/>
+          </a:ln>
+        </p:spPr>
+        <p:style>
+          <a:lnRef idx="2">
+            <a:schemeClr val="accent1">
+              <a:shade val="50000"/>
+            </a:schemeClr>
+          </a:lnRef>
+          <a:fillRef idx="1">
+            <a:schemeClr val="accent1"/>
+          </a:fillRef>
+          <a:effectRef idx="0">
+            <a:schemeClr val="accent1"/>
+          </a:effectRef>
+          <a:fontRef idx="minor">
+            <a:schemeClr val="lt1"/>
+          </a:fontRef>
+        </p:style>
+        <p:txBody>
+          <a:bodyPr rtlCol="0" anchor="ctr"/>
+          <a:lstStyle/>
+          <a:p>
+            <a:pPr algn="ctr"/>
+            <a:endParaRPr lang="ko-KR" altLang="en-US"/>
+          </a:p>
+        </p:txBody>
+      </p:sp>
+      <p:sp>
+        <p:nvSpPr>
+          <p:cNvPr id="10" name="타원 9"/>
+          <p:cNvSpPr/>
+          <p:nvPr/>
+        </p:nvSpPr>
+        <p:spPr>
+          <a:xfrm>
+            <a:off x="585081" y="2098739"/>
+            <a:ext cx="1571106" cy="1571106"/>
+          </a:xfrm>
+          <a:prstGeom prst="ellipse">
+            <a:avLst/>
+          </a:prstGeom>
+        </p:spPr>
+        <p:style>
+          <a:lnRef idx="2">
+            <a:schemeClr val="accent1">
+              <a:shade val="50000"/>
+            </a:schemeClr>
+          </a:lnRef>
+          <a:fillRef idx="1">
+            <a:schemeClr val="accent1"/>
+          </a:fillRef>
+          <a:effectRef idx="0">
+            <a:schemeClr val="accent1"/>
+          </a:effectRef>
+          <a:fontRef idx="minor">
+            <a:schemeClr val="lt1"/>
+          </a:fontRef>
+        </p:style>
+        <p:txBody>
+          <a:bodyPr rtlCol="0" anchor="ctr"/>
+          <a:lstStyle/>
+          <a:p>
+            <a:pPr algn="ctr"/>
+            <a:r>
+              <a:rPr lang="ko-KR" altLang="en-US" dirty="0" smtClean="0"/>
+              <a:t>아이템</a:t>
+            </a:r>
+            <a:r>
+              <a:rPr lang="en-US" altLang="ko-KR" dirty="0" smtClean="0"/>
+              <a:t/>
+            </a:r>
+            <a:br>
+              <a:rPr lang="en-US" altLang="ko-KR" dirty="0" smtClean="0"/>
+            </a:br>
+            <a:r>
+              <a:rPr lang="ko-KR" altLang="en-US" dirty="0" smtClean="0"/>
+              <a:t>객체</a:t>
+            </a:r>
+            <a:endParaRPr lang="ko-KR" altLang="en-US" dirty="0"/>
+          </a:p>
+        </p:txBody>
+      </p:sp>
+      <p:cxnSp>
+        <p:nvCxnSpPr>
+          <p:cNvPr id="12" name="직선 화살표 연결선 11"/>
+          <p:cNvCxnSpPr>
+            <a:stCxn id="45" idx="1"/>
+            <a:endCxn id="10" idx="6"/>
+          </p:cNvCxnSpPr>
+          <p:nvPr/>
+        </p:nvCxnSpPr>
+        <p:spPr>
+          <a:xfrm flipH="1">
+            <a:off x="2156187" y="2884292"/>
+            <a:ext cx="801578" cy="0"/>
+          </a:xfrm>
+          <a:prstGeom prst="straightConnector1">
+            <a:avLst/>
+          </a:prstGeom>
+          <a:ln>
+            <a:tailEnd type="triangle"/>
+          </a:ln>
+        </p:spPr>
+        <p:style>
+          <a:lnRef idx="1">
+            <a:schemeClr val="accent1"/>
+          </a:lnRef>
+          <a:fillRef idx="0">
+            <a:schemeClr val="accent1"/>
+          </a:fillRef>
+          <a:effectRef idx="0">
+            <a:schemeClr val="accent1"/>
+          </a:effectRef>
+          <a:fontRef idx="minor">
+            <a:schemeClr val="tx1"/>
+          </a:fontRef>
+        </p:style>
+      </p:cxnSp>
+      <p:sp>
+        <p:nvSpPr>
+          <p:cNvPr id="38" name="직사각형 37"/>
+          <p:cNvSpPr/>
+          <p:nvPr/>
+        </p:nvSpPr>
+        <p:spPr>
+          <a:xfrm>
+            <a:off x="2966154" y="2075750"/>
+            <a:ext cx="1404941" cy="1634041"/>
+          </a:xfrm>
+          <a:prstGeom prst="rect">
+            <a:avLst/>
+          </a:prstGeom>
+          <a:noFill/>
+          <a:ln>
+            <a:prstDash val="solid"/>
+          </a:ln>
+        </p:spPr>
+        <p:style>
+          <a:lnRef idx="2">
+            <a:schemeClr val="accent1">
+              <a:shade val="50000"/>
+            </a:schemeClr>
+          </a:lnRef>
+          <a:fillRef idx="1">
+            <a:schemeClr val="accent1"/>
+          </a:fillRef>
+          <a:effectRef idx="0">
+            <a:schemeClr val="accent1"/>
+          </a:effectRef>
+          <a:fontRef idx="minor">
+            <a:schemeClr val="lt1"/>
+          </a:fontRef>
+        </p:style>
+        <p:txBody>
+          <a:bodyPr rtlCol="0" anchor="ctr"/>
+          <a:lstStyle/>
+          <a:p>
+            <a:pPr algn="ctr"/>
+            <a:endParaRPr lang="ko-KR" altLang="en-US"/>
+          </a:p>
+        </p:txBody>
+      </p:sp>
+      <p:sp>
+        <p:nvSpPr>
+          <p:cNvPr id="47" name="직사각형 46"/>
+          <p:cNvSpPr/>
+          <p:nvPr/>
+        </p:nvSpPr>
+        <p:spPr>
+          <a:xfrm>
+            <a:off x="5267571" y="2733214"/>
+            <a:ext cx="1395948" cy="564181"/>
+          </a:xfrm>
+          <a:prstGeom prst="rect">
+            <a:avLst/>
+          </a:prstGeom>
+          <a:solidFill>
+            <a:schemeClr val="accent1">
+              <a:alpha val="50000"/>
+            </a:schemeClr>
+          </a:solidFill>
+        </p:spPr>
+        <p:style>
+          <a:lnRef idx="2">
+            <a:schemeClr val="accent1">
+              <a:shade val="50000"/>
+            </a:schemeClr>
+          </a:lnRef>
+          <a:fillRef idx="1">
+            <a:schemeClr val="accent1"/>
+          </a:fillRef>
+          <a:effectRef idx="0">
+            <a:schemeClr val="accent1"/>
+          </a:effectRef>
+          <a:fontRef idx="minor">
+            <a:schemeClr val="lt1"/>
+          </a:fontRef>
+        </p:style>
+        <p:txBody>
+          <a:bodyPr rtlCol="0" anchor="ctr"/>
+          <a:lstStyle/>
+          <a:p>
+            <a:pPr algn="ctr"/>
+            <a:endParaRPr lang="ko-KR" altLang="en-US"/>
+          </a:p>
+        </p:txBody>
+      </p:sp>
+      <p:graphicFrame>
+        <p:nvGraphicFramePr>
+          <p:cNvPr id="18" name="표 17"/>
+          <p:cNvGraphicFramePr>
+            <a:graphicFrameLocks noGrp="1"/>
+          </p:cNvGraphicFramePr>
+          <p:nvPr>
+            <p:extLst>
+              <p:ext uri="{D42A27DB-BD31-4B8C-83A1-F6EECF244321}">
+                <p14:modId xmlns:p14="http://schemas.microsoft.com/office/powerpoint/2010/main" val="1490622081"/>
+              </p:ext>
+            </p:extLst>
+          </p:nvPr>
+        </p:nvGraphicFramePr>
+        <p:xfrm>
+          <a:off x="7581178" y="2058792"/>
+          <a:ext cx="1355901" cy="1828800"/>
+        </p:xfrm>
+        <a:graphic>
+          <a:graphicData uri="http://schemas.openxmlformats.org/drawingml/2006/table">
+            <a:tbl>
+              <a:tblPr firstRow="1" bandRow="1">
+                <a:tableStyleId>{5C22544A-7EE6-4342-B048-85BDC9FD1C3A}</a:tableStyleId>
+              </a:tblPr>
+              <a:tblGrid>
+                <a:gridCol w="1355901">
+                  <a:extLst>
+                    <a:ext uri="{9D8B030D-6E8A-4147-A177-3AD203B41FA5}">
+                      <a16:colId xmlns:a16="http://schemas.microsoft.com/office/drawing/2014/main" val="2887686698"/>
+                    </a:ext>
+                  </a:extLst>
+                </a:gridCol>
+              </a:tblGrid>
+              <a:tr h="370840">
+                <a:tc>
+                  <a:txBody>
+                    <a:bodyPr/>
+                    <a:lstStyle/>
+                    <a:p>
+                      <a:pPr latinLnBrk="1"/>
+                      <a:r>
+                        <a:rPr lang="ko-KR" altLang="en-US" dirty="0" err="1" smtClean="0"/>
+                        <a:t>아이템종류</a:t>
+                      </a:r>
+                      <a:r>
+                        <a:rPr lang="en-US" altLang="ko-KR" dirty="0" smtClean="0"/>
+                        <a:t/>
+                      </a:r>
+                      <a:br>
+                        <a:rPr lang="en-US" altLang="ko-KR" dirty="0" smtClean="0"/>
+                      </a:br>
+                      <a:r>
+                        <a:rPr lang="en-US" altLang="ko-KR" dirty="0" smtClean="0"/>
+                        <a:t>(</a:t>
+                      </a:r>
+                      <a:r>
+                        <a:rPr lang="ko-KR" altLang="en-US" dirty="0" err="1" smtClean="0"/>
+                        <a:t>열거형</a:t>
+                      </a:r>
+                      <a:r>
+                        <a:rPr lang="en-US" altLang="ko-KR" dirty="0" smtClean="0"/>
+                        <a:t>)</a:t>
+                      </a:r>
+                      <a:endParaRPr lang="ko-KR" altLang="en-US" dirty="0"/>
+                    </a:p>
+                  </a:txBody>
+                  <a:tcPr/>
+                </a:tc>
+                <a:extLst>
+                  <a:ext uri="{0D108BD9-81ED-4DB2-BD59-A6C34878D82A}">
+                    <a16:rowId xmlns:a16="http://schemas.microsoft.com/office/drawing/2014/main" val="1333923813"/>
+                  </a:ext>
+                </a:extLst>
+              </a:tr>
+              <a:tr h="370840">
+                <a:tc>
+                  <a:txBody>
+                    <a:bodyPr/>
+                    <a:lstStyle/>
+                    <a:p>
+                      <a:pPr latinLnBrk="1"/>
+                      <a:r>
+                        <a:rPr lang="ko-KR" altLang="en-US" dirty="0" smtClean="0"/>
+                        <a:t>무적</a:t>
+                      </a:r>
+                      <a:endParaRPr lang="en-US" altLang="ko-KR" dirty="0" smtClean="0"/>
+                    </a:p>
+                    <a:p>
+                      <a:pPr latinLnBrk="1"/>
+                      <a:r>
+                        <a:rPr lang="ko-KR" altLang="en-US" dirty="0" smtClean="0"/>
+                        <a:t>회복</a:t>
+                      </a:r>
+                      <a:endParaRPr lang="en-US" altLang="ko-KR" dirty="0" smtClean="0"/>
+                    </a:p>
+                    <a:p>
+                      <a:pPr latinLnBrk="1"/>
+                      <a:r>
+                        <a:rPr lang="ko-KR" altLang="en-US" dirty="0" smtClean="0"/>
+                        <a:t>총알</a:t>
+                      </a:r>
+                      <a:endParaRPr lang="en-US" altLang="ko-KR" dirty="0" smtClean="0"/>
+                    </a:p>
+                    <a:p>
+                      <a:pPr latinLnBrk="1"/>
+                      <a:r>
+                        <a:rPr lang="ko-KR" altLang="en-US" dirty="0" smtClean="0"/>
+                        <a:t>레이저</a:t>
+                      </a:r>
+                      <a:endParaRPr lang="en-US" altLang="ko-KR" dirty="0" smtClean="0"/>
+                    </a:p>
+                  </a:txBody>
+                  <a:tcPr/>
+                </a:tc>
+                <a:extLst>
+                  <a:ext uri="{0D108BD9-81ED-4DB2-BD59-A6C34878D82A}">
+                    <a16:rowId xmlns:a16="http://schemas.microsoft.com/office/drawing/2014/main" val="2835611732"/>
+                  </a:ext>
+                </a:extLst>
+              </a:tr>
+            </a:tbl>
+          </a:graphicData>
+        </a:graphic>
+      </p:graphicFrame>
+      <p:sp>
+        <p:nvSpPr>
+          <p:cNvPr id="54" name="직사각형 53"/>
+          <p:cNvSpPr/>
+          <p:nvPr/>
+        </p:nvSpPr>
+        <p:spPr>
+          <a:xfrm>
+            <a:off x="7557268" y="2065671"/>
+            <a:ext cx="1390924" cy="1815042"/>
+          </a:xfrm>
+          <a:prstGeom prst="rect">
+            <a:avLst/>
+          </a:prstGeom>
+          <a:solidFill>
+            <a:schemeClr val="accent1">
+              <a:alpha val="50000"/>
+            </a:schemeClr>
+          </a:solidFill>
+        </p:spPr>
+        <p:style>
+          <a:lnRef idx="2">
+            <a:schemeClr val="accent1">
+              <a:shade val="50000"/>
+            </a:schemeClr>
+          </a:lnRef>
+          <a:fillRef idx="1">
+            <a:schemeClr val="accent1"/>
+          </a:fillRef>
+          <a:effectRef idx="0">
+            <a:schemeClr val="accent1"/>
+          </a:effectRef>
+          <a:fontRef idx="minor">
+            <a:schemeClr val="lt1"/>
+          </a:fontRef>
+        </p:style>
+        <p:txBody>
+          <a:bodyPr rtlCol="0" anchor="ctr"/>
+          <a:lstStyle/>
+          <a:p>
+            <a:pPr algn="ctr"/>
+            <a:endParaRPr lang="ko-KR" altLang="en-US"/>
+          </a:p>
+        </p:txBody>
+      </p:sp>
+      <p:sp>
+        <p:nvSpPr>
+          <p:cNvPr id="4" name="TextBox 3"/>
+          <p:cNvSpPr txBox="1"/>
+          <p:nvPr/>
+        </p:nvSpPr>
+        <p:spPr>
+          <a:xfrm>
+            <a:off x="116378" y="6376983"/>
+            <a:ext cx="11978641" cy="369332"/>
+          </a:xfrm>
+          <a:prstGeom prst="rect">
+            <a:avLst/>
+          </a:prstGeom>
+          <a:noFill/>
+        </p:spPr>
+        <p:txBody>
+          <a:bodyPr wrap="square" rtlCol="0">
+            <a:spAutoFit/>
+          </a:bodyPr>
+          <a:lstStyle/>
+          <a:p>
+            <a:pPr algn="r"/>
+            <a:r>
+              <a:rPr lang="en-US" altLang="ko-KR" b="1" dirty="0" smtClean="0"/>
+              <a:t>※</a:t>
+            </a:r>
+            <a:r>
+              <a:rPr lang="ko-KR" altLang="en-US" b="1" dirty="0" smtClean="0"/>
+              <a:t>무엇을 해야할지 판단이 </a:t>
+            </a:r>
+            <a:r>
+              <a:rPr lang="ko-KR" altLang="en-US" b="1" dirty="0" err="1" smtClean="0"/>
+              <a:t>되지않을때는</a:t>
+            </a:r>
+            <a:r>
+              <a:rPr lang="ko-KR" altLang="en-US" b="1" dirty="0" smtClean="0"/>
+              <a:t> 프로토타입을 제작해보는 것이 가장 이상적이다</a:t>
+            </a:r>
+            <a:r>
+              <a:rPr lang="en-US" altLang="ko-KR" dirty="0" smtClean="0"/>
+              <a:t>.</a:t>
+            </a:r>
+            <a:endParaRPr lang="ko-KR" altLang="en-US" dirty="0"/>
+          </a:p>
+        </p:txBody>
+      </p:sp>
+    </p:spTree>
+    <p:extLst>
+      <p:ext uri="{BB962C8B-B14F-4D97-AF65-F5344CB8AC3E}">
+        <p14:creationId xmlns:p14="http://schemas.microsoft.com/office/powerpoint/2010/main" val="3129761423"/>
+      </p:ext>
+    </p:extLst>
+  </p:cSld>
+  <p:clrMapOvr>
+    <a:masterClrMapping/>
+  </p:clrMapOvr>
+</p:sld>
+</file>
+
+<file path=ppt/slides/slide4.xml><?xml version="1.0" encoding="utf-8"?>
+<p:sld xmlns:a="http://schemas.openxmlformats.org/drawingml/2006/main" xmlns:r="http://schemas.openxmlformats.org/officeDocument/2006/relationships" xmlns:p="http://schemas.openxmlformats.org/presentationml/2006/main">
+  <p:cSld>
+    <p:spTree>
+      <p:nvGrpSpPr>
+        <p:cNvPr id="1" name=""/>
+        <p:cNvGrpSpPr/>
+        <p:nvPr/>
+      </p:nvGrpSpPr>
+      <p:grpSpPr>
+        <a:xfrm>
+          <a:off x="0" y="0"/>
+          <a:ext cx="0" cy="0"/>
+          <a:chOff x="0" y="0"/>
+          <a:chExt cx="0" cy="0"/>
+        </a:xfrm>
+      </p:grpSpPr>
+      <p:sp>
+        <p:nvSpPr>
+          <p:cNvPr id="2" name="제목 1"/>
+          <p:cNvSpPr>
+            <a:spLocks noGrp="1"/>
+          </p:cNvSpPr>
+          <p:nvPr>
+            <p:ph type="title"/>
+          </p:nvPr>
+        </p:nvSpPr>
+        <p:spPr>
+          <a:xfrm>
+            <a:off x="838199" y="365125"/>
+            <a:ext cx="10557933" cy="1325563"/>
+          </a:xfrm>
+        </p:spPr>
+        <p:txBody>
+          <a:bodyPr/>
+          <a:lstStyle/>
+          <a:p>
+            <a:r>
+              <a:rPr lang="ko-KR" altLang="en-US" dirty="0" smtClean="0"/>
+              <a:t>객체의 설계 </a:t>
+            </a:r>
+            <a:r>
+              <a:rPr lang="en-US" altLang="ko-KR" dirty="0" smtClean="0"/>
+              <a:t>#</a:t>
+            </a:r>
+            <a:r>
+              <a:rPr lang="ko-KR" altLang="en-US" dirty="0" smtClean="0"/>
+              <a:t>분석 및 개선</a:t>
             </a:r>
             <a:endParaRPr lang="ko-KR" altLang="en-US" dirty="0"/>
           </a:p>
@@ -3634,7 +5488,7 @@
           <p:nvPr>
             <p:extLst>
               <p:ext uri="{D42A27DB-BD31-4B8C-83A1-F6EECF244321}">
-                <p14:modId xmlns:p14="http://schemas.microsoft.com/office/powerpoint/2010/main" val="1408913559"/>
+                <p14:modId xmlns:p14="http://schemas.microsoft.com/office/powerpoint/2010/main" val="3017442278"/>
               </p:ext>
             </p:extLst>
           </p:nvPr>
@@ -3725,6 +5579,10 @@
                     <a:lstStyle/>
                     <a:p>
                       <a:pPr latinLnBrk="1"/>
+                      <a:r>
+                        <a:rPr lang="ko-KR" altLang="en-US" dirty="0" smtClean="0"/>
+                        <a:t>사용</a:t>
+                      </a:r>
                       <a:endParaRPr lang="ko-KR" altLang="en-US" dirty="0"/>
                     </a:p>
                   </a:txBody>
@@ -5168,7 +7026,7 @@
           <p:nvPr>
             <p:extLst>
               <p:ext uri="{D42A27DB-BD31-4B8C-83A1-F6EECF244321}">
-                <p14:modId xmlns:p14="http://schemas.microsoft.com/office/powerpoint/2010/main" val="1230044737"/>
+                <p14:modId xmlns:p14="http://schemas.microsoft.com/office/powerpoint/2010/main" val="2353722949"/>
               </p:ext>
             </p:extLst>
           </p:nvPr>
@@ -5613,7 +7471,7 @@
 </p:sld>
 </file>
 
-<file path=ppt/slides/slide3.xml><?xml version="1.0" encoding="utf-8"?>
+<file path=ppt/slides/slide5.xml><?xml version="1.0" encoding="utf-8"?>
 <p:sld xmlns:a="http://schemas.openxmlformats.org/drawingml/2006/main" xmlns:r="http://schemas.openxmlformats.org/officeDocument/2006/relationships" xmlns:p="http://schemas.openxmlformats.org/presentationml/2006/main">
   <p:cSld>
     <p:spTree>
@@ -5640,6 +7498,2838 @@
             <p:ph type="title"/>
           </p:nvPr>
         </p:nvSpPr>
+        <p:spPr>
+          <a:xfrm>
+            <a:off x="838198" y="365125"/>
+            <a:ext cx="7707749" cy="1325563"/>
+          </a:xfrm>
+        </p:spPr>
+        <p:txBody>
+          <a:bodyPr/>
+          <a:lstStyle/>
+          <a:p>
+            <a:r>
+              <a:rPr lang="ko-KR" altLang="en-US" dirty="0" smtClean="0"/>
+              <a:t>객체의 설계 </a:t>
+            </a:r>
+            <a:r>
+              <a:rPr lang="en-US" altLang="ko-KR" dirty="0" smtClean="0"/>
+              <a:t>#</a:t>
+            </a:r>
+            <a:r>
+              <a:rPr lang="ko-KR" altLang="en-US" dirty="0" smtClean="0"/>
+              <a:t>분석 및 개선</a:t>
+            </a:r>
+            <a:endParaRPr lang="ko-KR" altLang="en-US" dirty="0"/>
+          </a:p>
+        </p:txBody>
+      </p:sp>
+      <p:graphicFrame>
+        <p:nvGraphicFramePr>
+          <p:cNvPr id="4" name="표 3"/>
+          <p:cNvGraphicFramePr>
+            <a:graphicFrameLocks noGrp="1"/>
+          </p:cNvGraphicFramePr>
+          <p:nvPr>
+            <p:extLst>
+              <p:ext uri="{D42A27DB-BD31-4B8C-83A1-F6EECF244321}">
+                <p14:modId xmlns:p14="http://schemas.microsoft.com/office/powerpoint/2010/main" val="1605189277"/>
+              </p:ext>
+            </p:extLst>
+          </p:nvPr>
+        </p:nvGraphicFramePr>
+        <p:xfrm>
+          <a:off x="8105850" y="1162252"/>
+          <a:ext cx="1286933" cy="1107440"/>
+        </p:xfrm>
+        <a:graphic>
+          <a:graphicData uri="http://schemas.openxmlformats.org/drawingml/2006/table">
+            <a:tbl>
+              <a:tblPr firstRow="1" bandRow="1">
+                <a:tableStyleId>{5C22544A-7EE6-4342-B048-85BDC9FD1C3A}</a:tableStyleId>
+              </a:tblPr>
+              <a:tblGrid>
+                <a:gridCol w="1286933">
+                  <a:extLst>
+                    <a:ext uri="{9D8B030D-6E8A-4147-A177-3AD203B41FA5}">
+                      <a16:colId xmlns:a16="http://schemas.microsoft.com/office/drawing/2014/main" val="1268748105"/>
+                    </a:ext>
+                  </a:extLst>
+                </a:gridCol>
+              </a:tblGrid>
+              <a:tr h="370840">
+                <a:tc>
+                  <a:txBody>
+                    <a:bodyPr/>
+                    <a:lstStyle/>
+                    <a:p>
+                      <a:pPr latinLnBrk="1"/>
+                      <a:r>
+                        <a:rPr lang="ko-KR" altLang="en-US" dirty="0" err="1" smtClean="0"/>
+                        <a:t>무적효과</a:t>
+                      </a:r>
+                      <a:endParaRPr lang="ko-KR" altLang="en-US" dirty="0"/>
+                    </a:p>
+                  </a:txBody>
+                  <a:tcPr/>
+                </a:tc>
+                <a:extLst>
+                  <a:ext uri="{0D108BD9-81ED-4DB2-BD59-A6C34878D82A}">
+                    <a16:rowId xmlns:a16="http://schemas.microsoft.com/office/drawing/2014/main" val="4239921442"/>
+                  </a:ext>
+                </a:extLst>
+              </a:tr>
+              <a:tr h="331894">
+                <a:tc>
+                  <a:txBody>
+                    <a:bodyPr/>
+                    <a:lstStyle/>
+                    <a:p>
+                      <a:pPr latinLnBrk="1"/>
+                      <a:endParaRPr lang="ko-KR" altLang="en-US" dirty="0"/>
+                    </a:p>
+                  </a:txBody>
+                  <a:tcPr/>
+                </a:tc>
+                <a:extLst>
+                  <a:ext uri="{0D108BD9-81ED-4DB2-BD59-A6C34878D82A}">
+                    <a16:rowId xmlns:a16="http://schemas.microsoft.com/office/drawing/2014/main" val="1850964627"/>
+                  </a:ext>
+                </a:extLst>
+              </a:tr>
+              <a:tr h="370840">
+                <a:tc>
+                  <a:txBody>
+                    <a:bodyPr/>
+                    <a:lstStyle/>
+                    <a:p>
+                      <a:pPr latinLnBrk="1"/>
+                      <a:r>
+                        <a:rPr lang="ko-KR" altLang="en-US" dirty="0" smtClean="0"/>
+                        <a:t>사용</a:t>
+                      </a:r>
+                      <a:endParaRPr lang="ko-KR" altLang="en-US" dirty="0"/>
+                    </a:p>
+                  </a:txBody>
+                  <a:tcPr/>
+                </a:tc>
+                <a:extLst>
+                  <a:ext uri="{0D108BD9-81ED-4DB2-BD59-A6C34878D82A}">
+                    <a16:rowId xmlns:a16="http://schemas.microsoft.com/office/drawing/2014/main" val="1245535897"/>
+                  </a:ext>
+                </a:extLst>
+              </a:tr>
+            </a:tbl>
+          </a:graphicData>
+        </a:graphic>
+      </p:graphicFrame>
+      <p:graphicFrame>
+        <p:nvGraphicFramePr>
+          <p:cNvPr id="6" name="표 5"/>
+          <p:cNvGraphicFramePr>
+            <a:graphicFrameLocks noGrp="1"/>
+          </p:cNvGraphicFramePr>
+          <p:nvPr>
+            <p:extLst>
+              <p:ext uri="{D42A27DB-BD31-4B8C-83A1-F6EECF244321}">
+                <p14:modId xmlns:p14="http://schemas.microsoft.com/office/powerpoint/2010/main" val="1317496743"/>
+              </p:ext>
+            </p:extLst>
+          </p:nvPr>
+        </p:nvGraphicFramePr>
+        <p:xfrm>
+          <a:off x="8105853" y="2432772"/>
+          <a:ext cx="1286933" cy="1107440"/>
+        </p:xfrm>
+        <a:graphic>
+          <a:graphicData uri="http://schemas.openxmlformats.org/drawingml/2006/table">
+            <a:tbl>
+              <a:tblPr firstRow="1" bandRow="1">
+                <a:tableStyleId>{5C22544A-7EE6-4342-B048-85BDC9FD1C3A}</a:tableStyleId>
+              </a:tblPr>
+              <a:tblGrid>
+                <a:gridCol w="1286933">
+                  <a:extLst>
+                    <a:ext uri="{9D8B030D-6E8A-4147-A177-3AD203B41FA5}">
+                      <a16:colId xmlns:a16="http://schemas.microsoft.com/office/drawing/2014/main" val="1268748105"/>
+                    </a:ext>
+                  </a:extLst>
+                </a:gridCol>
+              </a:tblGrid>
+              <a:tr h="370840">
+                <a:tc>
+                  <a:txBody>
+                    <a:bodyPr/>
+                    <a:lstStyle/>
+                    <a:p>
+                      <a:pPr latinLnBrk="1"/>
+                      <a:r>
+                        <a:rPr lang="ko-KR" altLang="en-US" dirty="0" err="1" smtClean="0"/>
+                        <a:t>회복효과</a:t>
+                      </a:r>
+                      <a:endParaRPr lang="ko-KR" altLang="en-US" dirty="0"/>
+                    </a:p>
+                  </a:txBody>
+                  <a:tcPr/>
+                </a:tc>
+                <a:extLst>
+                  <a:ext uri="{0D108BD9-81ED-4DB2-BD59-A6C34878D82A}">
+                    <a16:rowId xmlns:a16="http://schemas.microsoft.com/office/drawing/2014/main" val="4239921442"/>
+                  </a:ext>
+                </a:extLst>
+              </a:tr>
+              <a:tr h="331894">
+                <a:tc>
+                  <a:txBody>
+                    <a:bodyPr/>
+                    <a:lstStyle/>
+                    <a:p>
+                      <a:pPr latinLnBrk="1"/>
+                      <a:endParaRPr lang="ko-KR" altLang="en-US" dirty="0"/>
+                    </a:p>
+                  </a:txBody>
+                  <a:tcPr/>
+                </a:tc>
+                <a:extLst>
+                  <a:ext uri="{0D108BD9-81ED-4DB2-BD59-A6C34878D82A}">
+                    <a16:rowId xmlns:a16="http://schemas.microsoft.com/office/drawing/2014/main" val="1850964627"/>
+                  </a:ext>
+                </a:extLst>
+              </a:tr>
+              <a:tr h="370840">
+                <a:tc>
+                  <a:txBody>
+                    <a:bodyPr/>
+                    <a:lstStyle/>
+                    <a:p>
+                      <a:pPr latinLnBrk="1"/>
+                      <a:r>
+                        <a:rPr lang="ko-KR" altLang="en-US" dirty="0" smtClean="0"/>
+                        <a:t>사용</a:t>
+                      </a:r>
+                      <a:endParaRPr lang="ko-KR" altLang="en-US" dirty="0"/>
+                    </a:p>
+                  </a:txBody>
+                  <a:tcPr/>
+                </a:tc>
+                <a:extLst>
+                  <a:ext uri="{0D108BD9-81ED-4DB2-BD59-A6C34878D82A}">
+                    <a16:rowId xmlns:a16="http://schemas.microsoft.com/office/drawing/2014/main" val="1245535897"/>
+                  </a:ext>
+                </a:extLst>
+              </a:tr>
+            </a:tbl>
+          </a:graphicData>
+        </a:graphic>
+      </p:graphicFrame>
+      <p:graphicFrame>
+        <p:nvGraphicFramePr>
+          <p:cNvPr id="8" name="표 7"/>
+          <p:cNvGraphicFramePr>
+            <a:graphicFrameLocks noGrp="1"/>
+          </p:cNvGraphicFramePr>
+          <p:nvPr>
+            <p:extLst>
+              <p:ext uri="{D42A27DB-BD31-4B8C-83A1-F6EECF244321}">
+                <p14:modId xmlns:p14="http://schemas.microsoft.com/office/powerpoint/2010/main" val="1510930750"/>
+              </p:ext>
+            </p:extLst>
+          </p:nvPr>
+        </p:nvGraphicFramePr>
+        <p:xfrm>
+          <a:off x="5291662" y="2452369"/>
+          <a:ext cx="1286933" cy="1107440"/>
+        </p:xfrm>
+        <a:graphic>
+          <a:graphicData uri="http://schemas.openxmlformats.org/drawingml/2006/table">
+            <a:tbl>
+              <a:tblPr firstRow="1" bandRow="1">
+                <a:tableStyleId>{5C22544A-7EE6-4342-B048-85BDC9FD1C3A}</a:tableStyleId>
+              </a:tblPr>
+              <a:tblGrid>
+                <a:gridCol w="1286933">
+                  <a:extLst>
+                    <a:ext uri="{9D8B030D-6E8A-4147-A177-3AD203B41FA5}">
+                      <a16:colId xmlns:a16="http://schemas.microsoft.com/office/drawing/2014/main" val="1268748105"/>
+                    </a:ext>
+                  </a:extLst>
+                </a:gridCol>
+              </a:tblGrid>
+              <a:tr h="370840">
+                <a:tc>
+                  <a:txBody>
+                    <a:bodyPr/>
+                    <a:lstStyle/>
+                    <a:p>
+                      <a:pPr latinLnBrk="1"/>
+                      <a:r>
+                        <a:rPr lang="ko-KR" altLang="en-US" dirty="0" smtClean="0"/>
+                        <a:t>효과</a:t>
+                      </a:r>
+                      <a:endParaRPr lang="ko-KR" altLang="en-US" dirty="0"/>
+                    </a:p>
+                  </a:txBody>
+                  <a:tcPr/>
+                </a:tc>
+                <a:extLst>
+                  <a:ext uri="{0D108BD9-81ED-4DB2-BD59-A6C34878D82A}">
+                    <a16:rowId xmlns:a16="http://schemas.microsoft.com/office/drawing/2014/main" val="4239921442"/>
+                  </a:ext>
+                </a:extLst>
+              </a:tr>
+              <a:tr h="331894">
+                <a:tc>
+                  <a:txBody>
+                    <a:bodyPr/>
+                    <a:lstStyle/>
+                    <a:p>
+                      <a:pPr latinLnBrk="1"/>
+                      <a:endParaRPr lang="ko-KR" altLang="en-US" dirty="0"/>
+                    </a:p>
+                  </a:txBody>
+                  <a:tcPr/>
+                </a:tc>
+                <a:extLst>
+                  <a:ext uri="{0D108BD9-81ED-4DB2-BD59-A6C34878D82A}">
+                    <a16:rowId xmlns:a16="http://schemas.microsoft.com/office/drawing/2014/main" val="1850964627"/>
+                  </a:ext>
+                </a:extLst>
+              </a:tr>
+              <a:tr h="370840">
+                <a:tc>
+                  <a:txBody>
+                    <a:bodyPr/>
+                    <a:lstStyle/>
+                    <a:p>
+                      <a:pPr latinLnBrk="1"/>
+                      <a:r>
+                        <a:rPr lang="ko-KR" altLang="en-US" dirty="0" smtClean="0"/>
+                        <a:t>사용</a:t>
+                      </a:r>
+                      <a:endParaRPr lang="ko-KR" altLang="en-US" dirty="0"/>
+                    </a:p>
+                  </a:txBody>
+                  <a:tcPr/>
+                </a:tc>
+                <a:extLst>
+                  <a:ext uri="{0D108BD9-81ED-4DB2-BD59-A6C34878D82A}">
+                    <a16:rowId xmlns:a16="http://schemas.microsoft.com/office/drawing/2014/main" val="1245535897"/>
+                  </a:ext>
+                </a:extLst>
+              </a:tr>
+            </a:tbl>
+          </a:graphicData>
+        </a:graphic>
+      </p:graphicFrame>
+      <p:sp>
+        <p:nvSpPr>
+          <p:cNvPr id="31" name="직사각형 30"/>
+          <p:cNvSpPr/>
+          <p:nvPr/>
+        </p:nvSpPr>
+        <p:spPr>
+          <a:xfrm>
+            <a:off x="5291661" y="2451416"/>
+            <a:ext cx="1286934" cy="1107439"/>
+          </a:xfrm>
+          <a:prstGeom prst="rect">
+            <a:avLst/>
+          </a:prstGeom>
+          <a:noFill/>
+          <a:ln>
+            <a:prstDash val="dash"/>
+          </a:ln>
+        </p:spPr>
+        <p:style>
+          <a:lnRef idx="2">
+            <a:schemeClr val="accent1">
+              <a:shade val="50000"/>
+            </a:schemeClr>
+          </a:lnRef>
+          <a:fillRef idx="1">
+            <a:schemeClr val="accent1"/>
+          </a:fillRef>
+          <a:effectRef idx="0">
+            <a:schemeClr val="accent1"/>
+          </a:effectRef>
+          <a:fontRef idx="minor">
+            <a:schemeClr val="lt1"/>
+          </a:fontRef>
+        </p:style>
+        <p:txBody>
+          <a:bodyPr rtlCol="0" anchor="ctr"/>
+          <a:lstStyle/>
+          <a:p>
+            <a:pPr algn="ctr"/>
+            <a:endParaRPr lang="ko-KR" altLang="en-US"/>
+          </a:p>
+        </p:txBody>
+      </p:sp>
+      <p:graphicFrame>
+        <p:nvGraphicFramePr>
+          <p:cNvPr id="36" name="표 35"/>
+          <p:cNvGraphicFramePr>
+            <a:graphicFrameLocks noGrp="1"/>
+          </p:cNvGraphicFramePr>
+          <p:nvPr>
+            <p:extLst>
+              <p:ext uri="{D42A27DB-BD31-4B8C-83A1-F6EECF244321}">
+                <p14:modId xmlns:p14="http://schemas.microsoft.com/office/powerpoint/2010/main" val="224134595"/>
+              </p:ext>
+            </p:extLst>
+          </p:nvPr>
+        </p:nvGraphicFramePr>
+        <p:xfrm>
+          <a:off x="2824687" y="1892987"/>
+          <a:ext cx="1416057" cy="1656080"/>
+        </p:xfrm>
+        <a:graphic>
+          <a:graphicData uri="http://schemas.openxmlformats.org/drawingml/2006/table">
+            <a:tbl>
+              <a:tblPr firstRow="1" bandRow="1">
+                <a:tableStyleId>{5C22544A-7EE6-4342-B048-85BDC9FD1C3A}</a:tableStyleId>
+              </a:tblPr>
+              <a:tblGrid>
+                <a:gridCol w="1416057">
+                  <a:extLst>
+                    <a:ext uri="{9D8B030D-6E8A-4147-A177-3AD203B41FA5}">
+                      <a16:colId xmlns:a16="http://schemas.microsoft.com/office/drawing/2014/main" val="1268748105"/>
+                    </a:ext>
+                  </a:extLst>
+                </a:gridCol>
+              </a:tblGrid>
+              <a:tr h="370840">
+                <a:tc>
+                  <a:txBody>
+                    <a:bodyPr/>
+                    <a:lstStyle/>
+                    <a:p>
+                      <a:pPr latinLnBrk="1"/>
+                      <a:r>
+                        <a:rPr lang="ko-KR" altLang="en-US" dirty="0" err="1" smtClean="0"/>
+                        <a:t>아이템정보</a:t>
+                      </a:r>
+                      <a:endParaRPr lang="ko-KR" altLang="en-US" dirty="0"/>
+                    </a:p>
+                  </a:txBody>
+                  <a:tcPr/>
+                </a:tc>
+                <a:extLst>
+                  <a:ext uri="{0D108BD9-81ED-4DB2-BD59-A6C34878D82A}">
+                    <a16:rowId xmlns:a16="http://schemas.microsoft.com/office/drawing/2014/main" val="4239921442"/>
+                  </a:ext>
+                </a:extLst>
+              </a:tr>
+              <a:tr h="331894">
+                <a:tc>
+                  <a:txBody>
+                    <a:bodyPr/>
+                    <a:lstStyle/>
+                    <a:p>
+                      <a:pPr latinLnBrk="1"/>
+                      <a:r>
+                        <a:rPr lang="ko-KR" altLang="en-US" dirty="0" smtClean="0"/>
+                        <a:t>이름</a:t>
+                      </a:r>
+                      <a:endParaRPr lang="en-US" altLang="ko-KR" dirty="0" smtClean="0"/>
+                    </a:p>
+                    <a:p>
+                      <a:pPr latinLnBrk="1"/>
+                      <a:r>
+                        <a:rPr lang="ko-KR" altLang="en-US" dirty="0" smtClean="0"/>
+                        <a:t>설명</a:t>
+                      </a:r>
+                      <a:endParaRPr lang="en-US" altLang="ko-KR" dirty="0" smtClean="0"/>
+                    </a:p>
+                    <a:p>
+                      <a:pPr latinLnBrk="1"/>
+                      <a:r>
+                        <a:rPr lang="ko-KR" altLang="en-US" dirty="0" smtClean="0"/>
+                        <a:t>효과</a:t>
+                      </a:r>
+                      <a:endParaRPr lang="ko-KR" altLang="en-US" dirty="0"/>
+                    </a:p>
+                  </a:txBody>
+                  <a:tcPr/>
+                </a:tc>
+                <a:extLst>
+                  <a:ext uri="{0D108BD9-81ED-4DB2-BD59-A6C34878D82A}">
+                    <a16:rowId xmlns:a16="http://schemas.microsoft.com/office/drawing/2014/main" val="1850964627"/>
+                  </a:ext>
+                </a:extLst>
+              </a:tr>
+              <a:tr h="370840">
+                <a:tc>
+                  <a:txBody>
+                    <a:bodyPr/>
+                    <a:lstStyle/>
+                    <a:p>
+                      <a:pPr latinLnBrk="1"/>
+                      <a:r>
+                        <a:rPr lang="ko-KR" altLang="en-US" dirty="0" smtClean="0"/>
+                        <a:t>사용</a:t>
+                      </a:r>
+                      <a:endParaRPr lang="ko-KR" altLang="en-US" dirty="0"/>
+                    </a:p>
+                  </a:txBody>
+                  <a:tcPr/>
+                </a:tc>
+                <a:extLst>
+                  <a:ext uri="{0D108BD9-81ED-4DB2-BD59-A6C34878D82A}">
+                    <a16:rowId xmlns:a16="http://schemas.microsoft.com/office/drawing/2014/main" val="1245535897"/>
+                  </a:ext>
+                </a:extLst>
+              </a:tr>
+            </a:tbl>
+          </a:graphicData>
+        </a:graphic>
+      </p:graphicFrame>
+      <p:sp>
+        <p:nvSpPr>
+          <p:cNvPr id="37" name="직사각형 36"/>
+          <p:cNvSpPr/>
+          <p:nvPr/>
+        </p:nvSpPr>
+        <p:spPr>
+          <a:xfrm>
+            <a:off x="2844796" y="2845592"/>
+            <a:ext cx="1395948" cy="319085"/>
+          </a:xfrm>
+          <a:prstGeom prst="rect">
+            <a:avLst/>
+          </a:prstGeom>
+          <a:solidFill>
+            <a:schemeClr val="accent1">
+              <a:alpha val="50000"/>
+            </a:schemeClr>
+          </a:solidFill>
+        </p:spPr>
+        <p:style>
+          <a:lnRef idx="2">
+            <a:schemeClr val="accent1">
+              <a:shade val="50000"/>
+            </a:schemeClr>
+          </a:lnRef>
+          <a:fillRef idx="1">
+            <a:schemeClr val="accent1"/>
+          </a:fillRef>
+          <a:effectRef idx="0">
+            <a:schemeClr val="accent1"/>
+          </a:effectRef>
+          <a:fontRef idx="minor">
+            <a:schemeClr val="lt1"/>
+          </a:fontRef>
+        </p:style>
+        <p:txBody>
+          <a:bodyPr rtlCol="0" anchor="ctr"/>
+          <a:lstStyle/>
+          <a:p>
+            <a:pPr algn="ctr"/>
+            <a:endParaRPr lang="ko-KR" altLang="en-US"/>
+          </a:p>
+        </p:txBody>
+      </p:sp>
+      <p:cxnSp>
+        <p:nvCxnSpPr>
+          <p:cNvPr id="39" name="직선 화살표 연결선 38"/>
+          <p:cNvCxnSpPr>
+            <a:stCxn id="31" idx="1"/>
+            <a:endCxn id="37" idx="3"/>
+          </p:cNvCxnSpPr>
+          <p:nvPr/>
+        </p:nvCxnSpPr>
+        <p:spPr>
+          <a:xfrm flipH="1" flipV="1">
+            <a:off x="4240744" y="3005135"/>
+            <a:ext cx="1050917" cy="1"/>
+          </a:xfrm>
+          <a:prstGeom prst="straightConnector1">
+            <a:avLst/>
+          </a:prstGeom>
+          <a:ln>
+            <a:tailEnd type="triangle"/>
+          </a:ln>
+        </p:spPr>
+        <p:style>
+          <a:lnRef idx="1">
+            <a:schemeClr val="accent1"/>
+          </a:lnRef>
+          <a:fillRef idx="0">
+            <a:schemeClr val="accent1"/>
+          </a:fillRef>
+          <a:effectRef idx="0">
+            <a:schemeClr val="accent1"/>
+          </a:effectRef>
+          <a:fontRef idx="minor">
+            <a:schemeClr val="tx1"/>
+          </a:fontRef>
+        </p:style>
+      </p:cxnSp>
+      <p:sp>
+        <p:nvSpPr>
+          <p:cNvPr id="42" name="TextBox 41"/>
+          <p:cNvSpPr txBox="1"/>
+          <p:nvPr/>
+        </p:nvSpPr>
+        <p:spPr>
+          <a:xfrm>
+            <a:off x="6774273" y="3080876"/>
+            <a:ext cx="636177" cy="246221"/>
+          </a:xfrm>
+          <a:prstGeom prst="rect">
+            <a:avLst/>
+          </a:prstGeom>
+          <a:noFill/>
+        </p:spPr>
+        <p:txBody>
+          <a:bodyPr wrap="square" rtlCol="0">
+            <a:spAutoFit/>
+          </a:bodyPr>
+          <a:lstStyle/>
+          <a:p>
+            <a:r>
+              <a:rPr lang="ko-KR" altLang="en-US" sz="1000" dirty="0" smtClean="0"/>
+              <a:t>실체화</a:t>
+            </a:r>
+            <a:endParaRPr lang="ko-KR" altLang="en-US" sz="1000" dirty="0"/>
+          </a:p>
+        </p:txBody>
+      </p:sp>
+      <p:sp>
+        <p:nvSpPr>
+          <p:cNvPr id="43" name="TextBox 42"/>
+          <p:cNvSpPr txBox="1"/>
+          <p:nvPr/>
+        </p:nvSpPr>
+        <p:spPr>
+          <a:xfrm>
+            <a:off x="4424948" y="2747136"/>
+            <a:ext cx="571499" cy="246221"/>
+          </a:xfrm>
+          <a:prstGeom prst="rect">
+            <a:avLst/>
+          </a:prstGeom>
+          <a:noFill/>
+        </p:spPr>
+        <p:txBody>
+          <a:bodyPr wrap="square" rtlCol="0">
+            <a:spAutoFit/>
+          </a:bodyPr>
+          <a:lstStyle/>
+          <a:p>
+            <a:r>
+              <a:rPr lang="ko-KR" altLang="en-US" sz="1000" dirty="0" smtClean="0"/>
+              <a:t>포함</a:t>
+            </a:r>
+            <a:endParaRPr lang="ko-KR" altLang="en-US" sz="1000" dirty="0"/>
+          </a:p>
+        </p:txBody>
+      </p:sp>
+      <p:graphicFrame>
+        <p:nvGraphicFramePr>
+          <p:cNvPr id="45" name="표 44"/>
+          <p:cNvGraphicFramePr>
+            <a:graphicFrameLocks noGrp="1"/>
+          </p:cNvGraphicFramePr>
+          <p:nvPr>
+            <p:extLst>
+              <p:ext uri="{D42A27DB-BD31-4B8C-83A1-F6EECF244321}">
+                <p14:modId xmlns:p14="http://schemas.microsoft.com/office/powerpoint/2010/main" val="2595103485"/>
+              </p:ext>
+            </p:extLst>
+          </p:nvPr>
+        </p:nvGraphicFramePr>
+        <p:xfrm>
+          <a:off x="696361" y="2162011"/>
+          <a:ext cx="1416057" cy="1381760"/>
+        </p:xfrm>
+        <a:graphic>
+          <a:graphicData uri="http://schemas.openxmlformats.org/drawingml/2006/table">
+            <a:tbl>
+              <a:tblPr firstRow="1" bandRow="1">
+                <a:tableStyleId>{5C22544A-7EE6-4342-B048-85BDC9FD1C3A}</a:tableStyleId>
+              </a:tblPr>
+              <a:tblGrid>
+                <a:gridCol w="1416057">
+                  <a:extLst>
+                    <a:ext uri="{9D8B030D-6E8A-4147-A177-3AD203B41FA5}">
+                      <a16:colId xmlns:a16="http://schemas.microsoft.com/office/drawing/2014/main" val="1268748105"/>
+                    </a:ext>
+                  </a:extLst>
+                </a:gridCol>
+              </a:tblGrid>
+              <a:tr h="370840">
+                <a:tc>
+                  <a:txBody>
+                    <a:bodyPr/>
+                    <a:lstStyle/>
+                    <a:p>
+                      <a:pPr latinLnBrk="1"/>
+                      <a:r>
+                        <a:rPr lang="ko-KR" altLang="en-US" dirty="0" smtClean="0"/>
+                        <a:t>아이템</a:t>
+                      </a:r>
+                      <a:endParaRPr lang="ko-KR" altLang="en-US" dirty="0"/>
+                    </a:p>
+                  </a:txBody>
+                  <a:tcPr/>
+                </a:tc>
+                <a:extLst>
+                  <a:ext uri="{0D108BD9-81ED-4DB2-BD59-A6C34878D82A}">
+                    <a16:rowId xmlns:a16="http://schemas.microsoft.com/office/drawing/2014/main" val="4239921442"/>
+                  </a:ext>
+                </a:extLst>
+              </a:tr>
+              <a:tr h="331894">
+                <a:tc>
+                  <a:txBody>
+                    <a:bodyPr/>
+                    <a:lstStyle/>
+                    <a:p>
+                      <a:pPr latinLnBrk="1"/>
+                      <a:r>
+                        <a:rPr lang="ko-KR" altLang="en-US" dirty="0" err="1" smtClean="0"/>
+                        <a:t>아이템정보</a:t>
+                      </a:r>
+                      <a:endParaRPr lang="en-US" altLang="ko-KR" dirty="0" smtClean="0"/>
+                    </a:p>
+                    <a:p>
+                      <a:pPr latinLnBrk="1"/>
+                      <a:r>
+                        <a:rPr lang="ko-KR" altLang="en-US" dirty="0" smtClean="0"/>
+                        <a:t>점수</a:t>
+                      </a:r>
+                      <a:endParaRPr lang="ko-KR" altLang="en-US" dirty="0"/>
+                    </a:p>
+                  </a:txBody>
+                  <a:tcPr/>
+                </a:tc>
+                <a:extLst>
+                  <a:ext uri="{0D108BD9-81ED-4DB2-BD59-A6C34878D82A}">
+                    <a16:rowId xmlns:a16="http://schemas.microsoft.com/office/drawing/2014/main" val="1850964627"/>
+                  </a:ext>
+                </a:extLst>
+              </a:tr>
+              <a:tr h="370840">
+                <a:tc>
+                  <a:txBody>
+                    <a:bodyPr/>
+                    <a:lstStyle/>
+                    <a:p>
+                      <a:pPr latinLnBrk="1"/>
+                      <a:r>
+                        <a:rPr lang="ko-KR" altLang="en-US" dirty="0" smtClean="0"/>
+                        <a:t>트리거</a:t>
+                      </a:r>
+                      <a:endParaRPr lang="ko-KR" altLang="en-US" dirty="0"/>
+                    </a:p>
+                  </a:txBody>
+                  <a:tcPr/>
+                </a:tc>
+                <a:extLst>
+                  <a:ext uri="{0D108BD9-81ED-4DB2-BD59-A6C34878D82A}">
+                    <a16:rowId xmlns:a16="http://schemas.microsoft.com/office/drawing/2014/main" val="1245535897"/>
+                  </a:ext>
+                </a:extLst>
+              </a:tr>
+            </a:tbl>
+          </a:graphicData>
+        </a:graphic>
+      </p:graphicFrame>
+      <p:sp>
+        <p:nvSpPr>
+          <p:cNvPr id="46" name="직사각형 45"/>
+          <p:cNvSpPr/>
+          <p:nvPr/>
+        </p:nvSpPr>
+        <p:spPr>
+          <a:xfrm>
+            <a:off x="696358" y="2567222"/>
+            <a:ext cx="1410623" cy="319085"/>
+          </a:xfrm>
+          <a:prstGeom prst="rect">
+            <a:avLst/>
+          </a:prstGeom>
+          <a:solidFill>
+            <a:schemeClr val="accent1">
+              <a:alpha val="50000"/>
+            </a:schemeClr>
+          </a:solidFill>
+        </p:spPr>
+        <p:style>
+          <a:lnRef idx="2">
+            <a:schemeClr val="accent1">
+              <a:shade val="50000"/>
+            </a:schemeClr>
+          </a:lnRef>
+          <a:fillRef idx="1">
+            <a:schemeClr val="accent1"/>
+          </a:fillRef>
+          <a:effectRef idx="0">
+            <a:schemeClr val="accent1"/>
+          </a:effectRef>
+          <a:fontRef idx="minor">
+            <a:schemeClr val="lt1"/>
+          </a:fontRef>
+        </p:style>
+        <p:txBody>
+          <a:bodyPr rtlCol="0" anchor="ctr"/>
+          <a:lstStyle/>
+          <a:p>
+            <a:pPr algn="ctr"/>
+            <a:endParaRPr lang="ko-KR" altLang="en-US"/>
+          </a:p>
+        </p:txBody>
+      </p:sp>
+      <p:cxnSp>
+        <p:nvCxnSpPr>
+          <p:cNvPr id="48" name="직선 화살표 연결선 47"/>
+          <p:cNvCxnSpPr>
+            <a:stCxn id="36" idx="1"/>
+            <a:endCxn id="46" idx="3"/>
+          </p:cNvCxnSpPr>
+          <p:nvPr/>
+        </p:nvCxnSpPr>
+        <p:spPr>
+          <a:xfrm flipH="1">
+            <a:off x="2106981" y="2721027"/>
+            <a:ext cx="717706" cy="5738"/>
+          </a:xfrm>
+          <a:prstGeom prst="straightConnector1">
+            <a:avLst/>
+          </a:prstGeom>
+          <a:ln>
+            <a:tailEnd type="triangle"/>
+          </a:ln>
+        </p:spPr>
+        <p:style>
+          <a:lnRef idx="1">
+            <a:schemeClr val="accent1"/>
+          </a:lnRef>
+          <a:fillRef idx="0">
+            <a:schemeClr val="accent1"/>
+          </a:fillRef>
+          <a:effectRef idx="0">
+            <a:schemeClr val="accent1"/>
+          </a:effectRef>
+          <a:fontRef idx="minor">
+            <a:schemeClr val="tx1"/>
+          </a:fontRef>
+        </p:style>
+      </p:cxnSp>
+      <p:sp>
+        <p:nvSpPr>
+          <p:cNvPr id="58" name="직사각형 57"/>
+          <p:cNvSpPr/>
+          <p:nvPr/>
+        </p:nvSpPr>
+        <p:spPr>
+          <a:xfrm>
+            <a:off x="8105849" y="2457019"/>
+            <a:ext cx="1286934" cy="1107439"/>
+          </a:xfrm>
+          <a:prstGeom prst="rect">
+            <a:avLst/>
+          </a:prstGeom>
+          <a:noFill/>
+          <a:ln>
+            <a:prstDash val="solid"/>
+          </a:ln>
+        </p:spPr>
+        <p:style>
+          <a:lnRef idx="2">
+            <a:schemeClr val="accent1">
+              <a:shade val="50000"/>
+            </a:schemeClr>
+          </a:lnRef>
+          <a:fillRef idx="1">
+            <a:schemeClr val="accent1"/>
+          </a:fillRef>
+          <a:effectRef idx="0">
+            <a:schemeClr val="accent1"/>
+          </a:effectRef>
+          <a:fontRef idx="minor">
+            <a:schemeClr val="lt1"/>
+          </a:fontRef>
+        </p:style>
+        <p:txBody>
+          <a:bodyPr rtlCol="0" anchor="ctr"/>
+          <a:lstStyle/>
+          <a:p>
+            <a:pPr algn="ctr"/>
+            <a:endParaRPr lang="ko-KR" altLang="en-US"/>
+          </a:p>
+        </p:txBody>
+      </p:sp>
+      <p:sp>
+        <p:nvSpPr>
+          <p:cNvPr id="60" name="직사각형 59"/>
+          <p:cNvSpPr/>
+          <p:nvPr/>
+        </p:nvSpPr>
+        <p:spPr>
+          <a:xfrm>
+            <a:off x="8105849" y="1179664"/>
+            <a:ext cx="1286934" cy="1107439"/>
+          </a:xfrm>
+          <a:prstGeom prst="rect">
+            <a:avLst/>
+          </a:prstGeom>
+          <a:noFill/>
+          <a:ln>
+            <a:prstDash val="solid"/>
+          </a:ln>
+        </p:spPr>
+        <p:style>
+          <a:lnRef idx="2">
+            <a:schemeClr val="accent1">
+              <a:shade val="50000"/>
+            </a:schemeClr>
+          </a:lnRef>
+          <a:fillRef idx="1">
+            <a:schemeClr val="accent1"/>
+          </a:fillRef>
+          <a:effectRef idx="0">
+            <a:schemeClr val="accent1"/>
+          </a:effectRef>
+          <a:fontRef idx="minor">
+            <a:schemeClr val="lt1"/>
+          </a:fontRef>
+        </p:style>
+        <p:txBody>
+          <a:bodyPr rtlCol="0" anchor="ctr"/>
+          <a:lstStyle/>
+          <a:p>
+            <a:pPr algn="ctr"/>
+            <a:endParaRPr lang="ko-KR" altLang="en-US"/>
+          </a:p>
+        </p:txBody>
+      </p:sp>
+      <p:sp>
+        <p:nvSpPr>
+          <p:cNvPr id="66" name="TextBox 65"/>
+          <p:cNvSpPr txBox="1"/>
+          <p:nvPr/>
+        </p:nvSpPr>
+        <p:spPr>
+          <a:xfrm>
+            <a:off x="5291661" y="2178969"/>
+            <a:ext cx="1591735" cy="246221"/>
+          </a:xfrm>
+          <a:prstGeom prst="rect">
+            <a:avLst/>
+          </a:prstGeom>
+          <a:noFill/>
+        </p:spPr>
+        <p:txBody>
+          <a:bodyPr wrap="square" rtlCol="0">
+            <a:spAutoFit/>
+          </a:bodyPr>
+          <a:lstStyle/>
+          <a:p>
+            <a:r>
+              <a:rPr lang="ko-KR" altLang="en-US" sz="1000" dirty="0" err="1" smtClean="0"/>
+              <a:t>추상클래스</a:t>
+            </a:r>
+            <a:r>
+              <a:rPr lang="en-US" altLang="ko-KR" sz="1000" dirty="0" smtClean="0"/>
+              <a:t>(</a:t>
+            </a:r>
+            <a:r>
+              <a:rPr lang="ko-KR" altLang="en-US" sz="1000" dirty="0" smtClean="0"/>
+              <a:t>인터페이스</a:t>
+            </a:r>
+            <a:r>
+              <a:rPr lang="en-US" altLang="ko-KR" sz="1000" dirty="0" smtClean="0"/>
+              <a:t>)</a:t>
+            </a:r>
+            <a:endParaRPr lang="ko-KR" altLang="en-US" sz="1000" dirty="0"/>
+          </a:p>
+        </p:txBody>
+      </p:sp>
+      <p:cxnSp>
+        <p:nvCxnSpPr>
+          <p:cNvPr id="68" name="꺾인 연결선 67"/>
+          <p:cNvCxnSpPr>
+            <a:stCxn id="60" idx="1"/>
+            <a:endCxn id="8" idx="3"/>
+          </p:cNvCxnSpPr>
+          <p:nvPr/>
+        </p:nvCxnSpPr>
+        <p:spPr>
+          <a:xfrm rot="10800000" flipV="1">
+            <a:off x="6578595" y="1733383"/>
+            <a:ext cx="1527254" cy="1272705"/>
+          </a:xfrm>
+          <a:prstGeom prst="bentConnector3">
+            <a:avLst/>
+          </a:prstGeom>
+          <a:ln>
+            <a:prstDash val="dash"/>
+            <a:tailEnd type="triangle"/>
+          </a:ln>
+        </p:spPr>
+        <p:style>
+          <a:lnRef idx="1">
+            <a:schemeClr val="accent1"/>
+          </a:lnRef>
+          <a:fillRef idx="0">
+            <a:schemeClr val="accent1"/>
+          </a:fillRef>
+          <a:effectRef idx="0">
+            <a:schemeClr val="accent1"/>
+          </a:effectRef>
+          <a:fontRef idx="minor">
+            <a:schemeClr val="tx1"/>
+          </a:fontRef>
+        </p:style>
+      </p:cxnSp>
+      <p:cxnSp>
+        <p:nvCxnSpPr>
+          <p:cNvPr id="72" name="꺾인 연결선 71"/>
+          <p:cNvCxnSpPr>
+            <a:stCxn id="58" idx="1"/>
+            <a:endCxn id="8" idx="3"/>
+          </p:cNvCxnSpPr>
+          <p:nvPr/>
+        </p:nvCxnSpPr>
+        <p:spPr>
+          <a:xfrm rot="10800000">
+            <a:off x="6578595" y="3006089"/>
+            <a:ext cx="1527254" cy="4650"/>
+          </a:xfrm>
+          <a:prstGeom prst="bentConnector3">
+            <a:avLst/>
+          </a:prstGeom>
+          <a:ln>
+            <a:prstDash val="dash"/>
+            <a:tailEnd type="triangle"/>
+          </a:ln>
+        </p:spPr>
+        <p:style>
+          <a:lnRef idx="1">
+            <a:schemeClr val="accent1"/>
+          </a:lnRef>
+          <a:fillRef idx="0">
+            <a:schemeClr val="accent1"/>
+          </a:fillRef>
+          <a:effectRef idx="0">
+            <a:schemeClr val="accent1"/>
+          </a:effectRef>
+          <a:fontRef idx="minor">
+            <a:schemeClr val="tx1"/>
+          </a:fontRef>
+        </p:style>
+      </p:cxnSp>
+      <p:cxnSp>
+        <p:nvCxnSpPr>
+          <p:cNvPr id="74" name="꺾인 연결선 73"/>
+          <p:cNvCxnSpPr>
+            <a:stCxn id="53" idx="1"/>
+            <a:endCxn id="31" idx="3"/>
+          </p:cNvCxnSpPr>
+          <p:nvPr/>
+        </p:nvCxnSpPr>
+        <p:spPr>
+          <a:xfrm rot="10800000">
+            <a:off x="6578596" y="3005136"/>
+            <a:ext cx="1537235" cy="1289996"/>
+          </a:xfrm>
+          <a:prstGeom prst="bentConnector3">
+            <a:avLst/>
+          </a:prstGeom>
+          <a:ln>
+            <a:prstDash val="dash"/>
+            <a:tailEnd type="triangle"/>
+          </a:ln>
+        </p:spPr>
+        <p:style>
+          <a:lnRef idx="1">
+            <a:schemeClr val="accent1"/>
+          </a:lnRef>
+          <a:fillRef idx="0">
+            <a:schemeClr val="accent1"/>
+          </a:fillRef>
+          <a:effectRef idx="0">
+            <a:schemeClr val="accent1"/>
+          </a:effectRef>
+          <a:fontRef idx="minor">
+            <a:schemeClr val="tx1"/>
+          </a:fontRef>
+        </p:style>
+      </p:cxnSp>
+      <p:sp>
+        <p:nvSpPr>
+          <p:cNvPr id="77" name="이등변 삼각형 76"/>
+          <p:cNvSpPr/>
+          <p:nvPr/>
+        </p:nvSpPr>
+        <p:spPr>
+          <a:xfrm rot="16200000">
+            <a:off x="6584900" y="2914448"/>
+            <a:ext cx="183069" cy="157818"/>
+          </a:xfrm>
+          <a:prstGeom prst="triangle">
+            <a:avLst/>
+          </a:prstGeom>
+        </p:spPr>
+        <p:style>
+          <a:lnRef idx="2">
+            <a:schemeClr val="accent1">
+              <a:shade val="50000"/>
+            </a:schemeClr>
+          </a:lnRef>
+          <a:fillRef idx="1">
+            <a:schemeClr val="accent1"/>
+          </a:fillRef>
+          <a:effectRef idx="0">
+            <a:schemeClr val="accent1"/>
+          </a:effectRef>
+          <a:fontRef idx="minor">
+            <a:schemeClr val="lt1"/>
+          </a:fontRef>
+        </p:style>
+        <p:txBody>
+          <a:bodyPr rtlCol="0" anchor="ctr"/>
+          <a:lstStyle/>
+          <a:p>
+            <a:pPr algn="ctr"/>
+            <a:endParaRPr lang="ko-KR" altLang="en-US"/>
+          </a:p>
+        </p:txBody>
+      </p:sp>
+      <p:graphicFrame>
+        <p:nvGraphicFramePr>
+          <p:cNvPr id="80" name="표 79"/>
+          <p:cNvGraphicFramePr>
+            <a:graphicFrameLocks noGrp="1"/>
+          </p:cNvGraphicFramePr>
+          <p:nvPr>
+            <p:extLst>
+              <p:ext uri="{D42A27DB-BD31-4B8C-83A1-F6EECF244321}">
+                <p14:modId xmlns:p14="http://schemas.microsoft.com/office/powerpoint/2010/main" val="768305254"/>
+              </p:ext>
+            </p:extLst>
+          </p:nvPr>
+        </p:nvGraphicFramePr>
+        <p:xfrm>
+          <a:off x="2824684" y="4065251"/>
+          <a:ext cx="1416057" cy="2468880"/>
+        </p:xfrm>
+        <a:graphic>
+          <a:graphicData uri="http://schemas.openxmlformats.org/drawingml/2006/table">
+            <a:tbl>
+              <a:tblPr firstRow="1" bandRow="1">
+                <a:tableStyleId>{5C22544A-7EE6-4342-B048-85BDC9FD1C3A}</a:tableStyleId>
+              </a:tblPr>
+              <a:tblGrid>
+                <a:gridCol w="1416057">
+                  <a:extLst>
+                    <a:ext uri="{9D8B030D-6E8A-4147-A177-3AD203B41FA5}">
+                      <a16:colId xmlns:a16="http://schemas.microsoft.com/office/drawing/2014/main" val="1268748105"/>
+                    </a:ext>
+                  </a:extLst>
+                </a:gridCol>
+              </a:tblGrid>
+              <a:tr h="370840">
+                <a:tc>
+                  <a:txBody>
+                    <a:bodyPr/>
+                    <a:lstStyle/>
+                    <a:p>
+                      <a:pPr latinLnBrk="1"/>
+                      <a:r>
+                        <a:rPr lang="ko-KR" altLang="en-US" dirty="0" smtClean="0"/>
+                        <a:t>아이템정보관리자</a:t>
+                      </a:r>
+                      <a:endParaRPr lang="ko-KR" altLang="en-US" dirty="0"/>
+                    </a:p>
+                  </a:txBody>
+                  <a:tcPr/>
+                </a:tc>
+                <a:extLst>
+                  <a:ext uri="{0D108BD9-81ED-4DB2-BD59-A6C34878D82A}">
+                    <a16:rowId xmlns:a16="http://schemas.microsoft.com/office/drawing/2014/main" val="4239921442"/>
+                  </a:ext>
+                </a:extLst>
+              </a:tr>
+              <a:tr h="331894">
+                <a:tc>
+                  <a:txBody>
+                    <a:bodyPr/>
+                    <a:lstStyle/>
+                    <a:p>
+                      <a:pPr latinLnBrk="1"/>
+                      <a:r>
+                        <a:rPr lang="ko-KR" altLang="en-US" dirty="0" smtClean="0"/>
+                        <a:t>아이템정보목록</a:t>
+                      </a:r>
+                      <a:endParaRPr lang="ko-KR" altLang="en-US" dirty="0"/>
+                    </a:p>
+                  </a:txBody>
+                  <a:tcPr/>
+                </a:tc>
+                <a:extLst>
+                  <a:ext uri="{0D108BD9-81ED-4DB2-BD59-A6C34878D82A}">
+                    <a16:rowId xmlns:a16="http://schemas.microsoft.com/office/drawing/2014/main" val="1850964627"/>
+                  </a:ext>
+                </a:extLst>
+              </a:tr>
+              <a:tr h="370840">
+                <a:tc>
+                  <a:txBody>
+                    <a:bodyPr/>
+                    <a:lstStyle/>
+                    <a:p>
+                      <a:pPr latinLnBrk="1"/>
+                      <a:r>
+                        <a:rPr lang="ko-KR" altLang="en-US" dirty="0" smtClean="0"/>
+                        <a:t>가져오기</a:t>
+                      </a:r>
+                      <a:endParaRPr lang="en-US" altLang="ko-KR" dirty="0" smtClean="0"/>
+                    </a:p>
+                    <a:p>
+                      <a:pPr latinLnBrk="1"/>
+                      <a:r>
+                        <a:rPr lang="ko-KR" altLang="en-US" dirty="0" smtClean="0"/>
+                        <a:t>추가하기</a:t>
+                      </a:r>
+                      <a:endParaRPr lang="en-US" altLang="ko-KR" dirty="0" smtClean="0"/>
+                    </a:p>
+                    <a:p>
+                      <a:pPr latinLnBrk="1"/>
+                      <a:r>
+                        <a:rPr lang="ko-KR" altLang="en-US" dirty="0" err="1" smtClean="0"/>
+                        <a:t>목록생성</a:t>
+                      </a:r>
+                      <a:endParaRPr lang="en-US" altLang="ko-KR" dirty="0" smtClean="0"/>
+                    </a:p>
+                    <a:p>
+                      <a:pPr latinLnBrk="1"/>
+                      <a:r>
+                        <a:rPr lang="ko-KR" altLang="en-US" dirty="0" err="1" smtClean="0"/>
+                        <a:t>모두제거</a:t>
+                      </a:r>
+                      <a:endParaRPr lang="ko-KR" altLang="en-US" dirty="0"/>
+                    </a:p>
+                  </a:txBody>
+                  <a:tcPr/>
+                </a:tc>
+                <a:extLst>
+                  <a:ext uri="{0D108BD9-81ED-4DB2-BD59-A6C34878D82A}">
+                    <a16:rowId xmlns:a16="http://schemas.microsoft.com/office/drawing/2014/main" val="1245535897"/>
+                  </a:ext>
+                </a:extLst>
+              </a:tr>
+            </a:tbl>
+          </a:graphicData>
+        </a:graphic>
+      </p:graphicFrame>
+      <p:sp>
+        <p:nvSpPr>
+          <p:cNvPr id="28" name="직사각형 27"/>
+          <p:cNvSpPr/>
+          <p:nvPr/>
+        </p:nvSpPr>
+        <p:spPr>
+          <a:xfrm>
+            <a:off x="2835800" y="1907482"/>
+            <a:ext cx="1404941" cy="1636289"/>
+          </a:xfrm>
+          <a:prstGeom prst="rect">
+            <a:avLst/>
+          </a:prstGeom>
+          <a:noFill/>
+          <a:ln>
+            <a:prstDash val="solid"/>
+          </a:ln>
+        </p:spPr>
+        <p:style>
+          <a:lnRef idx="2">
+            <a:schemeClr val="accent1">
+              <a:shade val="50000"/>
+            </a:schemeClr>
+          </a:lnRef>
+          <a:fillRef idx="1">
+            <a:schemeClr val="accent1"/>
+          </a:fillRef>
+          <a:effectRef idx="0">
+            <a:schemeClr val="accent1"/>
+          </a:effectRef>
+          <a:fontRef idx="minor">
+            <a:schemeClr val="lt1"/>
+          </a:fontRef>
+        </p:style>
+        <p:txBody>
+          <a:bodyPr rtlCol="0" anchor="ctr"/>
+          <a:lstStyle/>
+          <a:p>
+            <a:pPr algn="ctr"/>
+            <a:endParaRPr lang="ko-KR" altLang="en-US"/>
+          </a:p>
+        </p:txBody>
+      </p:sp>
+      <p:sp>
+        <p:nvSpPr>
+          <p:cNvPr id="30" name="직사각형 29"/>
+          <p:cNvSpPr/>
+          <p:nvPr/>
+        </p:nvSpPr>
+        <p:spPr>
+          <a:xfrm>
+            <a:off x="2830241" y="4062050"/>
+            <a:ext cx="1404941" cy="2472081"/>
+          </a:xfrm>
+          <a:prstGeom prst="rect">
+            <a:avLst/>
+          </a:prstGeom>
+          <a:noFill/>
+          <a:ln>
+            <a:prstDash val="solid"/>
+          </a:ln>
+        </p:spPr>
+        <p:style>
+          <a:lnRef idx="2">
+            <a:schemeClr val="accent1">
+              <a:shade val="50000"/>
+            </a:schemeClr>
+          </a:lnRef>
+          <a:fillRef idx="1">
+            <a:schemeClr val="accent1"/>
+          </a:fillRef>
+          <a:effectRef idx="0">
+            <a:schemeClr val="accent1"/>
+          </a:effectRef>
+          <a:fontRef idx="minor">
+            <a:schemeClr val="lt1"/>
+          </a:fontRef>
+        </p:style>
+        <p:txBody>
+          <a:bodyPr rtlCol="0" anchor="ctr"/>
+          <a:lstStyle/>
+          <a:p>
+            <a:pPr algn="ctr"/>
+            <a:endParaRPr lang="ko-KR" altLang="en-US"/>
+          </a:p>
+        </p:txBody>
+      </p:sp>
+      <p:graphicFrame>
+        <p:nvGraphicFramePr>
+          <p:cNvPr id="33" name="표 32"/>
+          <p:cNvGraphicFramePr>
+            <a:graphicFrameLocks noGrp="1"/>
+          </p:cNvGraphicFramePr>
+          <p:nvPr>
+            <p:extLst>
+              <p:ext uri="{D42A27DB-BD31-4B8C-83A1-F6EECF244321}">
+                <p14:modId xmlns:p14="http://schemas.microsoft.com/office/powerpoint/2010/main" val="458029669"/>
+              </p:ext>
+            </p:extLst>
+          </p:nvPr>
+        </p:nvGraphicFramePr>
+        <p:xfrm>
+          <a:off x="5217045" y="4086163"/>
+          <a:ext cx="1416057" cy="1925320"/>
+        </p:xfrm>
+        <a:graphic>
+          <a:graphicData uri="http://schemas.openxmlformats.org/drawingml/2006/table">
+            <a:tbl>
+              <a:tblPr firstRow="1" bandRow="1">
+                <a:tableStyleId>{5C22544A-7EE6-4342-B048-85BDC9FD1C3A}</a:tableStyleId>
+              </a:tblPr>
+              <a:tblGrid>
+                <a:gridCol w="1416057">
+                  <a:extLst>
+                    <a:ext uri="{9D8B030D-6E8A-4147-A177-3AD203B41FA5}">
+                      <a16:colId xmlns:a16="http://schemas.microsoft.com/office/drawing/2014/main" val="1268748105"/>
+                    </a:ext>
+                  </a:extLst>
+                </a:gridCol>
+              </a:tblGrid>
+              <a:tr h="370840">
+                <a:tc>
+                  <a:txBody>
+                    <a:bodyPr/>
+                    <a:lstStyle/>
+                    <a:p>
+                      <a:pPr latinLnBrk="1"/>
+                      <a:r>
+                        <a:rPr lang="ko-KR" altLang="en-US" dirty="0" err="1" smtClean="0"/>
+                        <a:t>효과관리자</a:t>
+                      </a:r>
+                      <a:endParaRPr lang="ko-KR" altLang="en-US" dirty="0"/>
+                    </a:p>
+                  </a:txBody>
+                  <a:tcPr/>
+                </a:tc>
+                <a:extLst>
+                  <a:ext uri="{0D108BD9-81ED-4DB2-BD59-A6C34878D82A}">
+                    <a16:rowId xmlns:a16="http://schemas.microsoft.com/office/drawing/2014/main" val="4239921442"/>
+                  </a:ext>
+                </a:extLst>
+              </a:tr>
+              <a:tr h="331894">
+                <a:tc>
+                  <a:txBody>
+                    <a:bodyPr/>
+                    <a:lstStyle/>
+                    <a:p>
+                      <a:pPr latinLnBrk="1"/>
+                      <a:r>
+                        <a:rPr lang="ko-KR" altLang="en-US" dirty="0" err="1" smtClean="0"/>
+                        <a:t>효과목록</a:t>
+                      </a:r>
+                      <a:endParaRPr lang="ko-KR" altLang="en-US" dirty="0"/>
+                    </a:p>
+                  </a:txBody>
+                  <a:tcPr/>
+                </a:tc>
+                <a:extLst>
+                  <a:ext uri="{0D108BD9-81ED-4DB2-BD59-A6C34878D82A}">
+                    <a16:rowId xmlns:a16="http://schemas.microsoft.com/office/drawing/2014/main" val="1850964627"/>
+                  </a:ext>
+                </a:extLst>
+              </a:tr>
+              <a:tr h="370840">
+                <a:tc>
+                  <a:txBody>
+                    <a:bodyPr/>
+                    <a:lstStyle/>
+                    <a:p>
+                      <a:pPr latinLnBrk="1"/>
+                      <a:r>
+                        <a:rPr lang="ko-KR" altLang="en-US" dirty="0" smtClean="0"/>
+                        <a:t>가져오기</a:t>
+                      </a:r>
+                      <a:endParaRPr lang="en-US" altLang="ko-KR" dirty="0" smtClean="0"/>
+                    </a:p>
+                    <a:p>
+                      <a:pPr latinLnBrk="1"/>
+                      <a:r>
+                        <a:rPr lang="ko-KR" altLang="en-US" dirty="0" smtClean="0"/>
+                        <a:t>추가하기</a:t>
+                      </a:r>
+                      <a:endParaRPr lang="en-US" altLang="ko-KR" dirty="0" smtClean="0"/>
+                    </a:p>
+                    <a:p>
+                      <a:pPr latinLnBrk="1"/>
+                      <a:r>
+                        <a:rPr lang="ko-KR" altLang="en-US" dirty="0" err="1" smtClean="0"/>
+                        <a:t>목록생성</a:t>
+                      </a:r>
+                      <a:endParaRPr lang="en-US" altLang="ko-KR" dirty="0" smtClean="0"/>
+                    </a:p>
+                    <a:p>
+                      <a:pPr latinLnBrk="1"/>
+                      <a:r>
+                        <a:rPr lang="ko-KR" altLang="en-US" dirty="0" err="1" smtClean="0"/>
+                        <a:t>모두제거</a:t>
+                      </a:r>
+                      <a:endParaRPr lang="ko-KR" altLang="en-US" dirty="0"/>
+                    </a:p>
+                  </a:txBody>
+                  <a:tcPr/>
+                </a:tc>
+                <a:extLst>
+                  <a:ext uri="{0D108BD9-81ED-4DB2-BD59-A6C34878D82A}">
+                    <a16:rowId xmlns:a16="http://schemas.microsoft.com/office/drawing/2014/main" val="1245535897"/>
+                  </a:ext>
+                </a:extLst>
+              </a:tr>
+            </a:tbl>
+          </a:graphicData>
+        </a:graphic>
+      </p:graphicFrame>
+      <p:sp>
+        <p:nvSpPr>
+          <p:cNvPr id="10" name="타원 9"/>
+          <p:cNvSpPr/>
+          <p:nvPr/>
+        </p:nvSpPr>
+        <p:spPr>
+          <a:xfrm>
+            <a:off x="610111" y="4235965"/>
+            <a:ext cx="1571106" cy="1571106"/>
+          </a:xfrm>
+          <a:prstGeom prst="ellipse">
+            <a:avLst/>
+          </a:prstGeom>
+        </p:spPr>
+        <p:style>
+          <a:lnRef idx="2">
+            <a:schemeClr val="accent1">
+              <a:shade val="50000"/>
+            </a:schemeClr>
+          </a:lnRef>
+          <a:fillRef idx="1">
+            <a:schemeClr val="accent1"/>
+          </a:fillRef>
+          <a:effectRef idx="0">
+            <a:schemeClr val="accent1"/>
+          </a:effectRef>
+          <a:fontRef idx="minor">
+            <a:schemeClr val="lt1"/>
+          </a:fontRef>
+        </p:style>
+        <p:txBody>
+          <a:bodyPr rtlCol="0" anchor="ctr"/>
+          <a:lstStyle/>
+          <a:p>
+            <a:pPr algn="ctr"/>
+            <a:r>
+              <a:rPr lang="ko-KR" altLang="en-US" dirty="0" smtClean="0"/>
+              <a:t>아이템</a:t>
+            </a:r>
+            <a:r>
+              <a:rPr lang="en-US" altLang="ko-KR" dirty="0" smtClean="0"/>
+              <a:t/>
+            </a:r>
+            <a:br>
+              <a:rPr lang="en-US" altLang="ko-KR" dirty="0" smtClean="0"/>
+            </a:br>
+            <a:r>
+              <a:rPr lang="ko-KR" altLang="en-US" dirty="0" smtClean="0"/>
+              <a:t>객체</a:t>
+            </a:r>
+            <a:endParaRPr lang="ko-KR" altLang="en-US" dirty="0"/>
+          </a:p>
+        </p:txBody>
+      </p:sp>
+      <p:cxnSp>
+        <p:nvCxnSpPr>
+          <p:cNvPr id="12" name="직선 화살표 연결선 11"/>
+          <p:cNvCxnSpPr>
+            <a:stCxn id="45" idx="2"/>
+            <a:endCxn id="10" idx="0"/>
+          </p:cNvCxnSpPr>
+          <p:nvPr/>
+        </p:nvCxnSpPr>
+        <p:spPr>
+          <a:xfrm flipH="1">
+            <a:off x="1395664" y="3543771"/>
+            <a:ext cx="8725" cy="692194"/>
+          </a:xfrm>
+          <a:prstGeom prst="straightConnector1">
+            <a:avLst/>
+          </a:prstGeom>
+          <a:ln>
+            <a:tailEnd type="triangle"/>
+          </a:ln>
+        </p:spPr>
+        <p:style>
+          <a:lnRef idx="1">
+            <a:schemeClr val="accent1"/>
+          </a:lnRef>
+          <a:fillRef idx="0">
+            <a:schemeClr val="accent1"/>
+          </a:fillRef>
+          <a:effectRef idx="0">
+            <a:schemeClr val="accent1"/>
+          </a:effectRef>
+          <a:fontRef idx="minor">
+            <a:schemeClr val="tx1"/>
+          </a:fontRef>
+        </p:style>
+      </p:cxnSp>
+      <p:sp>
+        <p:nvSpPr>
+          <p:cNvPr id="38" name="직사각형 37"/>
+          <p:cNvSpPr/>
+          <p:nvPr/>
+        </p:nvSpPr>
+        <p:spPr>
+          <a:xfrm>
+            <a:off x="704750" y="2178970"/>
+            <a:ext cx="1404941" cy="1364802"/>
+          </a:xfrm>
+          <a:prstGeom prst="rect">
+            <a:avLst/>
+          </a:prstGeom>
+          <a:noFill/>
+          <a:ln>
+            <a:prstDash val="solid"/>
+          </a:ln>
+        </p:spPr>
+        <p:style>
+          <a:lnRef idx="2">
+            <a:schemeClr val="accent1">
+              <a:shade val="50000"/>
+            </a:schemeClr>
+          </a:lnRef>
+          <a:fillRef idx="1">
+            <a:schemeClr val="accent1"/>
+          </a:fillRef>
+          <a:effectRef idx="0">
+            <a:schemeClr val="accent1"/>
+          </a:effectRef>
+          <a:fontRef idx="minor">
+            <a:schemeClr val="lt1"/>
+          </a:fontRef>
+        </p:style>
+        <p:txBody>
+          <a:bodyPr rtlCol="0" anchor="ctr"/>
+          <a:lstStyle/>
+          <a:p>
+            <a:pPr algn="ctr"/>
+            <a:endParaRPr lang="ko-KR" altLang="en-US"/>
+          </a:p>
+        </p:txBody>
+      </p:sp>
+      <p:sp>
+        <p:nvSpPr>
+          <p:cNvPr id="40" name="직사각형 39"/>
+          <p:cNvSpPr/>
+          <p:nvPr/>
+        </p:nvSpPr>
+        <p:spPr>
+          <a:xfrm>
+            <a:off x="5228161" y="4088180"/>
+            <a:ext cx="1404941" cy="1907237"/>
+          </a:xfrm>
+          <a:prstGeom prst="rect">
+            <a:avLst/>
+          </a:prstGeom>
+          <a:noFill/>
+          <a:ln>
+            <a:prstDash val="solid"/>
+          </a:ln>
+        </p:spPr>
+        <p:style>
+          <a:lnRef idx="2">
+            <a:schemeClr val="accent1">
+              <a:shade val="50000"/>
+            </a:schemeClr>
+          </a:lnRef>
+          <a:fillRef idx="1">
+            <a:schemeClr val="accent1"/>
+          </a:fillRef>
+          <a:effectRef idx="0">
+            <a:schemeClr val="accent1"/>
+          </a:effectRef>
+          <a:fontRef idx="minor">
+            <a:schemeClr val="lt1"/>
+          </a:fontRef>
+        </p:style>
+        <p:txBody>
+          <a:bodyPr rtlCol="0" anchor="ctr"/>
+          <a:lstStyle/>
+          <a:p>
+            <a:pPr algn="ctr"/>
+            <a:endParaRPr lang="ko-KR" altLang="en-US"/>
+          </a:p>
+        </p:txBody>
+      </p:sp>
+      <p:sp>
+        <p:nvSpPr>
+          <p:cNvPr id="44" name="직사각형 43"/>
+          <p:cNvSpPr/>
+          <p:nvPr/>
+        </p:nvSpPr>
+        <p:spPr>
+          <a:xfrm>
+            <a:off x="5237154" y="4511460"/>
+            <a:ext cx="1395948" cy="319085"/>
+          </a:xfrm>
+          <a:prstGeom prst="rect">
+            <a:avLst/>
+          </a:prstGeom>
+          <a:solidFill>
+            <a:schemeClr val="accent1">
+              <a:alpha val="50000"/>
+            </a:schemeClr>
+          </a:solidFill>
+        </p:spPr>
+        <p:style>
+          <a:lnRef idx="2">
+            <a:schemeClr val="accent1">
+              <a:shade val="50000"/>
+            </a:schemeClr>
+          </a:lnRef>
+          <a:fillRef idx="1">
+            <a:schemeClr val="accent1"/>
+          </a:fillRef>
+          <a:effectRef idx="0">
+            <a:schemeClr val="accent1"/>
+          </a:effectRef>
+          <a:fontRef idx="minor">
+            <a:schemeClr val="lt1"/>
+          </a:fontRef>
+        </p:style>
+        <p:txBody>
+          <a:bodyPr rtlCol="0" anchor="ctr"/>
+          <a:lstStyle/>
+          <a:p>
+            <a:pPr algn="ctr"/>
+            <a:endParaRPr lang="ko-KR" altLang="en-US"/>
+          </a:p>
+        </p:txBody>
+      </p:sp>
+      <p:sp>
+        <p:nvSpPr>
+          <p:cNvPr id="47" name="직사각형 46"/>
+          <p:cNvSpPr/>
+          <p:nvPr/>
+        </p:nvSpPr>
+        <p:spPr>
+          <a:xfrm>
+            <a:off x="2824682" y="4722714"/>
+            <a:ext cx="1395948" cy="564181"/>
+          </a:xfrm>
+          <a:prstGeom prst="rect">
+            <a:avLst/>
+          </a:prstGeom>
+          <a:solidFill>
+            <a:schemeClr val="accent1">
+              <a:alpha val="50000"/>
+            </a:schemeClr>
+          </a:solidFill>
+        </p:spPr>
+        <p:style>
+          <a:lnRef idx="2">
+            <a:schemeClr val="accent1">
+              <a:shade val="50000"/>
+            </a:schemeClr>
+          </a:lnRef>
+          <a:fillRef idx="1">
+            <a:schemeClr val="accent1"/>
+          </a:fillRef>
+          <a:effectRef idx="0">
+            <a:schemeClr val="accent1"/>
+          </a:effectRef>
+          <a:fontRef idx="minor">
+            <a:schemeClr val="lt1"/>
+          </a:fontRef>
+        </p:style>
+        <p:txBody>
+          <a:bodyPr rtlCol="0" anchor="ctr"/>
+          <a:lstStyle/>
+          <a:p>
+            <a:pPr algn="ctr"/>
+            <a:endParaRPr lang="ko-KR" altLang="en-US"/>
+          </a:p>
+        </p:txBody>
+      </p:sp>
+      <p:cxnSp>
+        <p:nvCxnSpPr>
+          <p:cNvPr id="20" name="직선 화살표 연결선 19"/>
+          <p:cNvCxnSpPr>
+            <a:endCxn id="47" idx="0"/>
+          </p:cNvCxnSpPr>
+          <p:nvPr/>
+        </p:nvCxnSpPr>
+        <p:spPr>
+          <a:xfrm>
+            <a:off x="3522656" y="3543771"/>
+            <a:ext cx="0" cy="1178943"/>
+          </a:xfrm>
+          <a:prstGeom prst="straightConnector1">
+            <a:avLst/>
+          </a:prstGeom>
+          <a:ln>
+            <a:tailEnd type="triangle"/>
+          </a:ln>
+        </p:spPr>
+        <p:style>
+          <a:lnRef idx="1">
+            <a:schemeClr val="accent1"/>
+          </a:lnRef>
+          <a:fillRef idx="0">
+            <a:schemeClr val="accent1"/>
+          </a:fillRef>
+          <a:effectRef idx="0">
+            <a:schemeClr val="accent1"/>
+          </a:effectRef>
+          <a:fontRef idx="minor">
+            <a:schemeClr val="tx1"/>
+          </a:fontRef>
+        </p:style>
+      </p:cxnSp>
+      <p:cxnSp>
+        <p:nvCxnSpPr>
+          <p:cNvPr id="22" name="직선 화살표 연결선 21"/>
+          <p:cNvCxnSpPr>
+            <a:stCxn id="31" idx="2"/>
+            <a:endCxn id="44" idx="0"/>
+          </p:cNvCxnSpPr>
+          <p:nvPr/>
+        </p:nvCxnSpPr>
+        <p:spPr>
+          <a:xfrm>
+            <a:off x="5935128" y="3558855"/>
+            <a:ext cx="0" cy="952605"/>
+          </a:xfrm>
+          <a:prstGeom prst="straightConnector1">
+            <a:avLst/>
+          </a:prstGeom>
+          <a:ln>
+            <a:tailEnd type="triangle"/>
+          </a:ln>
+        </p:spPr>
+        <p:style>
+          <a:lnRef idx="1">
+            <a:schemeClr val="accent1"/>
+          </a:lnRef>
+          <a:fillRef idx="0">
+            <a:schemeClr val="accent1"/>
+          </a:fillRef>
+          <a:effectRef idx="0">
+            <a:schemeClr val="accent1"/>
+          </a:effectRef>
+          <a:fontRef idx="minor">
+            <a:schemeClr val="tx1"/>
+          </a:fontRef>
+        </p:style>
+      </p:cxnSp>
+      <p:graphicFrame>
+        <p:nvGraphicFramePr>
+          <p:cNvPr id="62" name="표 61"/>
+          <p:cNvGraphicFramePr>
+            <a:graphicFrameLocks noGrp="1"/>
+          </p:cNvGraphicFramePr>
+          <p:nvPr>
+            <p:extLst>
+              <p:ext uri="{D42A27DB-BD31-4B8C-83A1-F6EECF244321}">
+                <p14:modId xmlns:p14="http://schemas.microsoft.com/office/powerpoint/2010/main" val="2272686656"/>
+              </p:ext>
+            </p:extLst>
+          </p:nvPr>
+        </p:nvGraphicFramePr>
+        <p:xfrm>
+          <a:off x="8082335" y="6139684"/>
+          <a:ext cx="489903" cy="549594"/>
+        </p:xfrm>
+        <a:graphic>
+          <a:graphicData uri="http://schemas.openxmlformats.org/drawingml/2006/table">
+            <a:tbl>
+              <a:tblPr firstRow="1" bandRow="1">
+                <a:tableStyleId>{5C22544A-7EE6-4342-B048-85BDC9FD1C3A}</a:tableStyleId>
+              </a:tblPr>
+              <a:tblGrid>
+                <a:gridCol w="489903">
+                  <a:extLst>
+                    <a:ext uri="{9D8B030D-6E8A-4147-A177-3AD203B41FA5}">
+                      <a16:colId xmlns:a16="http://schemas.microsoft.com/office/drawing/2014/main" val="1268748105"/>
+                    </a:ext>
+                  </a:extLst>
+                </a:gridCol>
+              </a:tblGrid>
+              <a:tr h="183198">
+                <a:tc>
+                  <a:txBody>
+                    <a:bodyPr/>
+                    <a:lstStyle/>
+                    <a:p>
+                      <a:pPr algn="ctr" latinLnBrk="1"/>
+                      <a:r>
+                        <a:rPr lang="ko-KR" altLang="en-US" sz="900" dirty="0" smtClean="0"/>
+                        <a:t>클래스</a:t>
+                      </a:r>
+                      <a:endParaRPr lang="ko-KR" altLang="en-US" sz="900" dirty="0"/>
+                    </a:p>
+                  </a:txBody>
+                  <a:tcPr marL="44104" marR="44104" marT="22052" marB="22052"/>
+                </a:tc>
+                <a:extLst>
+                  <a:ext uri="{0D108BD9-81ED-4DB2-BD59-A6C34878D82A}">
+                    <a16:rowId xmlns:a16="http://schemas.microsoft.com/office/drawing/2014/main" val="4239921442"/>
+                  </a:ext>
+                </a:extLst>
+              </a:tr>
+              <a:tr h="183198">
+                <a:tc>
+                  <a:txBody>
+                    <a:bodyPr/>
+                    <a:lstStyle/>
+                    <a:p>
+                      <a:pPr algn="ctr" latinLnBrk="1"/>
+                      <a:r>
+                        <a:rPr lang="ko-KR" altLang="en-US" sz="900" dirty="0" smtClean="0"/>
+                        <a:t>변수</a:t>
+                      </a:r>
+                      <a:endParaRPr lang="ko-KR" altLang="en-US" sz="900" dirty="0"/>
+                    </a:p>
+                  </a:txBody>
+                  <a:tcPr marL="44104" marR="44104" marT="22052" marB="22052"/>
+                </a:tc>
+                <a:extLst>
+                  <a:ext uri="{0D108BD9-81ED-4DB2-BD59-A6C34878D82A}">
+                    <a16:rowId xmlns:a16="http://schemas.microsoft.com/office/drawing/2014/main" val="1850964627"/>
+                  </a:ext>
+                </a:extLst>
+              </a:tr>
+              <a:tr h="183198">
+                <a:tc>
+                  <a:txBody>
+                    <a:bodyPr/>
+                    <a:lstStyle/>
+                    <a:p>
+                      <a:pPr algn="ctr" latinLnBrk="1"/>
+                      <a:r>
+                        <a:rPr lang="ko-KR" altLang="en-US" sz="900" dirty="0" smtClean="0"/>
+                        <a:t>함수</a:t>
+                      </a:r>
+                      <a:endParaRPr lang="ko-KR" altLang="en-US" sz="900" dirty="0"/>
+                    </a:p>
+                  </a:txBody>
+                  <a:tcPr marL="44104" marR="44104" marT="22052" marB="22052"/>
+                </a:tc>
+                <a:extLst>
+                  <a:ext uri="{0D108BD9-81ED-4DB2-BD59-A6C34878D82A}">
+                    <a16:rowId xmlns:a16="http://schemas.microsoft.com/office/drawing/2014/main" val="1245535897"/>
+                  </a:ext>
+                </a:extLst>
+              </a:tr>
+            </a:tbl>
+          </a:graphicData>
+        </a:graphic>
+      </p:graphicFrame>
+      <p:graphicFrame>
+        <p:nvGraphicFramePr>
+          <p:cNvPr id="63" name="표 62"/>
+          <p:cNvGraphicFramePr>
+            <a:graphicFrameLocks noGrp="1"/>
+          </p:cNvGraphicFramePr>
+          <p:nvPr>
+            <p:extLst>
+              <p:ext uri="{D42A27DB-BD31-4B8C-83A1-F6EECF244321}">
+                <p14:modId xmlns:p14="http://schemas.microsoft.com/office/powerpoint/2010/main" val="681716300"/>
+              </p:ext>
+            </p:extLst>
+          </p:nvPr>
+        </p:nvGraphicFramePr>
+        <p:xfrm>
+          <a:off x="8735882" y="6135559"/>
+          <a:ext cx="489903" cy="549594"/>
+        </p:xfrm>
+        <a:graphic>
+          <a:graphicData uri="http://schemas.openxmlformats.org/drawingml/2006/table">
+            <a:tbl>
+              <a:tblPr firstRow="1" bandRow="1">
+                <a:tableStyleId>{5C22544A-7EE6-4342-B048-85BDC9FD1C3A}</a:tableStyleId>
+              </a:tblPr>
+              <a:tblGrid>
+                <a:gridCol w="489903">
+                  <a:extLst>
+                    <a:ext uri="{9D8B030D-6E8A-4147-A177-3AD203B41FA5}">
+                      <a16:colId xmlns:a16="http://schemas.microsoft.com/office/drawing/2014/main" val="1268748105"/>
+                    </a:ext>
+                  </a:extLst>
+                </a:gridCol>
+              </a:tblGrid>
+              <a:tr h="183198">
+                <a:tc>
+                  <a:txBody>
+                    <a:bodyPr/>
+                    <a:lstStyle/>
+                    <a:p>
+                      <a:pPr algn="ctr" latinLnBrk="1"/>
+                      <a:r>
+                        <a:rPr lang="ko-KR" altLang="en-US" sz="900" dirty="0" smtClean="0"/>
+                        <a:t>객체</a:t>
+                      </a:r>
+                      <a:endParaRPr lang="ko-KR" altLang="en-US" sz="900" dirty="0"/>
+                    </a:p>
+                  </a:txBody>
+                  <a:tcPr marL="44104" marR="44104" marT="22052" marB="22052"/>
+                </a:tc>
+                <a:extLst>
+                  <a:ext uri="{0D108BD9-81ED-4DB2-BD59-A6C34878D82A}">
+                    <a16:rowId xmlns:a16="http://schemas.microsoft.com/office/drawing/2014/main" val="4239921442"/>
+                  </a:ext>
+                </a:extLst>
+              </a:tr>
+              <a:tr h="183198">
+                <a:tc>
+                  <a:txBody>
+                    <a:bodyPr/>
+                    <a:lstStyle/>
+                    <a:p>
+                      <a:pPr algn="ctr" latinLnBrk="1"/>
+                      <a:r>
+                        <a:rPr lang="ko-KR" altLang="en-US" sz="900" dirty="0" smtClean="0"/>
+                        <a:t>필드</a:t>
+                      </a:r>
+                      <a:endParaRPr lang="ko-KR" altLang="en-US" sz="900" dirty="0"/>
+                    </a:p>
+                  </a:txBody>
+                  <a:tcPr marL="44104" marR="44104" marT="22052" marB="22052"/>
+                </a:tc>
+                <a:extLst>
+                  <a:ext uri="{0D108BD9-81ED-4DB2-BD59-A6C34878D82A}">
+                    <a16:rowId xmlns:a16="http://schemas.microsoft.com/office/drawing/2014/main" val="1850964627"/>
+                  </a:ext>
+                </a:extLst>
+              </a:tr>
+              <a:tr h="183198">
+                <a:tc>
+                  <a:txBody>
+                    <a:bodyPr/>
+                    <a:lstStyle/>
+                    <a:p>
+                      <a:pPr algn="ctr" latinLnBrk="1"/>
+                      <a:r>
+                        <a:rPr lang="ko-KR" altLang="en-US" sz="900" dirty="0" smtClean="0"/>
+                        <a:t>메서드</a:t>
+                      </a:r>
+                      <a:endParaRPr lang="ko-KR" altLang="en-US" sz="900" dirty="0"/>
+                    </a:p>
+                  </a:txBody>
+                  <a:tcPr marL="44104" marR="44104" marT="22052" marB="22052"/>
+                </a:tc>
+                <a:extLst>
+                  <a:ext uri="{0D108BD9-81ED-4DB2-BD59-A6C34878D82A}">
+                    <a16:rowId xmlns:a16="http://schemas.microsoft.com/office/drawing/2014/main" val="1245535897"/>
+                  </a:ext>
+                </a:extLst>
+              </a:tr>
+            </a:tbl>
+          </a:graphicData>
+        </a:graphic>
+      </p:graphicFrame>
+      <p:sp>
+        <p:nvSpPr>
+          <p:cNvPr id="64" name="직사각형 63"/>
+          <p:cNvSpPr/>
+          <p:nvPr/>
+        </p:nvSpPr>
+        <p:spPr>
+          <a:xfrm>
+            <a:off x="8073166" y="6135559"/>
+            <a:ext cx="499072" cy="540592"/>
+          </a:xfrm>
+          <a:prstGeom prst="rect">
+            <a:avLst/>
+          </a:prstGeom>
+          <a:noFill/>
+          <a:ln>
+            <a:prstDash val="solid"/>
+          </a:ln>
+        </p:spPr>
+        <p:style>
+          <a:lnRef idx="2">
+            <a:schemeClr val="accent1">
+              <a:shade val="50000"/>
+            </a:schemeClr>
+          </a:lnRef>
+          <a:fillRef idx="1">
+            <a:schemeClr val="accent1"/>
+          </a:fillRef>
+          <a:effectRef idx="0">
+            <a:schemeClr val="accent1"/>
+          </a:effectRef>
+          <a:fontRef idx="minor">
+            <a:schemeClr val="lt1"/>
+          </a:fontRef>
+        </p:style>
+        <p:txBody>
+          <a:bodyPr rtlCol="0" anchor="ctr"/>
+          <a:lstStyle/>
+          <a:p>
+            <a:pPr algn="ctr"/>
+            <a:endParaRPr lang="ko-KR" altLang="en-US"/>
+          </a:p>
+        </p:txBody>
+      </p:sp>
+      <p:sp>
+        <p:nvSpPr>
+          <p:cNvPr id="67" name="직사각형 66"/>
+          <p:cNvSpPr/>
+          <p:nvPr/>
+        </p:nvSpPr>
+        <p:spPr>
+          <a:xfrm>
+            <a:off x="8735880" y="6129283"/>
+            <a:ext cx="489905" cy="540592"/>
+          </a:xfrm>
+          <a:prstGeom prst="rect">
+            <a:avLst/>
+          </a:prstGeom>
+          <a:noFill/>
+          <a:ln>
+            <a:prstDash val="solid"/>
+          </a:ln>
+        </p:spPr>
+        <p:style>
+          <a:lnRef idx="2">
+            <a:schemeClr val="accent1">
+              <a:shade val="50000"/>
+            </a:schemeClr>
+          </a:lnRef>
+          <a:fillRef idx="1">
+            <a:schemeClr val="accent1"/>
+          </a:fillRef>
+          <a:effectRef idx="0">
+            <a:schemeClr val="accent1"/>
+          </a:effectRef>
+          <a:fontRef idx="minor">
+            <a:schemeClr val="lt1"/>
+          </a:fontRef>
+        </p:style>
+        <p:txBody>
+          <a:bodyPr rtlCol="0" anchor="ctr"/>
+          <a:lstStyle/>
+          <a:p>
+            <a:pPr algn="ctr"/>
+            <a:endParaRPr lang="ko-KR" altLang="en-US"/>
+          </a:p>
+        </p:txBody>
+      </p:sp>
+      <p:graphicFrame>
+        <p:nvGraphicFramePr>
+          <p:cNvPr id="69" name="표 68"/>
+          <p:cNvGraphicFramePr>
+            <a:graphicFrameLocks noGrp="1"/>
+          </p:cNvGraphicFramePr>
+          <p:nvPr>
+            <p:extLst>
+              <p:ext uri="{D42A27DB-BD31-4B8C-83A1-F6EECF244321}">
+                <p14:modId xmlns:p14="http://schemas.microsoft.com/office/powerpoint/2010/main" val="2790132950"/>
+              </p:ext>
+            </p:extLst>
+          </p:nvPr>
+        </p:nvGraphicFramePr>
+        <p:xfrm>
+          <a:off x="7419619" y="6143809"/>
+          <a:ext cx="489903" cy="549594"/>
+        </p:xfrm>
+        <a:graphic>
+          <a:graphicData uri="http://schemas.openxmlformats.org/drawingml/2006/table">
+            <a:tbl>
+              <a:tblPr firstRow="1" bandRow="1">
+                <a:tableStyleId>{5C22544A-7EE6-4342-B048-85BDC9FD1C3A}</a:tableStyleId>
+              </a:tblPr>
+              <a:tblGrid>
+                <a:gridCol w="489903">
+                  <a:extLst>
+                    <a:ext uri="{9D8B030D-6E8A-4147-A177-3AD203B41FA5}">
+                      <a16:colId xmlns:a16="http://schemas.microsoft.com/office/drawing/2014/main" val="1268748105"/>
+                    </a:ext>
+                  </a:extLst>
+                </a:gridCol>
+              </a:tblGrid>
+              <a:tr h="183198">
+                <a:tc>
+                  <a:txBody>
+                    <a:bodyPr/>
+                    <a:lstStyle/>
+                    <a:p>
+                      <a:pPr algn="ctr" latinLnBrk="1"/>
+                      <a:r>
+                        <a:rPr lang="ko-KR" altLang="en-US" sz="900" dirty="0" smtClean="0"/>
+                        <a:t>객체</a:t>
+                      </a:r>
+                      <a:endParaRPr lang="ko-KR" altLang="en-US" sz="900" dirty="0"/>
+                    </a:p>
+                  </a:txBody>
+                  <a:tcPr marL="44104" marR="44104" marT="22052" marB="22052"/>
+                </a:tc>
+                <a:extLst>
+                  <a:ext uri="{0D108BD9-81ED-4DB2-BD59-A6C34878D82A}">
+                    <a16:rowId xmlns:a16="http://schemas.microsoft.com/office/drawing/2014/main" val="4239921442"/>
+                  </a:ext>
+                </a:extLst>
+              </a:tr>
+              <a:tr h="183198">
+                <a:tc>
+                  <a:txBody>
+                    <a:bodyPr/>
+                    <a:lstStyle/>
+                    <a:p>
+                      <a:pPr algn="ctr" latinLnBrk="1"/>
+                      <a:r>
+                        <a:rPr lang="ko-KR" altLang="en-US" sz="900" dirty="0" smtClean="0"/>
+                        <a:t>속성</a:t>
+                      </a:r>
+                      <a:endParaRPr lang="ko-KR" altLang="en-US" sz="900" dirty="0"/>
+                    </a:p>
+                  </a:txBody>
+                  <a:tcPr marL="44104" marR="44104" marT="22052" marB="22052"/>
+                </a:tc>
+                <a:extLst>
+                  <a:ext uri="{0D108BD9-81ED-4DB2-BD59-A6C34878D82A}">
+                    <a16:rowId xmlns:a16="http://schemas.microsoft.com/office/drawing/2014/main" val="1850964627"/>
+                  </a:ext>
+                </a:extLst>
+              </a:tr>
+              <a:tr h="183198">
+                <a:tc>
+                  <a:txBody>
+                    <a:bodyPr/>
+                    <a:lstStyle/>
+                    <a:p>
+                      <a:pPr algn="ctr" latinLnBrk="1"/>
+                      <a:r>
+                        <a:rPr lang="ko-KR" altLang="en-US" sz="900" dirty="0" smtClean="0"/>
+                        <a:t>동작</a:t>
+                      </a:r>
+                      <a:endParaRPr lang="ko-KR" altLang="en-US" sz="900" dirty="0"/>
+                    </a:p>
+                  </a:txBody>
+                  <a:tcPr marL="44104" marR="44104" marT="22052" marB="22052"/>
+                </a:tc>
+                <a:extLst>
+                  <a:ext uri="{0D108BD9-81ED-4DB2-BD59-A6C34878D82A}">
+                    <a16:rowId xmlns:a16="http://schemas.microsoft.com/office/drawing/2014/main" val="1245535897"/>
+                  </a:ext>
+                </a:extLst>
+              </a:tr>
+            </a:tbl>
+          </a:graphicData>
+        </a:graphic>
+      </p:graphicFrame>
+      <p:sp>
+        <p:nvSpPr>
+          <p:cNvPr id="70" name="직사각형 69"/>
+          <p:cNvSpPr/>
+          <p:nvPr/>
+        </p:nvSpPr>
+        <p:spPr>
+          <a:xfrm>
+            <a:off x="7410450" y="6139684"/>
+            <a:ext cx="499072" cy="540592"/>
+          </a:xfrm>
+          <a:prstGeom prst="rect">
+            <a:avLst/>
+          </a:prstGeom>
+          <a:noFill/>
+          <a:ln>
+            <a:prstDash val="solid"/>
+          </a:ln>
+        </p:spPr>
+        <p:style>
+          <a:lnRef idx="2">
+            <a:schemeClr val="accent1">
+              <a:shade val="50000"/>
+            </a:schemeClr>
+          </a:lnRef>
+          <a:fillRef idx="1">
+            <a:schemeClr val="accent1"/>
+          </a:fillRef>
+          <a:effectRef idx="0">
+            <a:schemeClr val="accent1"/>
+          </a:effectRef>
+          <a:fontRef idx="minor">
+            <a:schemeClr val="lt1"/>
+          </a:fontRef>
+        </p:style>
+        <p:txBody>
+          <a:bodyPr rtlCol="0" anchor="ctr"/>
+          <a:lstStyle/>
+          <a:p>
+            <a:pPr algn="ctr"/>
+            <a:endParaRPr lang="ko-KR" altLang="en-US"/>
+          </a:p>
+        </p:txBody>
+      </p:sp>
+      <p:graphicFrame>
+        <p:nvGraphicFramePr>
+          <p:cNvPr id="50" name="표 49"/>
+          <p:cNvGraphicFramePr>
+            <a:graphicFrameLocks noGrp="1"/>
+          </p:cNvGraphicFramePr>
+          <p:nvPr>
+            <p:extLst>
+              <p:ext uri="{D42A27DB-BD31-4B8C-83A1-F6EECF244321}">
+                <p14:modId xmlns:p14="http://schemas.microsoft.com/office/powerpoint/2010/main" val="2583204952"/>
+              </p:ext>
+            </p:extLst>
+          </p:nvPr>
+        </p:nvGraphicFramePr>
+        <p:xfrm>
+          <a:off x="10609705" y="2990135"/>
+          <a:ext cx="1286933" cy="1107440"/>
+        </p:xfrm>
+        <a:graphic>
+          <a:graphicData uri="http://schemas.openxmlformats.org/drawingml/2006/table">
+            <a:tbl>
+              <a:tblPr firstRow="1" bandRow="1">
+                <a:tableStyleId>{5C22544A-7EE6-4342-B048-85BDC9FD1C3A}</a:tableStyleId>
+              </a:tblPr>
+              <a:tblGrid>
+                <a:gridCol w="1286933">
+                  <a:extLst>
+                    <a:ext uri="{9D8B030D-6E8A-4147-A177-3AD203B41FA5}">
+                      <a16:colId xmlns:a16="http://schemas.microsoft.com/office/drawing/2014/main" val="1268748105"/>
+                    </a:ext>
+                  </a:extLst>
+                </a:gridCol>
+              </a:tblGrid>
+              <a:tr h="370840">
+                <a:tc>
+                  <a:txBody>
+                    <a:bodyPr/>
+                    <a:lstStyle/>
+                    <a:p>
+                      <a:pPr latinLnBrk="1"/>
+                      <a:r>
+                        <a:rPr lang="ko-KR" altLang="en-US" dirty="0" smtClean="0"/>
+                        <a:t>총알</a:t>
+                      </a:r>
+                      <a:endParaRPr lang="ko-KR" altLang="en-US" dirty="0"/>
+                    </a:p>
+                  </a:txBody>
+                  <a:tcPr/>
+                </a:tc>
+                <a:extLst>
+                  <a:ext uri="{0D108BD9-81ED-4DB2-BD59-A6C34878D82A}">
+                    <a16:rowId xmlns:a16="http://schemas.microsoft.com/office/drawing/2014/main" val="4239921442"/>
+                  </a:ext>
+                </a:extLst>
+              </a:tr>
+              <a:tr h="331894">
+                <a:tc>
+                  <a:txBody>
+                    <a:bodyPr/>
+                    <a:lstStyle/>
+                    <a:p>
+                      <a:pPr latinLnBrk="1"/>
+                      <a:endParaRPr lang="ko-KR" altLang="en-US" dirty="0"/>
+                    </a:p>
+                  </a:txBody>
+                  <a:tcPr/>
+                </a:tc>
+                <a:extLst>
+                  <a:ext uri="{0D108BD9-81ED-4DB2-BD59-A6C34878D82A}">
+                    <a16:rowId xmlns:a16="http://schemas.microsoft.com/office/drawing/2014/main" val="1850964627"/>
+                  </a:ext>
+                </a:extLst>
+              </a:tr>
+              <a:tr h="370840">
+                <a:tc>
+                  <a:txBody>
+                    <a:bodyPr/>
+                    <a:lstStyle/>
+                    <a:p>
+                      <a:pPr latinLnBrk="1"/>
+                      <a:endParaRPr lang="ko-KR" altLang="en-US" dirty="0"/>
+                    </a:p>
+                  </a:txBody>
+                  <a:tcPr/>
+                </a:tc>
+                <a:extLst>
+                  <a:ext uri="{0D108BD9-81ED-4DB2-BD59-A6C34878D82A}">
+                    <a16:rowId xmlns:a16="http://schemas.microsoft.com/office/drawing/2014/main" val="1245535897"/>
+                  </a:ext>
+                </a:extLst>
+              </a:tr>
+            </a:tbl>
+          </a:graphicData>
+        </a:graphic>
+      </p:graphicFrame>
+      <p:sp>
+        <p:nvSpPr>
+          <p:cNvPr id="51" name="직사각형 50"/>
+          <p:cNvSpPr/>
+          <p:nvPr/>
+        </p:nvSpPr>
+        <p:spPr>
+          <a:xfrm>
+            <a:off x="10606897" y="2985922"/>
+            <a:ext cx="1286934" cy="1107439"/>
+          </a:xfrm>
+          <a:prstGeom prst="rect">
+            <a:avLst/>
+          </a:prstGeom>
+          <a:noFill/>
+          <a:ln>
+            <a:prstDash val="solid"/>
+          </a:ln>
+        </p:spPr>
+        <p:style>
+          <a:lnRef idx="2">
+            <a:schemeClr val="accent1">
+              <a:shade val="50000"/>
+            </a:schemeClr>
+          </a:lnRef>
+          <a:fillRef idx="1">
+            <a:schemeClr val="accent1"/>
+          </a:fillRef>
+          <a:effectRef idx="0">
+            <a:schemeClr val="accent1"/>
+          </a:effectRef>
+          <a:fontRef idx="minor">
+            <a:schemeClr val="lt1"/>
+          </a:fontRef>
+        </p:style>
+        <p:txBody>
+          <a:bodyPr rtlCol="0" anchor="ctr"/>
+          <a:lstStyle/>
+          <a:p>
+            <a:pPr algn="ctr"/>
+            <a:endParaRPr lang="ko-KR" altLang="en-US"/>
+          </a:p>
+        </p:txBody>
+      </p:sp>
+      <p:graphicFrame>
+        <p:nvGraphicFramePr>
+          <p:cNvPr id="52" name="표 51"/>
+          <p:cNvGraphicFramePr>
+            <a:graphicFrameLocks noGrp="1"/>
+          </p:cNvGraphicFramePr>
+          <p:nvPr>
+            <p:extLst>
+              <p:ext uri="{D42A27DB-BD31-4B8C-83A1-F6EECF244321}">
+                <p14:modId xmlns:p14="http://schemas.microsoft.com/office/powerpoint/2010/main" val="2641606977"/>
+              </p:ext>
+            </p:extLst>
+          </p:nvPr>
+        </p:nvGraphicFramePr>
+        <p:xfrm>
+          <a:off x="8129431" y="3758823"/>
+          <a:ext cx="1286933" cy="1107440"/>
+        </p:xfrm>
+        <a:graphic>
+          <a:graphicData uri="http://schemas.openxmlformats.org/drawingml/2006/table">
+            <a:tbl>
+              <a:tblPr firstRow="1" bandRow="1">
+                <a:tableStyleId>{5C22544A-7EE6-4342-B048-85BDC9FD1C3A}</a:tableStyleId>
+              </a:tblPr>
+              <a:tblGrid>
+                <a:gridCol w="1286933">
+                  <a:extLst>
+                    <a:ext uri="{9D8B030D-6E8A-4147-A177-3AD203B41FA5}">
+                      <a16:colId xmlns:a16="http://schemas.microsoft.com/office/drawing/2014/main" val="1268748105"/>
+                    </a:ext>
+                  </a:extLst>
+                </a:gridCol>
+              </a:tblGrid>
+              <a:tr h="370840">
+                <a:tc>
+                  <a:txBody>
+                    <a:bodyPr/>
+                    <a:lstStyle/>
+                    <a:p>
+                      <a:pPr latinLnBrk="1"/>
+                      <a:r>
+                        <a:rPr lang="ko-KR" altLang="en-US" dirty="0" smtClean="0"/>
+                        <a:t>탄환</a:t>
+                      </a:r>
+                      <a:endParaRPr lang="ko-KR" altLang="en-US" dirty="0"/>
+                    </a:p>
+                  </a:txBody>
+                  <a:tcPr/>
+                </a:tc>
+                <a:extLst>
+                  <a:ext uri="{0D108BD9-81ED-4DB2-BD59-A6C34878D82A}">
+                    <a16:rowId xmlns:a16="http://schemas.microsoft.com/office/drawing/2014/main" val="4239921442"/>
+                  </a:ext>
+                </a:extLst>
+              </a:tr>
+              <a:tr h="331894">
+                <a:tc>
+                  <a:txBody>
+                    <a:bodyPr/>
+                    <a:lstStyle/>
+                    <a:p>
+                      <a:pPr latinLnBrk="1"/>
+                      <a:r>
+                        <a:rPr lang="ko-KR" altLang="en-US" dirty="0" smtClean="0"/>
+                        <a:t>총</a:t>
+                      </a:r>
+                      <a:endParaRPr lang="ko-KR" altLang="en-US" dirty="0"/>
+                    </a:p>
+                  </a:txBody>
+                  <a:tcPr/>
+                </a:tc>
+                <a:extLst>
+                  <a:ext uri="{0D108BD9-81ED-4DB2-BD59-A6C34878D82A}">
+                    <a16:rowId xmlns:a16="http://schemas.microsoft.com/office/drawing/2014/main" val="1850964627"/>
+                  </a:ext>
+                </a:extLst>
+              </a:tr>
+              <a:tr h="370840">
+                <a:tc>
+                  <a:txBody>
+                    <a:bodyPr/>
+                    <a:lstStyle/>
+                    <a:p>
+                      <a:pPr latinLnBrk="1"/>
+                      <a:r>
+                        <a:rPr lang="ko-KR" altLang="en-US" dirty="0" smtClean="0"/>
+                        <a:t>사용</a:t>
+                      </a:r>
+                      <a:endParaRPr lang="ko-KR" altLang="en-US" dirty="0"/>
+                    </a:p>
+                  </a:txBody>
+                  <a:tcPr/>
+                </a:tc>
+                <a:extLst>
+                  <a:ext uri="{0D108BD9-81ED-4DB2-BD59-A6C34878D82A}">
+                    <a16:rowId xmlns:a16="http://schemas.microsoft.com/office/drawing/2014/main" val="1245535897"/>
+                  </a:ext>
+                </a:extLst>
+              </a:tr>
+            </a:tbl>
+          </a:graphicData>
+        </a:graphic>
+      </p:graphicFrame>
+      <p:sp>
+        <p:nvSpPr>
+          <p:cNvPr id="53" name="직사각형 52"/>
+          <p:cNvSpPr/>
+          <p:nvPr/>
+        </p:nvSpPr>
+        <p:spPr>
+          <a:xfrm>
+            <a:off x="8115830" y="3741412"/>
+            <a:ext cx="1286934" cy="1107439"/>
+          </a:xfrm>
+          <a:prstGeom prst="rect">
+            <a:avLst/>
+          </a:prstGeom>
+          <a:noFill/>
+          <a:ln>
+            <a:prstDash val="dash"/>
+          </a:ln>
+        </p:spPr>
+        <p:style>
+          <a:lnRef idx="2">
+            <a:schemeClr val="accent1">
+              <a:shade val="50000"/>
+            </a:schemeClr>
+          </a:lnRef>
+          <a:fillRef idx="1">
+            <a:schemeClr val="accent1"/>
+          </a:fillRef>
+          <a:effectRef idx="0">
+            <a:schemeClr val="accent1"/>
+          </a:effectRef>
+          <a:fontRef idx="minor">
+            <a:schemeClr val="lt1"/>
+          </a:fontRef>
+        </p:style>
+        <p:txBody>
+          <a:bodyPr rtlCol="0" anchor="ctr"/>
+          <a:lstStyle/>
+          <a:p>
+            <a:pPr algn="ctr"/>
+            <a:endParaRPr lang="ko-KR" altLang="en-US"/>
+          </a:p>
+        </p:txBody>
+      </p:sp>
+      <p:graphicFrame>
+        <p:nvGraphicFramePr>
+          <p:cNvPr id="54" name="표 53"/>
+          <p:cNvGraphicFramePr>
+            <a:graphicFrameLocks noGrp="1"/>
+          </p:cNvGraphicFramePr>
+          <p:nvPr>
+            <p:extLst>
+              <p:ext uri="{D42A27DB-BD31-4B8C-83A1-F6EECF244321}">
+                <p14:modId xmlns:p14="http://schemas.microsoft.com/office/powerpoint/2010/main" val="4033076236"/>
+              </p:ext>
+            </p:extLst>
+          </p:nvPr>
+        </p:nvGraphicFramePr>
+        <p:xfrm>
+          <a:off x="10604090" y="4582857"/>
+          <a:ext cx="1286933" cy="1102360"/>
+        </p:xfrm>
+        <a:graphic>
+          <a:graphicData uri="http://schemas.openxmlformats.org/drawingml/2006/table">
+            <a:tbl>
+              <a:tblPr firstRow="1" bandRow="1">
+                <a:tableStyleId>{5C22544A-7EE6-4342-B048-85BDC9FD1C3A}</a:tableStyleId>
+              </a:tblPr>
+              <a:tblGrid>
+                <a:gridCol w="1286933">
+                  <a:extLst>
+                    <a:ext uri="{9D8B030D-6E8A-4147-A177-3AD203B41FA5}">
+                      <a16:colId xmlns:a16="http://schemas.microsoft.com/office/drawing/2014/main" val="1268748105"/>
+                    </a:ext>
+                  </a:extLst>
+                </a:gridCol>
+              </a:tblGrid>
+              <a:tr h="370840">
+                <a:tc>
+                  <a:txBody>
+                    <a:bodyPr/>
+                    <a:lstStyle/>
+                    <a:p>
+                      <a:pPr latinLnBrk="1"/>
+                      <a:r>
+                        <a:rPr lang="ko-KR" altLang="en-US" dirty="0" smtClean="0"/>
+                        <a:t>레이저</a:t>
+                      </a:r>
+                      <a:endParaRPr lang="ko-KR" altLang="en-US" dirty="0"/>
+                    </a:p>
+                  </a:txBody>
+                  <a:tcPr/>
+                </a:tc>
+                <a:extLst>
+                  <a:ext uri="{0D108BD9-81ED-4DB2-BD59-A6C34878D82A}">
+                    <a16:rowId xmlns:a16="http://schemas.microsoft.com/office/drawing/2014/main" val="4239921442"/>
+                  </a:ext>
+                </a:extLst>
+              </a:tr>
+              <a:tr h="331894">
+                <a:tc>
+                  <a:txBody>
+                    <a:bodyPr/>
+                    <a:lstStyle/>
+                    <a:p>
+                      <a:pPr latinLnBrk="1"/>
+                      <a:endParaRPr lang="ko-KR" altLang="en-US" dirty="0"/>
+                    </a:p>
+                  </a:txBody>
+                  <a:tcPr/>
+                </a:tc>
+                <a:extLst>
+                  <a:ext uri="{0D108BD9-81ED-4DB2-BD59-A6C34878D82A}">
+                    <a16:rowId xmlns:a16="http://schemas.microsoft.com/office/drawing/2014/main" val="1850964627"/>
+                  </a:ext>
+                </a:extLst>
+              </a:tr>
+              <a:tr h="356448">
+                <a:tc>
+                  <a:txBody>
+                    <a:bodyPr/>
+                    <a:lstStyle/>
+                    <a:p>
+                      <a:pPr latinLnBrk="1"/>
+                      <a:endParaRPr lang="ko-KR" altLang="en-US" dirty="0"/>
+                    </a:p>
+                  </a:txBody>
+                  <a:tcPr/>
+                </a:tc>
+                <a:extLst>
+                  <a:ext uri="{0D108BD9-81ED-4DB2-BD59-A6C34878D82A}">
+                    <a16:rowId xmlns:a16="http://schemas.microsoft.com/office/drawing/2014/main" val="1245535897"/>
+                  </a:ext>
+                </a:extLst>
+              </a:tr>
+            </a:tbl>
+          </a:graphicData>
+        </a:graphic>
+      </p:graphicFrame>
+      <p:sp>
+        <p:nvSpPr>
+          <p:cNvPr id="55" name="직사각형 54"/>
+          <p:cNvSpPr/>
+          <p:nvPr/>
+        </p:nvSpPr>
+        <p:spPr>
+          <a:xfrm>
+            <a:off x="10606897" y="4576392"/>
+            <a:ext cx="1286934" cy="1107439"/>
+          </a:xfrm>
+          <a:prstGeom prst="rect">
+            <a:avLst/>
+          </a:prstGeom>
+          <a:noFill/>
+          <a:ln>
+            <a:prstDash val="solid"/>
+          </a:ln>
+        </p:spPr>
+        <p:style>
+          <a:lnRef idx="2">
+            <a:schemeClr val="accent1">
+              <a:shade val="50000"/>
+            </a:schemeClr>
+          </a:lnRef>
+          <a:fillRef idx="1">
+            <a:schemeClr val="accent1"/>
+          </a:fillRef>
+          <a:effectRef idx="0">
+            <a:schemeClr val="accent1"/>
+          </a:effectRef>
+          <a:fontRef idx="minor">
+            <a:schemeClr val="lt1"/>
+          </a:fontRef>
+        </p:style>
+        <p:txBody>
+          <a:bodyPr rtlCol="0" anchor="ctr"/>
+          <a:lstStyle/>
+          <a:p>
+            <a:pPr algn="ctr"/>
+            <a:endParaRPr lang="ko-KR" altLang="en-US"/>
+          </a:p>
+        </p:txBody>
+      </p:sp>
+      <p:cxnSp>
+        <p:nvCxnSpPr>
+          <p:cNvPr id="15" name="꺾인 연결선 14"/>
+          <p:cNvCxnSpPr>
+            <a:stCxn id="55" idx="1"/>
+            <a:endCxn id="53" idx="3"/>
+          </p:cNvCxnSpPr>
+          <p:nvPr/>
+        </p:nvCxnSpPr>
+        <p:spPr>
+          <a:xfrm rot="10800000">
+            <a:off x="9402765" y="4295132"/>
+            <a:ext cx="1204133" cy="834980"/>
+          </a:xfrm>
+          <a:prstGeom prst="bentConnector3">
+            <a:avLst/>
+          </a:prstGeom>
+          <a:ln>
+            <a:prstDash val="dash"/>
+            <a:tailEnd type="triangle"/>
+          </a:ln>
+        </p:spPr>
+        <p:style>
+          <a:lnRef idx="1">
+            <a:schemeClr val="accent1"/>
+          </a:lnRef>
+          <a:fillRef idx="0">
+            <a:schemeClr val="accent1"/>
+          </a:fillRef>
+          <a:effectRef idx="0">
+            <a:schemeClr val="accent1"/>
+          </a:effectRef>
+          <a:fontRef idx="minor">
+            <a:schemeClr val="tx1"/>
+          </a:fontRef>
+        </p:style>
+      </p:cxnSp>
+      <p:cxnSp>
+        <p:nvCxnSpPr>
+          <p:cNvPr id="17" name="꺾인 연결선 16"/>
+          <p:cNvCxnSpPr>
+            <a:stCxn id="51" idx="1"/>
+            <a:endCxn id="53" idx="3"/>
+          </p:cNvCxnSpPr>
+          <p:nvPr/>
+        </p:nvCxnSpPr>
+        <p:spPr>
+          <a:xfrm rot="10800000" flipV="1">
+            <a:off x="9402765" y="3539642"/>
+            <a:ext cx="1204133" cy="755490"/>
+          </a:xfrm>
+          <a:prstGeom prst="bentConnector3">
+            <a:avLst/>
+          </a:prstGeom>
+          <a:ln>
+            <a:prstDash val="dash"/>
+            <a:tailEnd type="triangle"/>
+          </a:ln>
+        </p:spPr>
+        <p:style>
+          <a:lnRef idx="1">
+            <a:schemeClr val="accent1"/>
+          </a:lnRef>
+          <a:fillRef idx="0">
+            <a:schemeClr val="accent1"/>
+          </a:fillRef>
+          <a:effectRef idx="0">
+            <a:schemeClr val="accent1"/>
+          </a:effectRef>
+          <a:fontRef idx="minor">
+            <a:schemeClr val="tx1"/>
+          </a:fontRef>
+        </p:style>
+      </p:cxnSp>
+      <p:sp>
+        <p:nvSpPr>
+          <p:cNvPr id="71" name="TextBox 70"/>
+          <p:cNvSpPr txBox="1"/>
+          <p:nvPr/>
+        </p:nvSpPr>
+        <p:spPr>
+          <a:xfrm>
+            <a:off x="9358172" y="4330171"/>
+            <a:ext cx="719687" cy="246221"/>
+          </a:xfrm>
+          <a:prstGeom prst="rect">
+            <a:avLst/>
+          </a:prstGeom>
+          <a:noFill/>
+        </p:spPr>
+        <p:txBody>
+          <a:bodyPr wrap="square" rtlCol="0">
+            <a:spAutoFit/>
+          </a:bodyPr>
+          <a:lstStyle/>
+          <a:p>
+            <a:r>
+              <a:rPr lang="ko-KR" altLang="en-US" sz="1000" dirty="0" err="1" smtClean="0"/>
+              <a:t>계층상속</a:t>
+            </a:r>
+            <a:endParaRPr lang="ko-KR" altLang="en-US" sz="1000" dirty="0"/>
+          </a:p>
+        </p:txBody>
+      </p:sp>
+      <p:sp>
+        <p:nvSpPr>
+          <p:cNvPr id="73" name="이등변 삼각형 72"/>
+          <p:cNvSpPr/>
+          <p:nvPr/>
+        </p:nvSpPr>
+        <p:spPr>
+          <a:xfrm rot="16200000">
+            <a:off x="9403739" y="4216222"/>
+            <a:ext cx="183069" cy="157818"/>
+          </a:xfrm>
+          <a:prstGeom prst="triangle">
+            <a:avLst/>
+          </a:prstGeom>
+        </p:spPr>
+        <p:style>
+          <a:lnRef idx="2">
+            <a:schemeClr val="accent1">
+              <a:shade val="50000"/>
+            </a:schemeClr>
+          </a:lnRef>
+          <a:fillRef idx="1">
+            <a:schemeClr val="accent1"/>
+          </a:fillRef>
+          <a:effectRef idx="0">
+            <a:schemeClr val="accent1"/>
+          </a:effectRef>
+          <a:fontRef idx="minor">
+            <a:schemeClr val="lt1"/>
+          </a:fontRef>
+        </p:style>
+        <p:txBody>
+          <a:bodyPr rtlCol="0" anchor="ctr"/>
+          <a:lstStyle/>
+          <a:p>
+            <a:pPr algn="ctr"/>
+            <a:endParaRPr lang="ko-KR" altLang="en-US"/>
+          </a:p>
+        </p:txBody>
+      </p:sp>
+    </p:spTree>
+    <p:extLst>
+      <p:ext uri="{BB962C8B-B14F-4D97-AF65-F5344CB8AC3E}">
+        <p14:creationId xmlns:p14="http://schemas.microsoft.com/office/powerpoint/2010/main" val="1132268877"/>
+      </p:ext>
+    </p:extLst>
+  </p:cSld>
+  <p:clrMapOvr>
+    <a:masterClrMapping/>
+  </p:clrMapOvr>
+</p:sld>
+</file>
+
+<file path=ppt/slides/slide6.xml><?xml version="1.0" encoding="utf-8"?>
+<p:sld xmlns:a="http://schemas.openxmlformats.org/drawingml/2006/main" xmlns:r="http://schemas.openxmlformats.org/officeDocument/2006/relationships" xmlns:p="http://schemas.openxmlformats.org/presentationml/2006/main">
+  <p:cSld>
+    <p:spTree>
+      <p:nvGrpSpPr>
+        <p:cNvPr id="1" name=""/>
+        <p:cNvGrpSpPr/>
+        <p:nvPr/>
+      </p:nvGrpSpPr>
+      <p:grpSpPr>
+        <a:xfrm>
+          <a:off x="0" y="0"/>
+          <a:ext cx="0" cy="0"/>
+          <a:chOff x="0" y="0"/>
+          <a:chExt cx="0" cy="0"/>
+        </a:xfrm>
+      </p:grpSpPr>
+      <p:sp>
+        <p:nvSpPr>
+          <p:cNvPr id="2" name="제목 1"/>
+          <p:cNvSpPr>
+            <a:spLocks noGrp="1"/>
+          </p:cNvSpPr>
+          <p:nvPr>
+            <p:ph type="title"/>
+          </p:nvPr>
+        </p:nvSpPr>
         <p:spPr/>
         <p:txBody>
           <a:bodyPr/>
@@ -5647,7 +10337,15 @@
           <a:p>
             <a:r>
               <a:rPr lang="ko-KR" altLang="en-US" dirty="0" smtClean="0"/>
-              <a:t>클래스의 설계</a:t>
+              <a:t>객</a:t>
+            </a:r>
+            <a:r>
+              <a:rPr lang="ko-KR" altLang="en-US" dirty="0"/>
+              <a:t>체</a:t>
+            </a:r>
+            <a:r>
+              <a:rPr lang="ko-KR" altLang="en-US" dirty="0" smtClean="0"/>
+              <a:t>의 설계의 문제점</a:t>
             </a:r>
             <a:endParaRPr lang="ko-KR" altLang="en-US" dirty="0"/>
           </a:p>
@@ -5670,116 +10368,103 @@
           <a:p>
             <a:r>
               <a:rPr lang="ko-KR" altLang="en-US" dirty="0" smtClean="0"/>
-              <a:t>실제로 코드를 </a:t>
-            </a:r>
-            <a:r>
-              <a:rPr lang="ko-KR" altLang="en-US" dirty="0" err="1" smtClean="0"/>
-              <a:t>제작하다보면</a:t>
-            </a:r>
-            <a:r>
-              <a:rPr lang="ko-KR" altLang="en-US" dirty="0" smtClean="0"/>
-              <a:t> 풍부한 </a:t>
-            </a:r>
-            <a:r>
-              <a:rPr lang="ko-KR" altLang="en-US" dirty="0" err="1" smtClean="0"/>
-              <a:t>경험없는</a:t>
-            </a:r>
-            <a:r>
-              <a:rPr lang="ko-KR" altLang="en-US" dirty="0" smtClean="0"/>
-              <a:t> 설계는 잦은 </a:t>
-            </a:r>
-            <a:r>
-              <a:rPr lang="ko-KR" altLang="en-US" dirty="0" err="1" smtClean="0"/>
-              <a:t>리펙토링을</a:t>
-            </a:r>
-            <a:r>
-              <a:rPr lang="ko-KR" altLang="en-US" dirty="0" smtClean="0"/>
-              <a:t> 낳을 </a:t>
-            </a:r>
-            <a:r>
-              <a:rPr lang="ko-KR" altLang="en-US" dirty="0" err="1" smtClean="0"/>
-              <a:t>뿐다</a:t>
+              <a:t>실제로 코드를 작성하다 보면 풍부한 경험 없는 설계는 </a:t>
             </a:r>
             <a:r>
               <a:rPr lang="en-US" altLang="ko-KR" dirty="0" smtClean="0"/>
-              <a:t>.</a:t>
-            </a:r>
-          </a:p>
-          <a:p>
-            <a:r>
-              <a:rPr lang="ko-KR" altLang="en-US" dirty="0" smtClean="0"/>
-              <a:t>잦은 </a:t>
-            </a:r>
-            <a:r>
-              <a:rPr lang="ko-KR" altLang="en-US" dirty="0" err="1" smtClean="0"/>
-              <a:t>리펙토링은</a:t>
-            </a:r>
-            <a:r>
-              <a:rPr lang="ko-KR" altLang="en-US" dirty="0" smtClean="0"/>
-              <a:t> 생산성의 저하시키고</a:t>
-            </a:r>
-            <a:r>
-              <a:rPr lang="en-US" altLang="ko-KR" dirty="0" smtClean="0"/>
-              <a:t>, </a:t>
-            </a:r>
-            <a:r>
-              <a:rPr lang="ko-KR" altLang="en-US" dirty="0" smtClean="0"/>
-              <a:t>구조를 변경하게 </a:t>
-            </a:r>
-            <a:r>
-              <a:rPr lang="ko-KR" altLang="en-US" dirty="0" err="1" smtClean="0"/>
-              <a:t>어렵게한다</a:t>
-            </a:r>
-            <a:r>
-              <a:rPr lang="en-US" altLang="ko-KR" dirty="0" smtClean="0"/>
-              <a:t>.</a:t>
-            </a:r>
-          </a:p>
-          <a:p>
-            <a:r>
-              <a:rPr lang="ko-KR" altLang="en-US" dirty="0" smtClean="0"/>
-              <a:t>그러므로</a:t>
-            </a:r>
-            <a:r>
-              <a:rPr lang="en-US" altLang="ko-KR" dirty="0" smtClean="0"/>
-              <a:t>, </a:t>
-            </a:r>
-            <a:r>
-              <a:rPr lang="ko-KR" altLang="en-US" dirty="0" smtClean="0"/>
-              <a:t>초기개발시에는 설계를 도입하는 것은 개발 속도에 지대한 지장을 준다</a:t>
-            </a:r>
-            <a:r>
-              <a:rPr lang="en-US" altLang="ko-KR" dirty="0" smtClean="0"/>
-              <a:t>.</a:t>
-            </a:r>
-          </a:p>
-          <a:p>
-            <a:r>
-              <a:rPr lang="ko-KR" altLang="en-US" dirty="0" smtClean="0"/>
-              <a:t>실제로 </a:t>
-            </a:r>
-            <a:r>
-              <a:rPr lang="ko-KR" altLang="en-US" dirty="0" err="1" smtClean="0"/>
-              <a:t>개발초기에</a:t>
-            </a:r>
-            <a:r>
-              <a:rPr lang="ko-KR" altLang="en-US" dirty="0" smtClean="0"/>
-              <a:t> 프로토타입에서 문제점을 분석하여</a:t>
-            </a:r>
-            <a:r>
-              <a:rPr lang="en-US" altLang="ko-KR" dirty="0" smtClean="0"/>
-              <a:t>,</a:t>
+              <a:t/>
             </a:r>
             <a:br>
               <a:rPr lang="en-US" altLang="ko-KR" dirty="0" smtClean="0"/>
             </a:br>
             <a:r>
-              <a:rPr lang="ko-KR" altLang="en-US" smtClean="0"/>
-              <a:t>설계에 반영하는 것이 </a:t>
-            </a:r>
-            <a:r>
               <a:rPr lang="ko-KR" altLang="en-US" dirty="0" smtClean="0"/>
-              <a:t>실용적인 방법이다</a:t>
+              <a:t>잦은 </a:t>
+            </a:r>
+            <a:r>
+              <a:rPr lang="ko-KR" altLang="en-US" dirty="0" err="1" smtClean="0"/>
+              <a:t>리펙토링을</a:t>
+            </a:r>
+            <a:r>
+              <a:rPr lang="ko-KR" altLang="en-US" dirty="0" smtClean="0"/>
+              <a:t> 낳을 뿐이다</a:t>
+            </a:r>
+            <a:r>
+              <a:rPr lang="en-US" altLang="ko-KR" dirty="0" smtClean="0"/>
+              <a:t>.</a:t>
+            </a:r>
+          </a:p>
+          <a:p>
+            <a:r>
+              <a:rPr lang="ko-KR" altLang="en-US" dirty="0" smtClean="0"/>
+              <a:t>잦은 </a:t>
+            </a:r>
+            <a:r>
+              <a:rPr lang="ko-KR" altLang="en-US" dirty="0" err="1" smtClean="0"/>
+              <a:t>리펙토링은</a:t>
+            </a:r>
+            <a:r>
+              <a:rPr lang="ko-KR" altLang="en-US" dirty="0" smtClean="0"/>
+              <a:t> 생산성의 저하시키고</a:t>
+            </a:r>
+            <a:r>
+              <a:rPr lang="en-US" altLang="ko-KR" dirty="0" smtClean="0"/>
+              <a:t>, </a:t>
+            </a:r>
+            <a:r>
+              <a:rPr lang="ko-KR" altLang="en-US" dirty="0" smtClean="0"/>
+              <a:t>구조를 변경하게 </a:t>
+            </a:r>
+            <a:r>
+              <a:rPr lang="ko-KR" altLang="en-US" dirty="0" err="1" smtClean="0"/>
+              <a:t>어렵게한다</a:t>
+            </a:r>
+            <a:r>
+              <a:rPr lang="en-US" altLang="ko-KR" dirty="0" smtClean="0"/>
+              <a:t>.</a:t>
+            </a:r>
+          </a:p>
+          <a:p>
+            <a:r>
+              <a:rPr lang="ko-KR" altLang="en-US" dirty="0" smtClean="0"/>
+              <a:t>실제로 </a:t>
+            </a:r>
+            <a:r>
+              <a:rPr lang="ko-KR" altLang="en-US" dirty="0" err="1" smtClean="0"/>
+              <a:t>개발초기에</a:t>
+            </a:r>
+            <a:r>
+              <a:rPr lang="ko-KR" altLang="en-US" dirty="0" smtClean="0"/>
+              <a:t> 프로토타입에서 문제점을 분석하여</a:t>
+            </a:r>
+            <a:r>
+              <a:rPr lang="en-US" altLang="ko-KR" dirty="0" smtClean="0"/>
+              <a:t>,</a:t>
+            </a:r>
+            <a:br>
+              <a:rPr lang="en-US" altLang="ko-KR" dirty="0" smtClean="0"/>
+            </a:br>
+            <a:r>
+              <a:rPr lang="ko-KR" altLang="en-US" dirty="0" smtClean="0"/>
+              <a:t>설계에 반영한다</a:t>
+            </a:r>
+            <a:endParaRPr lang="en-US" altLang="ko-KR" dirty="0" smtClean="0"/>
+          </a:p>
+          <a:p>
+            <a:r>
+              <a:rPr lang="ko-KR" altLang="en-US" dirty="0" smtClean="0"/>
+              <a:t>설계를 다이어그램화하고 거기서 문제점을 찾아서 개선을 </a:t>
+            </a:r>
+            <a:r>
+              <a:rPr lang="en-US" altLang="ko-KR" dirty="0" smtClean="0"/>
+              <a:t/>
+            </a:r>
+            <a:br>
+              <a:rPr lang="en-US" altLang="ko-KR" dirty="0" smtClean="0"/>
+            </a:br>
+            <a:r>
+              <a:rPr lang="ko-KR" altLang="en-US" dirty="0" smtClean="0"/>
+              <a:t>고려 할 수 있다</a:t>
             </a:r>
             <a:r>
               <a:rPr lang="en-US" altLang="ko-KR" dirty="0" smtClean="0"/>
@@ -5792,6 +10477,1801 @@
     <p:extLst>
       <p:ext uri="{BB962C8B-B14F-4D97-AF65-F5344CB8AC3E}">
         <p14:creationId xmlns:p14="http://schemas.microsoft.com/office/powerpoint/2010/main" val="2805457470"/>
+      </p:ext>
+    </p:extLst>
+  </p:cSld>
+  <p:clrMapOvr>
+    <a:masterClrMapping/>
+  </p:clrMapOvr>
+</p:sld>
+</file>
+
+<file path=ppt/slides/slide7.xml><?xml version="1.0" encoding="utf-8"?>
+<p:sld xmlns:a="http://schemas.openxmlformats.org/drawingml/2006/main" xmlns:r="http://schemas.openxmlformats.org/officeDocument/2006/relationships" xmlns:p="http://schemas.openxmlformats.org/presentationml/2006/main">
+  <p:cSld>
+    <p:spTree>
+      <p:nvGrpSpPr>
+        <p:cNvPr id="1" name=""/>
+        <p:cNvGrpSpPr/>
+        <p:nvPr/>
+      </p:nvGrpSpPr>
+      <p:grpSpPr>
+        <a:xfrm>
+          <a:off x="0" y="0"/>
+          <a:ext cx="0" cy="0"/>
+          <a:chOff x="0" y="0"/>
+          <a:chExt cx="0" cy="0"/>
+        </a:xfrm>
+      </p:grpSpPr>
+      <p:sp>
+        <p:nvSpPr>
+          <p:cNvPr id="2" name="제목 1"/>
+          <p:cNvSpPr>
+            <a:spLocks noGrp="1"/>
+          </p:cNvSpPr>
+          <p:nvPr>
+            <p:ph type="title"/>
+          </p:nvPr>
+        </p:nvSpPr>
+        <p:spPr/>
+        <p:txBody>
+          <a:bodyPr/>
+          <a:lstStyle/>
+          <a:p>
+            <a:r>
+              <a:rPr lang="ko-KR" altLang="en-US" dirty="0" smtClean="0"/>
+              <a:t>상속</a:t>
+            </a:r>
+            <a:endParaRPr lang="ko-KR" altLang="en-US" dirty="0"/>
+          </a:p>
+        </p:txBody>
+      </p:sp>
+      <p:graphicFrame>
+        <p:nvGraphicFramePr>
+          <p:cNvPr id="4" name="표 3"/>
+          <p:cNvGraphicFramePr>
+            <a:graphicFrameLocks noGrp="1"/>
+          </p:cNvGraphicFramePr>
+          <p:nvPr>
+            <p:extLst>
+              <p:ext uri="{D42A27DB-BD31-4B8C-83A1-F6EECF244321}">
+                <p14:modId xmlns:p14="http://schemas.microsoft.com/office/powerpoint/2010/main" val="840400610"/>
+              </p:ext>
+            </p:extLst>
+          </p:nvPr>
+        </p:nvGraphicFramePr>
+        <p:xfrm>
+          <a:off x="10066867" y="494941"/>
+          <a:ext cx="1286933" cy="1107440"/>
+        </p:xfrm>
+        <a:graphic>
+          <a:graphicData uri="http://schemas.openxmlformats.org/drawingml/2006/table">
+            <a:tbl>
+              <a:tblPr firstRow="1" bandRow="1">
+                <a:tableStyleId>{5C22544A-7EE6-4342-B048-85BDC9FD1C3A}</a:tableStyleId>
+              </a:tblPr>
+              <a:tblGrid>
+                <a:gridCol w="1286933">
+                  <a:extLst>
+                    <a:ext uri="{9D8B030D-6E8A-4147-A177-3AD203B41FA5}">
+                      <a16:colId xmlns:a16="http://schemas.microsoft.com/office/drawing/2014/main" val="1268748105"/>
+                    </a:ext>
+                  </a:extLst>
+                </a:gridCol>
+              </a:tblGrid>
+              <a:tr h="370840">
+                <a:tc>
+                  <a:txBody>
+                    <a:bodyPr/>
+                    <a:lstStyle/>
+                    <a:p>
+                      <a:pPr latinLnBrk="1"/>
+                      <a:r>
+                        <a:rPr lang="ko-KR" altLang="en-US" dirty="0" err="1" smtClean="0"/>
+                        <a:t>무적효과</a:t>
+                      </a:r>
+                      <a:endParaRPr lang="ko-KR" altLang="en-US" dirty="0"/>
+                    </a:p>
+                  </a:txBody>
+                  <a:tcPr/>
+                </a:tc>
+                <a:extLst>
+                  <a:ext uri="{0D108BD9-81ED-4DB2-BD59-A6C34878D82A}">
+                    <a16:rowId xmlns:a16="http://schemas.microsoft.com/office/drawing/2014/main" val="4239921442"/>
+                  </a:ext>
+                </a:extLst>
+              </a:tr>
+              <a:tr h="331894">
+                <a:tc>
+                  <a:txBody>
+                    <a:bodyPr/>
+                    <a:lstStyle/>
+                    <a:p>
+                      <a:pPr latinLnBrk="1"/>
+                      <a:endParaRPr lang="ko-KR" altLang="en-US" dirty="0"/>
+                    </a:p>
+                  </a:txBody>
+                  <a:tcPr/>
+                </a:tc>
+                <a:extLst>
+                  <a:ext uri="{0D108BD9-81ED-4DB2-BD59-A6C34878D82A}">
+                    <a16:rowId xmlns:a16="http://schemas.microsoft.com/office/drawing/2014/main" val="1850964627"/>
+                  </a:ext>
+                </a:extLst>
+              </a:tr>
+              <a:tr h="370840">
+                <a:tc>
+                  <a:txBody>
+                    <a:bodyPr/>
+                    <a:lstStyle/>
+                    <a:p>
+                      <a:pPr latinLnBrk="1"/>
+                      <a:r>
+                        <a:rPr lang="ko-KR" altLang="en-US" dirty="0" smtClean="0"/>
+                        <a:t>사용</a:t>
+                      </a:r>
+                      <a:endParaRPr lang="ko-KR" altLang="en-US" dirty="0"/>
+                    </a:p>
+                  </a:txBody>
+                  <a:tcPr/>
+                </a:tc>
+                <a:extLst>
+                  <a:ext uri="{0D108BD9-81ED-4DB2-BD59-A6C34878D82A}">
+                    <a16:rowId xmlns:a16="http://schemas.microsoft.com/office/drawing/2014/main" val="1245535897"/>
+                  </a:ext>
+                </a:extLst>
+              </a:tr>
+            </a:tbl>
+          </a:graphicData>
+        </a:graphic>
+      </p:graphicFrame>
+      <p:graphicFrame>
+        <p:nvGraphicFramePr>
+          <p:cNvPr id="5" name="표 4"/>
+          <p:cNvGraphicFramePr>
+            <a:graphicFrameLocks noGrp="1"/>
+          </p:cNvGraphicFramePr>
+          <p:nvPr>
+            <p:extLst>
+              <p:ext uri="{D42A27DB-BD31-4B8C-83A1-F6EECF244321}">
+                <p14:modId xmlns:p14="http://schemas.microsoft.com/office/powerpoint/2010/main" val="3347968511"/>
+              </p:ext>
+            </p:extLst>
+          </p:nvPr>
+        </p:nvGraphicFramePr>
+        <p:xfrm>
+          <a:off x="10066867" y="4392138"/>
+          <a:ext cx="1286933" cy="1102360"/>
+        </p:xfrm>
+        <a:graphic>
+          <a:graphicData uri="http://schemas.openxmlformats.org/drawingml/2006/table">
+            <a:tbl>
+              <a:tblPr firstRow="1" bandRow="1">
+                <a:tableStyleId>{5C22544A-7EE6-4342-B048-85BDC9FD1C3A}</a:tableStyleId>
+              </a:tblPr>
+              <a:tblGrid>
+                <a:gridCol w="1286933">
+                  <a:extLst>
+                    <a:ext uri="{9D8B030D-6E8A-4147-A177-3AD203B41FA5}">
+                      <a16:colId xmlns:a16="http://schemas.microsoft.com/office/drawing/2014/main" val="1268748105"/>
+                    </a:ext>
+                  </a:extLst>
+                </a:gridCol>
+              </a:tblGrid>
+              <a:tr h="370840">
+                <a:tc>
+                  <a:txBody>
+                    <a:bodyPr/>
+                    <a:lstStyle/>
+                    <a:p>
+                      <a:pPr latinLnBrk="1"/>
+                      <a:r>
+                        <a:rPr lang="ko-KR" altLang="en-US" dirty="0" smtClean="0"/>
+                        <a:t>레이저</a:t>
+                      </a:r>
+                      <a:endParaRPr lang="ko-KR" altLang="en-US" dirty="0"/>
+                    </a:p>
+                  </a:txBody>
+                  <a:tcPr/>
+                </a:tc>
+                <a:extLst>
+                  <a:ext uri="{0D108BD9-81ED-4DB2-BD59-A6C34878D82A}">
+                    <a16:rowId xmlns:a16="http://schemas.microsoft.com/office/drawing/2014/main" val="4239921442"/>
+                  </a:ext>
+                </a:extLst>
+              </a:tr>
+              <a:tr h="331894">
+                <a:tc>
+                  <a:txBody>
+                    <a:bodyPr/>
+                    <a:lstStyle/>
+                    <a:p>
+                      <a:pPr latinLnBrk="1"/>
+                      <a:r>
+                        <a:rPr lang="ko-KR" altLang="en-US" dirty="0" smtClean="0"/>
+                        <a:t>총</a:t>
+                      </a:r>
+                      <a:endParaRPr lang="ko-KR" altLang="en-US" dirty="0"/>
+                    </a:p>
+                  </a:txBody>
+                  <a:tcPr/>
+                </a:tc>
+                <a:extLst>
+                  <a:ext uri="{0D108BD9-81ED-4DB2-BD59-A6C34878D82A}">
+                    <a16:rowId xmlns:a16="http://schemas.microsoft.com/office/drawing/2014/main" val="1850964627"/>
+                  </a:ext>
+                </a:extLst>
+              </a:tr>
+              <a:tr h="356448">
+                <a:tc>
+                  <a:txBody>
+                    <a:bodyPr/>
+                    <a:lstStyle/>
+                    <a:p>
+                      <a:pPr latinLnBrk="1"/>
+                      <a:r>
+                        <a:rPr lang="ko-KR" altLang="en-US" dirty="0" smtClean="0"/>
+                        <a:t>사용</a:t>
+                      </a:r>
+                      <a:endParaRPr lang="ko-KR" altLang="en-US" dirty="0"/>
+                    </a:p>
+                  </a:txBody>
+                  <a:tcPr/>
+                </a:tc>
+                <a:extLst>
+                  <a:ext uri="{0D108BD9-81ED-4DB2-BD59-A6C34878D82A}">
+                    <a16:rowId xmlns:a16="http://schemas.microsoft.com/office/drawing/2014/main" val="1245535897"/>
+                  </a:ext>
+                </a:extLst>
+              </a:tr>
+            </a:tbl>
+          </a:graphicData>
+        </a:graphic>
+      </p:graphicFrame>
+      <p:graphicFrame>
+        <p:nvGraphicFramePr>
+          <p:cNvPr id="6" name="표 5"/>
+          <p:cNvGraphicFramePr>
+            <a:graphicFrameLocks noGrp="1"/>
+          </p:cNvGraphicFramePr>
+          <p:nvPr>
+            <p:extLst>
+              <p:ext uri="{D42A27DB-BD31-4B8C-83A1-F6EECF244321}">
+                <p14:modId xmlns:p14="http://schemas.microsoft.com/office/powerpoint/2010/main" val="284045387"/>
+              </p:ext>
+            </p:extLst>
+          </p:nvPr>
+        </p:nvGraphicFramePr>
+        <p:xfrm>
+          <a:off x="10066867" y="1765461"/>
+          <a:ext cx="1286933" cy="1107440"/>
+        </p:xfrm>
+        <a:graphic>
+          <a:graphicData uri="http://schemas.openxmlformats.org/drawingml/2006/table">
+            <a:tbl>
+              <a:tblPr firstRow="1" bandRow="1">
+                <a:tableStyleId>{5C22544A-7EE6-4342-B048-85BDC9FD1C3A}</a:tableStyleId>
+              </a:tblPr>
+              <a:tblGrid>
+                <a:gridCol w="1286933">
+                  <a:extLst>
+                    <a:ext uri="{9D8B030D-6E8A-4147-A177-3AD203B41FA5}">
+                      <a16:colId xmlns:a16="http://schemas.microsoft.com/office/drawing/2014/main" val="1268748105"/>
+                    </a:ext>
+                  </a:extLst>
+                </a:gridCol>
+              </a:tblGrid>
+              <a:tr h="370840">
+                <a:tc>
+                  <a:txBody>
+                    <a:bodyPr/>
+                    <a:lstStyle/>
+                    <a:p>
+                      <a:pPr latinLnBrk="1"/>
+                      <a:r>
+                        <a:rPr lang="ko-KR" altLang="en-US" dirty="0" err="1" smtClean="0"/>
+                        <a:t>회복효과</a:t>
+                      </a:r>
+                      <a:endParaRPr lang="ko-KR" altLang="en-US" dirty="0"/>
+                    </a:p>
+                  </a:txBody>
+                  <a:tcPr/>
+                </a:tc>
+                <a:extLst>
+                  <a:ext uri="{0D108BD9-81ED-4DB2-BD59-A6C34878D82A}">
+                    <a16:rowId xmlns:a16="http://schemas.microsoft.com/office/drawing/2014/main" val="4239921442"/>
+                  </a:ext>
+                </a:extLst>
+              </a:tr>
+              <a:tr h="331894">
+                <a:tc>
+                  <a:txBody>
+                    <a:bodyPr/>
+                    <a:lstStyle/>
+                    <a:p>
+                      <a:pPr latinLnBrk="1"/>
+                      <a:endParaRPr lang="ko-KR" altLang="en-US" dirty="0"/>
+                    </a:p>
+                  </a:txBody>
+                  <a:tcPr/>
+                </a:tc>
+                <a:extLst>
+                  <a:ext uri="{0D108BD9-81ED-4DB2-BD59-A6C34878D82A}">
+                    <a16:rowId xmlns:a16="http://schemas.microsoft.com/office/drawing/2014/main" val="1850964627"/>
+                  </a:ext>
+                </a:extLst>
+              </a:tr>
+              <a:tr h="370840">
+                <a:tc>
+                  <a:txBody>
+                    <a:bodyPr/>
+                    <a:lstStyle/>
+                    <a:p>
+                      <a:pPr latinLnBrk="1"/>
+                      <a:r>
+                        <a:rPr lang="ko-KR" altLang="en-US" dirty="0" smtClean="0"/>
+                        <a:t>사용</a:t>
+                      </a:r>
+                      <a:endParaRPr lang="ko-KR" altLang="en-US" dirty="0"/>
+                    </a:p>
+                  </a:txBody>
+                  <a:tcPr/>
+                </a:tc>
+                <a:extLst>
+                  <a:ext uri="{0D108BD9-81ED-4DB2-BD59-A6C34878D82A}">
+                    <a16:rowId xmlns:a16="http://schemas.microsoft.com/office/drawing/2014/main" val="1245535897"/>
+                  </a:ext>
+                </a:extLst>
+              </a:tr>
+            </a:tbl>
+          </a:graphicData>
+        </a:graphic>
+      </p:graphicFrame>
+      <p:graphicFrame>
+        <p:nvGraphicFramePr>
+          <p:cNvPr id="7" name="표 6"/>
+          <p:cNvGraphicFramePr>
+            <a:graphicFrameLocks noGrp="1"/>
+          </p:cNvGraphicFramePr>
+          <p:nvPr>
+            <p:extLst>
+              <p:ext uri="{D42A27DB-BD31-4B8C-83A1-F6EECF244321}">
+                <p14:modId xmlns:p14="http://schemas.microsoft.com/office/powerpoint/2010/main" val="4175941618"/>
+              </p:ext>
+            </p:extLst>
+          </p:nvPr>
+        </p:nvGraphicFramePr>
+        <p:xfrm>
+          <a:off x="10066867" y="3042817"/>
+          <a:ext cx="1286933" cy="1107440"/>
+        </p:xfrm>
+        <a:graphic>
+          <a:graphicData uri="http://schemas.openxmlformats.org/drawingml/2006/table">
+            <a:tbl>
+              <a:tblPr firstRow="1" bandRow="1">
+                <a:tableStyleId>{5C22544A-7EE6-4342-B048-85BDC9FD1C3A}</a:tableStyleId>
+              </a:tblPr>
+              <a:tblGrid>
+                <a:gridCol w="1286933">
+                  <a:extLst>
+                    <a:ext uri="{9D8B030D-6E8A-4147-A177-3AD203B41FA5}">
+                      <a16:colId xmlns:a16="http://schemas.microsoft.com/office/drawing/2014/main" val="1268748105"/>
+                    </a:ext>
+                  </a:extLst>
+                </a:gridCol>
+              </a:tblGrid>
+              <a:tr h="370840">
+                <a:tc>
+                  <a:txBody>
+                    <a:bodyPr/>
+                    <a:lstStyle/>
+                    <a:p>
+                      <a:pPr latinLnBrk="1"/>
+                      <a:r>
+                        <a:rPr lang="ko-KR" altLang="en-US" dirty="0" smtClean="0"/>
+                        <a:t>총알</a:t>
+                      </a:r>
+                      <a:endParaRPr lang="ko-KR" altLang="en-US" dirty="0"/>
+                    </a:p>
+                  </a:txBody>
+                  <a:tcPr/>
+                </a:tc>
+                <a:extLst>
+                  <a:ext uri="{0D108BD9-81ED-4DB2-BD59-A6C34878D82A}">
+                    <a16:rowId xmlns:a16="http://schemas.microsoft.com/office/drawing/2014/main" val="4239921442"/>
+                  </a:ext>
+                </a:extLst>
+              </a:tr>
+              <a:tr h="331894">
+                <a:tc>
+                  <a:txBody>
+                    <a:bodyPr/>
+                    <a:lstStyle/>
+                    <a:p>
+                      <a:pPr latinLnBrk="1"/>
+                      <a:r>
+                        <a:rPr lang="ko-KR" altLang="en-US" dirty="0" smtClean="0"/>
+                        <a:t>총</a:t>
+                      </a:r>
+                      <a:endParaRPr lang="ko-KR" altLang="en-US" dirty="0"/>
+                    </a:p>
+                  </a:txBody>
+                  <a:tcPr/>
+                </a:tc>
+                <a:extLst>
+                  <a:ext uri="{0D108BD9-81ED-4DB2-BD59-A6C34878D82A}">
+                    <a16:rowId xmlns:a16="http://schemas.microsoft.com/office/drawing/2014/main" val="1850964627"/>
+                  </a:ext>
+                </a:extLst>
+              </a:tr>
+              <a:tr h="370840">
+                <a:tc>
+                  <a:txBody>
+                    <a:bodyPr/>
+                    <a:lstStyle/>
+                    <a:p>
+                      <a:pPr latinLnBrk="1"/>
+                      <a:r>
+                        <a:rPr lang="ko-KR" altLang="en-US" dirty="0" smtClean="0"/>
+                        <a:t>사용</a:t>
+                      </a:r>
+                      <a:endParaRPr lang="ko-KR" altLang="en-US" dirty="0"/>
+                    </a:p>
+                  </a:txBody>
+                  <a:tcPr/>
+                </a:tc>
+                <a:extLst>
+                  <a:ext uri="{0D108BD9-81ED-4DB2-BD59-A6C34878D82A}">
+                    <a16:rowId xmlns:a16="http://schemas.microsoft.com/office/drawing/2014/main" val="1245535897"/>
+                  </a:ext>
+                </a:extLst>
+              </a:tr>
+            </a:tbl>
+          </a:graphicData>
+        </a:graphic>
+      </p:graphicFrame>
+      <p:graphicFrame>
+        <p:nvGraphicFramePr>
+          <p:cNvPr id="8" name="표 7"/>
+          <p:cNvGraphicFramePr>
+            <a:graphicFrameLocks noGrp="1"/>
+          </p:cNvGraphicFramePr>
+          <p:nvPr>
+            <p:extLst>
+              <p:ext uri="{D42A27DB-BD31-4B8C-83A1-F6EECF244321}">
+                <p14:modId xmlns:p14="http://schemas.microsoft.com/office/powerpoint/2010/main" val="2907801859"/>
+              </p:ext>
+            </p:extLst>
+          </p:nvPr>
+        </p:nvGraphicFramePr>
+        <p:xfrm>
+          <a:off x="6799792" y="2574767"/>
+          <a:ext cx="1286933" cy="1107440"/>
+        </p:xfrm>
+        <a:graphic>
+          <a:graphicData uri="http://schemas.openxmlformats.org/drawingml/2006/table">
+            <a:tbl>
+              <a:tblPr firstRow="1" bandRow="1">
+                <a:tableStyleId>{5C22544A-7EE6-4342-B048-85BDC9FD1C3A}</a:tableStyleId>
+              </a:tblPr>
+              <a:tblGrid>
+                <a:gridCol w="1286933">
+                  <a:extLst>
+                    <a:ext uri="{9D8B030D-6E8A-4147-A177-3AD203B41FA5}">
+                      <a16:colId xmlns:a16="http://schemas.microsoft.com/office/drawing/2014/main" val="1268748105"/>
+                    </a:ext>
+                  </a:extLst>
+                </a:gridCol>
+              </a:tblGrid>
+              <a:tr h="370840">
+                <a:tc>
+                  <a:txBody>
+                    <a:bodyPr/>
+                    <a:lstStyle/>
+                    <a:p>
+                      <a:pPr latinLnBrk="1"/>
+                      <a:r>
+                        <a:rPr lang="ko-KR" altLang="en-US" dirty="0" smtClean="0"/>
+                        <a:t>효과</a:t>
+                      </a:r>
+                      <a:endParaRPr lang="ko-KR" altLang="en-US" dirty="0"/>
+                    </a:p>
+                  </a:txBody>
+                  <a:tcPr/>
+                </a:tc>
+                <a:extLst>
+                  <a:ext uri="{0D108BD9-81ED-4DB2-BD59-A6C34878D82A}">
+                    <a16:rowId xmlns:a16="http://schemas.microsoft.com/office/drawing/2014/main" val="4239921442"/>
+                  </a:ext>
+                </a:extLst>
+              </a:tr>
+              <a:tr h="331894">
+                <a:tc>
+                  <a:txBody>
+                    <a:bodyPr/>
+                    <a:lstStyle/>
+                    <a:p>
+                      <a:pPr latinLnBrk="1"/>
+                      <a:endParaRPr lang="ko-KR" altLang="en-US" dirty="0"/>
+                    </a:p>
+                  </a:txBody>
+                  <a:tcPr/>
+                </a:tc>
+                <a:extLst>
+                  <a:ext uri="{0D108BD9-81ED-4DB2-BD59-A6C34878D82A}">
+                    <a16:rowId xmlns:a16="http://schemas.microsoft.com/office/drawing/2014/main" val="1850964627"/>
+                  </a:ext>
+                </a:extLst>
+              </a:tr>
+              <a:tr h="370840">
+                <a:tc>
+                  <a:txBody>
+                    <a:bodyPr/>
+                    <a:lstStyle/>
+                    <a:p>
+                      <a:pPr latinLnBrk="1"/>
+                      <a:r>
+                        <a:rPr lang="ko-KR" altLang="en-US" dirty="0" smtClean="0"/>
+                        <a:t>사용</a:t>
+                      </a:r>
+                      <a:endParaRPr lang="ko-KR" altLang="en-US" dirty="0"/>
+                    </a:p>
+                  </a:txBody>
+                  <a:tcPr/>
+                </a:tc>
+                <a:extLst>
+                  <a:ext uri="{0D108BD9-81ED-4DB2-BD59-A6C34878D82A}">
+                    <a16:rowId xmlns:a16="http://schemas.microsoft.com/office/drawing/2014/main" val="1245535897"/>
+                  </a:ext>
+                </a:extLst>
+              </a:tr>
+            </a:tbl>
+          </a:graphicData>
+        </a:graphic>
+      </p:graphicFrame>
+      <p:sp>
+        <p:nvSpPr>
+          <p:cNvPr id="9" name="직사각형 8"/>
+          <p:cNvSpPr/>
+          <p:nvPr/>
+        </p:nvSpPr>
+        <p:spPr>
+          <a:xfrm>
+            <a:off x="6799791" y="2573814"/>
+            <a:ext cx="1286934" cy="1107439"/>
+          </a:xfrm>
+          <a:prstGeom prst="rect">
+            <a:avLst/>
+          </a:prstGeom>
+          <a:noFill/>
+          <a:ln>
+            <a:prstDash val="solid"/>
+          </a:ln>
+        </p:spPr>
+        <p:style>
+          <a:lnRef idx="2">
+            <a:schemeClr val="accent1">
+              <a:shade val="50000"/>
+            </a:schemeClr>
+          </a:lnRef>
+          <a:fillRef idx="1">
+            <a:schemeClr val="accent1"/>
+          </a:fillRef>
+          <a:effectRef idx="0">
+            <a:schemeClr val="accent1"/>
+          </a:effectRef>
+          <a:fontRef idx="minor">
+            <a:schemeClr val="lt1"/>
+          </a:fontRef>
+        </p:style>
+        <p:txBody>
+          <a:bodyPr rtlCol="0" anchor="ctr"/>
+          <a:lstStyle/>
+          <a:p>
+            <a:pPr algn="ctr"/>
+            <a:endParaRPr lang="ko-KR" altLang="en-US"/>
+          </a:p>
+        </p:txBody>
+      </p:sp>
+      <p:sp>
+        <p:nvSpPr>
+          <p:cNvPr id="10" name="TextBox 9"/>
+          <p:cNvSpPr txBox="1"/>
+          <p:nvPr/>
+        </p:nvSpPr>
+        <p:spPr>
+          <a:xfrm>
+            <a:off x="8282403" y="3203274"/>
+            <a:ext cx="636177" cy="246221"/>
+          </a:xfrm>
+          <a:prstGeom prst="rect">
+            <a:avLst/>
+          </a:prstGeom>
+          <a:noFill/>
+        </p:spPr>
+        <p:txBody>
+          <a:bodyPr wrap="square" rtlCol="0">
+            <a:spAutoFit/>
+          </a:bodyPr>
+          <a:lstStyle/>
+          <a:p>
+            <a:r>
+              <a:rPr lang="ko-KR" altLang="en-US" sz="1000" dirty="0" smtClean="0"/>
+              <a:t>상속</a:t>
+            </a:r>
+            <a:endParaRPr lang="ko-KR" altLang="en-US" sz="1000" dirty="0"/>
+          </a:p>
+        </p:txBody>
+      </p:sp>
+      <p:sp>
+        <p:nvSpPr>
+          <p:cNvPr id="11" name="직사각형 10"/>
+          <p:cNvSpPr/>
+          <p:nvPr/>
+        </p:nvSpPr>
+        <p:spPr>
+          <a:xfrm>
+            <a:off x="10066866" y="3048730"/>
+            <a:ext cx="1286934" cy="1107439"/>
+          </a:xfrm>
+          <a:prstGeom prst="rect">
+            <a:avLst/>
+          </a:prstGeom>
+          <a:noFill/>
+          <a:ln>
+            <a:prstDash val="solid"/>
+          </a:ln>
+        </p:spPr>
+        <p:style>
+          <a:lnRef idx="2">
+            <a:schemeClr val="accent1">
+              <a:shade val="50000"/>
+            </a:schemeClr>
+          </a:lnRef>
+          <a:fillRef idx="1">
+            <a:schemeClr val="accent1"/>
+          </a:fillRef>
+          <a:effectRef idx="0">
+            <a:schemeClr val="accent1"/>
+          </a:effectRef>
+          <a:fontRef idx="minor">
+            <a:schemeClr val="lt1"/>
+          </a:fontRef>
+        </p:style>
+        <p:txBody>
+          <a:bodyPr rtlCol="0" anchor="ctr"/>
+          <a:lstStyle/>
+          <a:p>
+            <a:pPr algn="ctr"/>
+            <a:endParaRPr lang="ko-KR" altLang="en-US"/>
+          </a:p>
+        </p:txBody>
+      </p:sp>
+      <p:sp>
+        <p:nvSpPr>
+          <p:cNvPr id="12" name="직사각형 11"/>
+          <p:cNvSpPr/>
+          <p:nvPr/>
+        </p:nvSpPr>
+        <p:spPr>
+          <a:xfrm>
+            <a:off x="10066866" y="1789708"/>
+            <a:ext cx="1286934" cy="1107439"/>
+          </a:xfrm>
+          <a:prstGeom prst="rect">
+            <a:avLst/>
+          </a:prstGeom>
+          <a:noFill/>
+          <a:ln>
+            <a:prstDash val="solid"/>
+          </a:ln>
+        </p:spPr>
+        <p:style>
+          <a:lnRef idx="2">
+            <a:schemeClr val="accent1">
+              <a:shade val="50000"/>
+            </a:schemeClr>
+          </a:lnRef>
+          <a:fillRef idx="1">
+            <a:schemeClr val="accent1"/>
+          </a:fillRef>
+          <a:effectRef idx="0">
+            <a:schemeClr val="accent1"/>
+          </a:effectRef>
+          <a:fontRef idx="minor">
+            <a:schemeClr val="lt1"/>
+          </a:fontRef>
+        </p:style>
+        <p:txBody>
+          <a:bodyPr rtlCol="0" anchor="ctr"/>
+          <a:lstStyle/>
+          <a:p>
+            <a:pPr algn="ctr"/>
+            <a:endParaRPr lang="ko-KR" altLang="en-US"/>
+          </a:p>
+        </p:txBody>
+      </p:sp>
+      <p:sp>
+        <p:nvSpPr>
+          <p:cNvPr id="13" name="직사각형 12"/>
+          <p:cNvSpPr/>
+          <p:nvPr/>
+        </p:nvSpPr>
+        <p:spPr>
+          <a:xfrm>
+            <a:off x="10066866" y="4400772"/>
+            <a:ext cx="1286934" cy="1107439"/>
+          </a:xfrm>
+          <a:prstGeom prst="rect">
+            <a:avLst/>
+          </a:prstGeom>
+          <a:noFill/>
+          <a:ln>
+            <a:prstDash val="solid"/>
+          </a:ln>
+        </p:spPr>
+        <p:style>
+          <a:lnRef idx="2">
+            <a:schemeClr val="accent1">
+              <a:shade val="50000"/>
+            </a:schemeClr>
+          </a:lnRef>
+          <a:fillRef idx="1">
+            <a:schemeClr val="accent1"/>
+          </a:fillRef>
+          <a:effectRef idx="0">
+            <a:schemeClr val="accent1"/>
+          </a:effectRef>
+          <a:fontRef idx="minor">
+            <a:schemeClr val="lt1"/>
+          </a:fontRef>
+        </p:style>
+        <p:txBody>
+          <a:bodyPr rtlCol="0" anchor="ctr"/>
+          <a:lstStyle/>
+          <a:p>
+            <a:pPr algn="ctr"/>
+            <a:endParaRPr lang="ko-KR" altLang="en-US"/>
+          </a:p>
+        </p:txBody>
+      </p:sp>
+      <p:sp>
+        <p:nvSpPr>
+          <p:cNvPr id="14" name="직사각형 13"/>
+          <p:cNvSpPr/>
+          <p:nvPr/>
+        </p:nvSpPr>
+        <p:spPr>
+          <a:xfrm>
+            <a:off x="10066866" y="512353"/>
+            <a:ext cx="1286934" cy="1107439"/>
+          </a:xfrm>
+          <a:prstGeom prst="rect">
+            <a:avLst/>
+          </a:prstGeom>
+          <a:noFill/>
+          <a:ln>
+            <a:prstDash val="solid"/>
+          </a:ln>
+        </p:spPr>
+        <p:style>
+          <a:lnRef idx="2">
+            <a:schemeClr val="accent1">
+              <a:shade val="50000"/>
+            </a:schemeClr>
+          </a:lnRef>
+          <a:fillRef idx="1">
+            <a:schemeClr val="accent1"/>
+          </a:fillRef>
+          <a:effectRef idx="0">
+            <a:schemeClr val="accent1"/>
+          </a:effectRef>
+          <a:fontRef idx="minor">
+            <a:schemeClr val="lt1"/>
+          </a:fontRef>
+        </p:style>
+        <p:txBody>
+          <a:bodyPr rtlCol="0" anchor="ctr"/>
+          <a:lstStyle/>
+          <a:p>
+            <a:pPr algn="ctr"/>
+            <a:endParaRPr lang="ko-KR" altLang="en-US"/>
+          </a:p>
+        </p:txBody>
+      </p:sp>
+      <p:cxnSp>
+        <p:nvCxnSpPr>
+          <p:cNvPr id="16" name="꺾인 연결선 15"/>
+          <p:cNvCxnSpPr>
+            <a:stCxn id="14" idx="1"/>
+            <a:endCxn id="8" idx="3"/>
+          </p:cNvCxnSpPr>
+          <p:nvPr/>
+        </p:nvCxnSpPr>
+        <p:spPr>
+          <a:xfrm rot="10800000" flipV="1">
+            <a:off x="8086726" y="1066073"/>
+            <a:ext cx="1980141" cy="2062414"/>
+          </a:xfrm>
+          <a:prstGeom prst="bentConnector3">
+            <a:avLst/>
+          </a:prstGeom>
+          <a:ln>
+            <a:prstDash val="solid"/>
+            <a:tailEnd type="triangle"/>
+          </a:ln>
+        </p:spPr>
+        <p:style>
+          <a:lnRef idx="1">
+            <a:schemeClr val="accent1"/>
+          </a:lnRef>
+          <a:fillRef idx="0">
+            <a:schemeClr val="accent1"/>
+          </a:fillRef>
+          <a:effectRef idx="0">
+            <a:schemeClr val="accent1"/>
+          </a:effectRef>
+          <a:fontRef idx="minor">
+            <a:schemeClr val="tx1"/>
+          </a:fontRef>
+        </p:style>
+      </p:cxnSp>
+      <p:cxnSp>
+        <p:nvCxnSpPr>
+          <p:cNvPr id="17" name="꺾인 연결선 16"/>
+          <p:cNvCxnSpPr>
+            <a:stCxn id="12" idx="1"/>
+            <a:endCxn id="8" idx="3"/>
+          </p:cNvCxnSpPr>
+          <p:nvPr/>
+        </p:nvCxnSpPr>
+        <p:spPr>
+          <a:xfrm rot="10800000" flipV="1">
+            <a:off x="8086726" y="2343427"/>
+            <a:ext cx="1980141" cy="785059"/>
+          </a:xfrm>
+          <a:prstGeom prst="bentConnector3">
+            <a:avLst/>
+          </a:prstGeom>
+          <a:ln>
+            <a:prstDash val="solid"/>
+            <a:tailEnd type="triangle"/>
+          </a:ln>
+        </p:spPr>
+        <p:style>
+          <a:lnRef idx="1">
+            <a:schemeClr val="accent1"/>
+          </a:lnRef>
+          <a:fillRef idx="0">
+            <a:schemeClr val="accent1"/>
+          </a:fillRef>
+          <a:effectRef idx="0">
+            <a:schemeClr val="accent1"/>
+          </a:effectRef>
+          <a:fontRef idx="minor">
+            <a:schemeClr val="tx1"/>
+          </a:fontRef>
+        </p:style>
+      </p:cxnSp>
+      <p:cxnSp>
+        <p:nvCxnSpPr>
+          <p:cNvPr id="18" name="꺾인 연결선 17"/>
+          <p:cNvCxnSpPr>
+            <a:stCxn id="11" idx="1"/>
+            <a:endCxn id="9" idx="3"/>
+          </p:cNvCxnSpPr>
+          <p:nvPr/>
+        </p:nvCxnSpPr>
+        <p:spPr>
+          <a:xfrm rot="10800000">
+            <a:off x="8086726" y="3127534"/>
+            <a:ext cx="1980141" cy="474916"/>
+          </a:xfrm>
+          <a:prstGeom prst="bentConnector3">
+            <a:avLst/>
+          </a:prstGeom>
+          <a:ln>
+            <a:prstDash val="solid"/>
+            <a:tailEnd type="triangle"/>
+          </a:ln>
+        </p:spPr>
+        <p:style>
+          <a:lnRef idx="1">
+            <a:schemeClr val="accent1"/>
+          </a:lnRef>
+          <a:fillRef idx="0">
+            <a:schemeClr val="accent1"/>
+          </a:fillRef>
+          <a:effectRef idx="0">
+            <a:schemeClr val="accent1"/>
+          </a:effectRef>
+          <a:fontRef idx="minor">
+            <a:schemeClr val="tx1"/>
+          </a:fontRef>
+        </p:style>
+      </p:cxnSp>
+      <p:cxnSp>
+        <p:nvCxnSpPr>
+          <p:cNvPr id="19" name="꺾인 연결선 18"/>
+          <p:cNvCxnSpPr>
+            <a:stCxn id="13" idx="1"/>
+            <a:endCxn id="8" idx="3"/>
+          </p:cNvCxnSpPr>
+          <p:nvPr/>
+        </p:nvCxnSpPr>
+        <p:spPr>
+          <a:xfrm rot="10800000">
+            <a:off x="8086726" y="3128488"/>
+            <a:ext cx="1980141" cy="1826005"/>
+          </a:xfrm>
+          <a:prstGeom prst="bentConnector3">
+            <a:avLst/>
+          </a:prstGeom>
+          <a:ln>
+            <a:prstDash val="solid"/>
+            <a:tailEnd type="triangle"/>
+          </a:ln>
+        </p:spPr>
+        <p:style>
+          <a:lnRef idx="1">
+            <a:schemeClr val="accent1"/>
+          </a:lnRef>
+          <a:fillRef idx="0">
+            <a:schemeClr val="accent1"/>
+          </a:fillRef>
+          <a:effectRef idx="0">
+            <a:schemeClr val="accent1"/>
+          </a:effectRef>
+          <a:fontRef idx="minor">
+            <a:schemeClr val="tx1"/>
+          </a:fontRef>
+        </p:style>
+      </p:cxnSp>
+      <p:sp>
+        <p:nvSpPr>
+          <p:cNvPr id="20" name="이등변 삼각형 19"/>
+          <p:cNvSpPr/>
+          <p:nvPr/>
+        </p:nvSpPr>
+        <p:spPr>
+          <a:xfrm rot="16200000">
+            <a:off x="8093030" y="3036846"/>
+            <a:ext cx="183069" cy="157818"/>
+          </a:xfrm>
+          <a:prstGeom prst="triangle">
+            <a:avLst/>
+          </a:prstGeom>
+        </p:spPr>
+        <p:style>
+          <a:lnRef idx="2">
+            <a:schemeClr val="accent1">
+              <a:shade val="50000"/>
+            </a:schemeClr>
+          </a:lnRef>
+          <a:fillRef idx="1">
+            <a:schemeClr val="accent1"/>
+          </a:fillRef>
+          <a:effectRef idx="0">
+            <a:schemeClr val="accent1"/>
+          </a:effectRef>
+          <a:fontRef idx="minor">
+            <a:schemeClr val="lt1"/>
+          </a:fontRef>
+        </p:style>
+        <p:txBody>
+          <a:bodyPr rtlCol="0" anchor="ctr"/>
+          <a:lstStyle/>
+          <a:p>
+            <a:pPr algn="ctr"/>
+            <a:endParaRPr lang="ko-KR" altLang="en-US"/>
+          </a:p>
+        </p:txBody>
+      </p:sp>
+      <p:pic>
+        <p:nvPicPr>
+          <p:cNvPr id="23" name="그림 22"/>
+          <p:cNvPicPr>
+            <a:picLocks noChangeAspect="1"/>
+          </p:cNvPicPr>
+          <p:nvPr/>
+        </p:nvPicPr>
+        <p:blipFill>
+          <a:blip r:embed="rId2"/>
+          <a:stretch>
+            <a:fillRect/>
+          </a:stretch>
+        </p:blipFill>
+        <p:spPr>
+          <a:xfrm>
+            <a:off x="682557" y="1894597"/>
+            <a:ext cx="3714750" cy="1771650"/>
+          </a:xfrm>
+          <a:prstGeom prst="rect">
+            <a:avLst/>
+          </a:prstGeom>
+        </p:spPr>
+      </p:pic>
+      <p:sp>
+        <p:nvSpPr>
+          <p:cNvPr id="24" name="직사각형 23"/>
+          <p:cNvSpPr/>
+          <p:nvPr/>
+        </p:nvSpPr>
+        <p:spPr>
+          <a:xfrm>
+            <a:off x="682557" y="1894597"/>
+            <a:ext cx="3714750" cy="440041"/>
+          </a:xfrm>
+          <a:prstGeom prst="rect">
+            <a:avLst/>
+          </a:prstGeom>
+          <a:solidFill>
+            <a:schemeClr val="accent1">
+              <a:alpha val="50000"/>
+            </a:schemeClr>
+          </a:solidFill>
+        </p:spPr>
+        <p:style>
+          <a:lnRef idx="2">
+            <a:schemeClr val="accent1">
+              <a:shade val="50000"/>
+            </a:schemeClr>
+          </a:lnRef>
+          <a:fillRef idx="1">
+            <a:schemeClr val="accent1"/>
+          </a:fillRef>
+          <a:effectRef idx="0">
+            <a:schemeClr val="accent1"/>
+          </a:effectRef>
+          <a:fontRef idx="minor">
+            <a:schemeClr val="lt1"/>
+          </a:fontRef>
+        </p:style>
+        <p:txBody>
+          <a:bodyPr rtlCol="0" anchor="ctr"/>
+          <a:lstStyle/>
+          <a:p>
+            <a:pPr algn="ctr"/>
+            <a:r>
+              <a:rPr lang="ko-KR" altLang="en-US" dirty="0" err="1" smtClean="0"/>
+              <a:t>무적효과</a:t>
+            </a:r>
+            <a:r>
+              <a:rPr lang="ko-KR" altLang="en-US" dirty="0" smtClean="0"/>
+              <a:t> 생성</a:t>
+            </a:r>
+            <a:endParaRPr lang="ko-KR" altLang="en-US" dirty="0"/>
+          </a:p>
+        </p:txBody>
+      </p:sp>
+      <p:sp>
+        <p:nvSpPr>
+          <p:cNvPr id="25" name="직사각형 24"/>
+          <p:cNvSpPr/>
+          <p:nvPr/>
+        </p:nvSpPr>
+        <p:spPr>
+          <a:xfrm>
+            <a:off x="682557" y="2340381"/>
+            <a:ext cx="3714750" cy="440041"/>
+          </a:xfrm>
+          <a:prstGeom prst="rect">
+            <a:avLst/>
+          </a:prstGeom>
+          <a:solidFill>
+            <a:schemeClr val="accent1">
+              <a:alpha val="50000"/>
+            </a:schemeClr>
+          </a:solidFill>
+        </p:spPr>
+        <p:style>
+          <a:lnRef idx="2">
+            <a:schemeClr val="accent1">
+              <a:shade val="50000"/>
+            </a:schemeClr>
+          </a:lnRef>
+          <a:fillRef idx="1">
+            <a:schemeClr val="accent1"/>
+          </a:fillRef>
+          <a:effectRef idx="0">
+            <a:schemeClr val="accent1"/>
+          </a:effectRef>
+          <a:fontRef idx="minor">
+            <a:schemeClr val="lt1"/>
+          </a:fontRef>
+        </p:style>
+        <p:txBody>
+          <a:bodyPr rtlCol="0" anchor="ctr"/>
+          <a:lstStyle/>
+          <a:p>
+            <a:pPr algn="ctr"/>
+            <a:r>
+              <a:rPr lang="ko-KR" altLang="en-US" dirty="0" err="1" smtClean="0"/>
+              <a:t>회복효과</a:t>
+            </a:r>
+            <a:r>
+              <a:rPr lang="ko-KR" altLang="en-US" dirty="0" smtClean="0"/>
+              <a:t> 생성</a:t>
+            </a:r>
+            <a:endParaRPr lang="ko-KR" altLang="en-US" dirty="0"/>
+          </a:p>
+        </p:txBody>
+      </p:sp>
+      <p:sp>
+        <p:nvSpPr>
+          <p:cNvPr id="26" name="직사각형 25"/>
+          <p:cNvSpPr/>
+          <p:nvPr/>
+        </p:nvSpPr>
+        <p:spPr>
+          <a:xfrm>
+            <a:off x="663627" y="2783293"/>
+            <a:ext cx="3714750" cy="440041"/>
+          </a:xfrm>
+          <a:prstGeom prst="rect">
+            <a:avLst/>
+          </a:prstGeom>
+          <a:solidFill>
+            <a:schemeClr val="accent1">
+              <a:alpha val="50000"/>
+            </a:schemeClr>
+          </a:solidFill>
+        </p:spPr>
+        <p:style>
+          <a:lnRef idx="2">
+            <a:schemeClr val="accent1">
+              <a:shade val="50000"/>
+            </a:schemeClr>
+          </a:lnRef>
+          <a:fillRef idx="1">
+            <a:schemeClr val="accent1"/>
+          </a:fillRef>
+          <a:effectRef idx="0">
+            <a:schemeClr val="accent1"/>
+          </a:effectRef>
+          <a:fontRef idx="minor">
+            <a:schemeClr val="lt1"/>
+          </a:fontRef>
+        </p:style>
+        <p:txBody>
+          <a:bodyPr rtlCol="0" anchor="ctr"/>
+          <a:lstStyle/>
+          <a:p>
+            <a:pPr algn="ctr"/>
+            <a:r>
+              <a:rPr lang="ko-KR" altLang="en-US" smtClean="0"/>
+              <a:t>총알효과</a:t>
+            </a:r>
+            <a:r>
+              <a:rPr lang="ko-KR" altLang="en-US" dirty="0" smtClean="0"/>
+              <a:t> 생성</a:t>
+            </a:r>
+            <a:endParaRPr lang="ko-KR" altLang="en-US" dirty="0"/>
+          </a:p>
+        </p:txBody>
+      </p:sp>
+      <p:sp>
+        <p:nvSpPr>
+          <p:cNvPr id="27" name="직사각형 26"/>
+          <p:cNvSpPr/>
+          <p:nvPr/>
+        </p:nvSpPr>
+        <p:spPr>
+          <a:xfrm>
+            <a:off x="682556" y="3227641"/>
+            <a:ext cx="3714750" cy="440041"/>
+          </a:xfrm>
+          <a:prstGeom prst="rect">
+            <a:avLst/>
+          </a:prstGeom>
+          <a:solidFill>
+            <a:schemeClr val="accent1">
+              <a:alpha val="50000"/>
+            </a:schemeClr>
+          </a:solidFill>
+        </p:spPr>
+        <p:style>
+          <a:lnRef idx="2">
+            <a:schemeClr val="accent1">
+              <a:shade val="50000"/>
+            </a:schemeClr>
+          </a:lnRef>
+          <a:fillRef idx="1">
+            <a:schemeClr val="accent1"/>
+          </a:fillRef>
+          <a:effectRef idx="0">
+            <a:schemeClr val="accent1"/>
+          </a:effectRef>
+          <a:fontRef idx="minor">
+            <a:schemeClr val="lt1"/>
+          </a:fontRef>
+        </p:style>
+        <p:txBody>
+          <a:bodyPr rtlCol="0" anchor="ctr"/>
+          <a:lstStyle/>
+          <a:p>
+            <a:pPr algn="ctr"/>
+            <a:r>
+              <a:rPr lang="ko-KR" altLang="en-US" dirty="0" err="1" smtClean="0"/>
+              <a:t>레이저효과</a:t>
+            </a:r>
+            <a:r>
+              <a:rPr lang="ko-KR" altLang="en-US" dirty="0" smtClean="0"/>
+              <a:t> 생성</a:t>
+            </a:r>
+            <a:endParaRPr lang="ko-KR" altLang="en-US" dirty="0"/>
+          </a:p>
+        </p:txBody>
+      </p:sp>
+      <p:sp>
+        <p:nvSpPr>
+          <p:cNvPr id="28" name="직사각형 27"/>
+          <p:cNvSpPr/>
+          <p:nvPr/>
+        </p:nvSpPr>
+        <p:spPr>
+          <a:xfrm>
+            <a:off x="2521088" y="4977143"/>
+            <a:ext cx="778213" cy="507255"/>
+          </a:xfrm>
+          <a:prstGeom prst="rect">
+            <a:avLst/>
+          </a:prstGeom>
+        </p:spPr>
+        <p:style>
+          <a:lnRef idx="2">
+            <a:schemeClr val="accent1">
+              <a:shade val="50000"/>
+            </a:schemeClr>
+          </a:lnRef>
+          <a:fillRef idx="1">
+            <a:schemeClr val="accent1"/>
+          </a:fillRef>
+          <a:effectRef idx="0">
+            <a:schemeClr val="accent1"/>
+          </a:effectRef>
+          <a:fontRef idx="minor">
+            <a:schemeClr val="lt1"/>
+          </a:fontRef>
+        </p:style>
+        <p:txBody>
+          <a:bodyPr rtlCol="0" anchor="ctr"/>
+          <a:lstStyle/>
+          <a:p>
+            <a:pPr algn="ctr"/>
+            <a:r>
+              <a:rPr lang="ko-KR" altLang="en-US" dirty="0" smtClean="0"/>
+              <a:t>효과</a:t>
+            </a:r>
+            <a:endParaRPr lang="ko-KR" altLang="en-US" dirty="0"/>
+          </a:p>
+        </p:txBody>
+      </p:sp>
+      <p:sp>
+        <p:nvSpPr>
+          <p:cNvPr id="29" name="직사각형 28"/>
+          <p:cNvSpPr/>
+          <p:nvPr/>
+        </p:nvSpPr>
+        <p:spPr>
+          <a:xfrm>
+            <a:off x="2514795" y="4467973"/>
+            <a:ext cx="778213" cy="507255"/>
+          </a:xfrm>
+          <a:prstGeom prst="rect">
+            <a:avLst/>
+          </a:prstGeom>
+        </p:spPr>
+        <p:style>
+          <a:lnRef idx="2">
+            <a:schemeClr val="accent1">
+              <a:shade val="50000"/>
+            </a:schemeClr>
+          </a:lnRef>
+          <a:fillRef idx="1">
+            <a:schemeClr val="accent1"/>
+          </a:fillRef>
+          <a:effectRef idx="0">
+            <a:schemeClr val="accent1"/>
+          </a:effectRef>
+          <a:fontRef idx="minor">
+            <a:schemeClr val="lt1"/>
+          </a:fontRef>
+        </p:style>
+        <p:txBody>
+          <a:bodyPr rtlCol="0" anchor="ctr"/>
+          <a:lstStyle/>
+          <a:p>
+            <a:pPr algn="ctr"/>
+            <a:r>
+              <a:rPr lang="ko-KR" altLang="en-US" dirty="0" err="1" smtClean="0"/>
+              <a:t>무적효과</a:t>
+            </a:r>
+            <a:endParaRPr lang="ko-KR" altLang="en-US" dirty="0"/>
+          </a:p>
+        </p:txBody>
+      </p:sp>
+      <p:cxnSp>
+        <p:nvCxnSpPr>
+          <p:cNvPr id="33" name="직선 화살표 연결선 32"/>
+          <p:cNvCxnSpPr/>
+          <p:nvPr/>
+        </p:nvCxnSpPr>
+        <p:spPr>
+          <a:xfrm>
+            <a:off x="2256821" y="5485833"/>
+            <a:ext cx="1410511" cy="0"/>
+          </a:xfrm>
+          <a:prstGeom prst="straightConnector1">
+            <a:avLst/>
+          </a:prstGeom>
+          <a:ln>
+            <a:tailEnd type="triangle"/>
+          </a:ln>
+        </p:spPr>
+        <p:style>
+          <a:lnRef idx="1">
+            <a:schemeClr val="accent1"/>
+          </a:lnRef>
+          <a:fillRef idx="0">
+            <a:schemeClr val="accent1"/>
+          </a:fillRef>
+          <a:effectRef idx="0">
+            <a:schemeClr val="accent1"/>
+          </a:effectRef>
+          <a:fontRef idx="minor">
+            <a:schemeClr val="tx1"/>
+          </a:fontRef>
+        </p:style>
+      </p:cxnSp>
+      <p:sp>
+        <p:nvSpPr>
+          <p:cNvPr id="34" name="TextBox 33"/>
+          <p:cNvSpPr txBox="1"/>
+          <p:nvPr/>
+        </p:nvSpPr>
+        <p:spPr>
+          <a:xfrm>
+            <a:off x="215660" y="5043787"/>
+            <a:ext cx="2192258" cy="369332"/>
+          </a:xfrm>
+          <a:prstGeom prst="rect">
+            <a:avLst/>
+          </a:prstGeom>
+          <a:noFill/>
+        </p:spPr>
+        <p:txBody>
+          <a:bodyPr wrap="square" rtlCol="0">
+            <a:spAutoFit/>
+          </a:bodyPr>
+          <a:lstStyle/>
+          <a:p>
+            <a:r>
+              <a:rPr lang="ko-KR" altLang="en-US" dirty="0" smtClean="0"/>
+              <a:t>부모의 </a:t>
+            </a:r>
+            <a:r>
+              <a:rPr lang="ko-KR" altLang="en-US" dirty="0" err="1" smtClean="0"/>
+              <a:t>메모리영역</a:t>
+            </a:r>
+            <a:endParaRPr lang="ko-KR" altLang="en-US" dirty="0"/>
+          </a:p>
+        </p:txBody>
+      </p:sp>
+      <p:sp>
+        <p:nvSpPr>
+          <p:cNvPr id="35" name="TextBox 34"/>
+          <p:cNvSpPr txBox="1"/>
+          <p:nvPr/>
+        </p:nvSpPr>
+        <p:spPr>
+          <a:xfrm>
+            <a:off x="220202" y="4550286"/>
+            <a:ext cx="2187715" cy="369332"/>
+          </a:xfrm>
+          <a:prstGeom prst="rect">
+            <a:avLst/>
+          </a:prstGeom>
+          <a:noFill/>
+        </p:spPr>
+        <p:txBody>
+          <a:bodyPr wrap="square" rtlCol="0">
+            <a:spAutoFit/>
+          </a:bodyPr>
+          <a:lstStyle/>
+          <a:p>
+            <a:r>
+              <a:rPr lang="ko-KR" altLang="en-US" dirty="0" smtClean="0"/>
+              <a:t>자식의 </a:t>
+            </a:r>
+            <a:r>
+              <a:rPr lang="ko-KR" altLang="en-US" dirty="0" err="1" smtClean="0"/>
+              <a:t>메모리영역</a:t>
+            </a:r>
+            <a:endParaRPr lang="ko-KR" altLang="en-US" dirty="0"/>
+          </a:p>
+        </p:txBody>
+      </p:sp>
+      <p:sp>
+        <p:nvSpPr>
+          <p:cNvPr id="36" name="TextBox 35"/>
+          <p:cNvSpPr txBox="1"/>
+          <p:nvPr/>
+        </p:nvSpPr>
+        <p:spPr>
+          <a:xfrm>
+            <a:off x="196172" y="5788650"/>
+            <a:ext cx="10406977" cy="646331"/>
+          </a:xfrm>
+          <a:prstGeom prst="rect">
+            <a:avLst/>
+          </a:prstGeom>
+          <a:noFill/>
+        </p:spPr>
+        <p:txBody>
+          <a:bodyPr wrap="square" rtlCol="0">
+            <a:spAutoFit/>
+          </a:bodyPr>
+          <a:lstStyle/>
+          <a:p>
+            <a:r>
+              <a:rPr lang="ko-KR" altLang="en-US" dirty="0" smtClean="0"/>
+              <a:t>상속을 하면 </a:t>
+            </a:r>
+            <a:r>
+              <a:rPr lang="ko-KR" altLang="en-US" dirty="0" err="1" smtClean="0"/>
+              <a:t>자식객체가</a:t>
+            </a:r>
+            <a:r>
+              <a:rPr lang="ko-KR" altLang="en-US" dirty="0" smtClean="0"/>
+              <a:t> 생성 될 때</a:t>
+            </a:r>
+            <a:r>
+              <a:rPr lang="en-US" altLang="ko-KR" dirty="0" smtClean="0"/>
+              <a:t>,</a:t>
+            </a:r>
+            <a:r>
+              <a:rPr lang="ko-KR" altLang="en-US" dirty="0" smtClean="0"/>
+              <a:t> 부모 부분이 </a:t>
+            </a:r>
+            <a:r>
+              <a:rPr lang="en-US" altLang="ko-KR" dirty="0" smtClean="0"/>
+              <a:t/>
+            </a:r>
+            <a:br>
+              <a:rPr lang="en-US" altLang="ko-KR" dirty="0" smtClean="0"/>
+            </a:br>
+            <a:r>
+              <a:rPr lang="ko-KR" altLang="en-US" dirty="0" smtClean="0"/>
+              <a:t>먼저 생성되고 </a:t>
+            </a:r>
+            <a:r>
+              <a:rPr lang="ko-KR" altLang="en-US" dirty="0" err="1" smtClean="0"/>
+              <a:t>자식부분이</a:t>
+            </a:r>
+            <a:r>
+              <a:rPr lang="ko-KR" altLang="en-US" dirty="0" smtClean="0"/>
+              <a:t> 위에 생성되므로</a:t>
+            </a:r>
+            <a:r>
+              <a:rPr lang="en-US" altLang="ko-KR" dirty="0" smtClean="0"/>
+              <a:t>, </a:t>
+            </a:r>
+            <a:r>
+              <a:rPr lang="ko-KR" altLang="en-US" dirty="0" smtClean="0"/>
+              <a:t>부모의 메모리부분을 자식도 사용 할 수 있게 된다</a:t>
+            </a:r>
+            <a:r>
+              <a:rPr lang="en-US" altLang="ko-KR" dirty="0" smtClean="0"/>
+              <a:t>.</a:t>
+            </a:r>
+            <a:endParaRPr lang="ko-KR" altLang="en-US" dirty="0"/>
+          </a:p>
+        </p:txBody>
+      </p:sp>
+      <p:sp>
+        <p:nvSpPr>
+          <p:cNvPr id="39" name="직사각형 38"/>
+          <p:cNvSpPr/>
+          <p:nvPr/>
+        </p:nvSpPr>
+        <p:spPr>
+          <a:xfrm>
+            <a:off x="4057873" y="4468453"/>
+            <a:ext cx="778213" cy="507255"/>
+          </a:xfrm>
+          <a:prstGeom prst="rect">
+            <a:avLst/>
+          </a:prstGeom>
+          <a:solidFill>
+            <a:schemeClr val="accent1">
+              <a:lumMod val="60000"/>
+              <a:lumOff val="40000"/>
+            </a:schemeClr>
+          </a:solidFill>
+        </p:spPr>
+        <p:style>
+          <a:lnRef idx="2">
+            <a:schemeClr val="accent1">
+              <a:shade val="50000"/>
+            </a:schemeClr>
+          </a:lnRef>
+          <a:fillRef idx="1">
+            <a:schemeClr val="accent1"/>
+          </a:fillRef>
+          <a:effectRef idx="0">
+            <a:schemeClr val="accent1"/>
+          </a:effectRef>
+          <a:fontRef idx="minor">
+            <a:schemeClr val="lt1"/>
+          </a:fontRef>
+        </p:style>
+        <p:txBody>
+          <a:bodyPr rtlCol="0" anchor="ctr"/>
+          <a:lstStyle/>
+          <a:p>
+            <a:pPr algn="ctr"/>
+            <a:r>
+              <a:rPr lang="ko-KR" altLang="en-US" dirty="0" smtClean="0"/>
+              <a:t>사용</a:t>
+            </a:r>
+            <a:endParaRPr lang="ko-KR" altLang="en-US" dirty="0"/>
+          </a:p>
+        </p:txBody>
+      </p:sp>
+      <p:sp>
+        <p:nvSpPr>
+          <p:cNvPr id="40" name="직사각형 39"/>
+          <p:cNvSpPr/>
+          <p:nvPr/>
+        </p:nvSpPr>
+        <p:spPr>
+          <a:xfrm>
+            <a:off x="4057873" y="4976662"/>
+            <a:ext cx="778213" cy="507255"/>
+          </a:xfrm>
+          <a:prstGeom prst="rect">
+            <a:avLst/>
+          </a:prstGeom>
+          <a:solidFill>
+            <a:schemeClr val="accent1">
+              <a:lumMod val="60000"/>
+              <a:lumOff val="40000"/>
+            </a:schemeClr>
+          </a:solidFill>
+        </p:spPr>
+        <p:style>
+          <a:lnRef idx="2">
+            <a:schemeClr val="accent1">
+              <a:shade val="50000"/>
+            </a:schemeClr>
+          </a:lnRef>
+          <a:fillRef idx="1">
+            <a:schemeClr val="accent1"/>
+          </a:fillRef>
+          <a:effectRef idx="0">
+            <a:schemeClr val="accent1"/>
+          </a:effectRef>
+          <a:fontRef idx="minor">
+            <a:schemeClr val="lt1"/>
+          </a:fontRef>
+        </p:style>
+        <p:txBody>
+          <a:bodyPr rtlCol="0" anchor="ctr"/>
+          <a:lstStyle/>
+          <a:p>
+            <a:pPr algn="ctr"/>
+            <a:r>
+              <a:rPr lang="ko-KR" altLang="en-US" dirty="0" smtClean="0"/>
+              <a:t>사용</a:t>
+            </a:r>
+            <a:endParaRPr lang="ko-KR" altLang="en-US" dirty="0"/>
+          </a:p>
+        </p:txBody>
+      </p:sp>
+      <p:cxnSp>
+        <p:nvCxnSpPr>
+          <p:cNvPr id="42" name="직선 화살표 연결선 41"/>
+          <p:cNvCxnSpPr>
+            <a:stCxn id="28" idx="3"/>
+            <a:endCxn id="40" idx="1"/>
+          </p:cNvCxnSpPr>
+          <p:nvPr/>
+        </p:nvCxnSpPr>
+        <p:spPr>
+          <a:xfrm flipV="1">
+            <a:off x="3299301" y="5230290"/>
+            <a:ext cx="758572" cy="481"/>
+          </a:xfrm>
+          <a:prstGeom prst="straightConnector1">
+            <a:avLst/>
+          </a:prstGeom>
+          <a:ln>
+            <a:solidFill>
+              <a:schemeClr val="accent4"/>
+            </a:solidFill>
+            <a:tailEnd type="oval"/>
+          </a:ln>
+        </p:spPr>
+        <p:style>
+          <a:lnRef idx="1">
+            <a:schemeClr val="accent1"/>
+          </a:lnRef>
+          <a:fillRef idx="0">
+            <a:schemeClr val="accent1"/>
+          </a:fillRef>
+          <a:effectRef idx="0">
+            <a:schemeClr val="accent1"/>
+          </a:effectRef>
+          <a:fontRef idx="minor">
+            <a:schemeClr val="tx1"/>
+          </a:fontRef>
+        </p:style>
+      </p:cxnSp>
+      <p:sp>
+        <p:nvSpPr>
+          <p:cNvPr id="45" name="직사각형 44"/>
+          <p:cNvSpPr/>
+          <p:nvPr/>
+        </p:nvSpPr>
+        <p:spPr>
+          <a:xfrm>
+            <a:off x="5409378" y="4975708"/>
+            <a:ext cx="817124" cy="508210"/>
+          </a:xfrm>
+          <a:prstGeom prst="rect">
+            <a:avLst/>
+          </a:prstGeom>
+          <a:solidFill>
+            <a:schemeClr val="accent1">
+              <a:alpha val="50000"/>
+            </a:schemeClr>
+          </a:solidFill>
+        </p:spPr>
+        <p:style>
+          <a:lnRef idx="2">
+            <a:schemeClr val="accent1">
+              <a:shade val="50000"/>
+            </a:schemeClr>
+          </a:lnRef>
+          <a:fillRef idx="1">
+            <a:schemeClr val="accent1"/>
+          </a:fillRef>
+          <a:effectRef idx="0">
+            <a:schemeClr val="accent1"/>
+          </a:effectRef>
+          <a:fontRef idx="minor">
+            <a:schemeClr val="lt1"/>
+          </a:fontRef>
+        </p:style>
+        <p:txBody>
+          <a:bodyPr rtlCol="0" anchor="ctr"/>
+          <a:lstStyle/>
+          <a:p>
+            <a:pPr algn="ctr"/>
+            <a:r>
+              <a:rPr lang="ko-KR" altLang="en-US" sz="1400" dirty="0" smtClean="0"/>
+              <a:t>부모</a:t>
+            </a:r>
+            <a:r>
+              <a:rPr lang="en-US" altLang="ko-KR" sz="1400" dirty="0" smtClean="0"/>
+              <a:t/>
+            </a:r>
+            <a:br>
+              <a:rPr lang="en-US" altLang="ko-KR" sz="1400" dirty="0" smtClean="0"/>
+            </a:br>
+            <a:r>
+              <a:rPr lang="ko-KR" altLang="en-US" sz="1400" dirty="0" smtClean="0"/>
+              <a:t>포인터</a:t>
+            </a:r>
+            <a:endParaRPr lang="ko-KR" altLang="en-US" sz="1400" dirty="0"/>
+          </a:p>
+        </p:txBody>
+      </p:sp>
+      <p:sp>
+        <p:nvSpPr>
+          <p:cNvPr id="46" name="직사각형 45"/>
+          <p:cNvSpPr/>
+          <p:nvPr/>
+        </p:nvSpPr>
+        <p:spPr>
+          <a:xfrm>
+            <a:off x="6821327" y="4482166"/>
+            <a:ext cx="817124" cy="1026045"/>
+          </a:xfrm>
+          <a:prstGeom prst="rect">
+            <a:avLst/>
+          </a:prstGeom>
+          <a:solidFill>
+            <a:schemeClr val="accent1">
+              <a:alpha val="50000"/>
+            </a:schemeClr>
+          </a:solidFill>
+        </p:spPr>
+        <p:style>
+          <a:lnRef idx="2">
+            <a:schemeClr val="accent1">
+              <a:shade val="50000"/>
+            </a:schemeClr>
+          </a:lnRef>
+          <a:fillRef idx="1">
+            <a:schemeClr val="accent1"/>
+          </a:fillRef>
+          <a:effectRef idx="0">
+            <a:schemeClr val="accent1"/>
+          </a:effectRef>
+          <a:fontRef idx="minor">
+            <a:schemeClr val="lt1"/>
+          </a:fontRef>
+        </p:style>
+        <p:txBody>
+          <a:bodyPr rtlCol="0" anchor="ctr"/>
+          <a:lstStyle/>
+          <a:p>
+            <a:pPr algn="ctr"/>
+            <a:r>
+              <a:rPr lang="ko-KR" altLang="en-US" sz="1400" dirty="0" smtClean="0"/>
+              <a:t>자식</a:t>
+            </a:r>
+            <a:r>
+              <a:rPr lang="en-US" altLang="ko-KR" sz="1400" dirty="0" smtClean="0"/>
+              <a:t/>
+            </a:r>
+            <a:br>
+              <a:rPr lang="en-US" altLang="ko-KR" sz="1400" dirty="0" smtClean="0"/>
+            </a:br>
+            <a:r>
+              <a:rPr lang="ko-KR" altLang="en-US" sz="1400" dirty="0" smtClean="0"/>
+              <a:t>포인터</a:t>
+            </a:r>
+            <a:endParaRPr lang="ko-KR" altLang="en-US" sz="1400" dirty="0"/>
+          </a:p>
+        </p:txBody>
+      </p:sp>
+      <p:sp>
+        <p:nvSpPr>
+          <p:cNvPr id="47" name="오른쪽 화살표 46"/>
+          <p:cNvSpPr/>
+          <p:nvPr/>
+        </p:nvSpPr>
+        <p:spPr>
+          <a:xfrm>
+            <a:off x="6312218" y="4744519"/>
+            <a:ext cx="423392" cy="462378"/>
+          </a:xfrm>
+          <a:prstGeom prst="rightArrow">
+            <a:avLst/>
+          </a:prstGeom>
+        </p:spPr>
+        <p:style>
+          <a:lnRef idx="2">
+            <a:schemeClr val="accent1">
+              <a:shade val="50000"/>
+            </a:schemeClr>
+          </a:lnRef>
+          <a:fillRef idx="1">
+            <a:schemeClr val="accent1"/>
+          </a:fillRef>
+          <a:effectRef idx="0">
+            <a:schemeClr val="accent1"/>
+          </a:effectRef>
+          <a:fontRef idx="minor">
+            <a:schemeClr val="lt1"/>
+          </a:fontRef>
+        </p:style>
+        <p:txBody>
+          <a:bodyPr rtlCol="0" anchor="ctr"/>
+          <a:lstStyle/>
+          <a:p>
+            <a:pPr algn="ctr"/>
+            <a:endParaRPr lang="ko-KR" altLang="en-US" dirty="0"/>
+          </a:p>
+        </p:txBody>
+      </p:sp>
+    </p:spTree>
+    <p:extLst>
+      <p:ext uri="{BB962C8B-B14F-4D97-AF65-F5344CB8AC3E}">
+        <p14:creationId xmlns:p14="http://schemas.microsoft.com/office/powerpoint/2010/main" val="914042860"/>
       </p:ext>
     </p:extLst>
   </p:cSld>

--- a/GamePlatfromAppPrograming/Documents/실전 클래스의 활용!.pptx
+++ b/GamePlatfromAppPrograming/Documents/실전 클래스의 활용!.pptx
@@ -11,7 +11,7 @@
     <p:sldId id="257" r:id="rId5"/>
     <p:sldId id="260" r:id="rId6"/>
     <p:sldId id="258" r:id="rId7"/>
-    <p:sldId id="259" r:id="rId8"/>
+    <p:sldId id="263" r:id="rId8"/>
   </p:sldIdLst>
   <p:sldSz cx="12192000" cy="6858000"/>
   <p:notesSz cx="6858000" cy="9144000"/>
@@ -249,7 +249,7 @@
           <a:p>
             <a:fld id="{77833477-6662-4A50-A76A-48ECB2E8BF1D}" type="datetimeFigureOut">
               <a:rPr lang="ko-KR" altLang="en-US" smtClean="0"/>
-              <a:t>2021-08-27</a:t>
+              <a:t>2021-09-02</a:t>
             </a:fld>
             <a:endParaRPr lang="ko-KR" altLang="en-US"/>
           </a:p>
@@ -419,7 +419,7 @@
           <a:p>
             <a:fld id="{77833477-6662-4A50-A76A-48ECB2E8BF1D}" type="datetimeFigureOut">
               <a:rPr lang="ko-KR" altLang="en-US" smtClean="0"/>
-              <a:t>2021-08-27</a:t>
+              <a:t>2021-09-02</a:t>
             </a:fld>
             <a:endParaRPr lang="ko-KR" altLang="en-US"/>
           </a:p>
@@ -599,7 +599,7 @@
           <a:p>
             <a:fld id="{77833477-6662-4A50-A76A-48ECB2E8BF1D}" type="datetimeFigureOut">
               <a:rPr lang="ko-KR" altLang="en-US" smtClean="0"/>
-              <a:t>2021-08-27</a:t>
+              <a:t>2021-09-02</a:t>
             </a:fld>
             <a:endParaRPr lang="ko-KR" altLang="en-US"/>
           </a:p>
@@ -769,7 +769,7 @@
           <a:p>
             <a:fld id="{77833477-6662-4A50-A76A-48ECB2E8BF1D}" type="datetimeFigureOut">
               <a:rPr lang="ko-KR" altLang="en-US" smtClean="0"/>
-              <a:t>2021-08-27</a:t>
+              <a:t>2021-09-02</a:t>
             </a:fld>
             <a:endParaRPr lang="ko-KR" altLang="en-US"/>
           </a:p>
@@ -1015,7 +1015,7 @@
           <a:p>
             <a:fld id="{77833477-6662-4A50-A76A-48ECB2E8BF1D}" type="datetimeFigureOut">
               <a:rPr lang="ko-KR" altLang="en-US" smtClean="0"/>
-              <a:t>2021-08-27</a:t>
+              <a:t>2021-09-02</a:t>
             </a:fld>
             <a:endParaRPr lang="ko-KR" altLang="en-US"/>
           </a:p>
@@ -1247,7 +1247,7 @@
           <a:p>
             <a:fld id="{77833477-6662-4A50-A76A-48ECB2E8BF1D}" type="datetimeFigureOut">
               <a:rPr lang="ko-KR" altLang="en-US" smtClean="0"/>
-              <a:t>2021-08-27</a:t>
+              <a:t>2021-09-02</a:t>
             </a:fld>
             <a:endParaRPr lang="ko-KR" altLang="en-US"/>
           </a:p>
@@ -1614,7 +1614,7 @@
           <a:p>
             <a:fld id="{77833477-6662-4A50-A76A-48ECB2E8BF1D}" type="datetimeFigureOut">
               <a:rPr lang="ko-KR" altLang="en-US" smtClean="0"/>
-              <a:t>2021-08-27</a:t>
+              <a:t>2021-09-02</a:t>
             </a:fld>
             <a:endParaRPr lang="ko-KR" altLang="en-US"/>
           </a:p>
@@ -1732,7 +1732,7 @@
           <a:p>
             <a:fld id="{77833477-6662-4A50-A76A-48ECB2E8BF1D}" type="datetimeFigureOut">
               <a:rPr lang="ko-KR" altLang="en-US" smtClean="0"/>
-              <a:t>2021-08-27</a:t>
+              <a:t>2021-09-02</a:t>
             </a:fld>
             <a:endParaRPr lang="ko-KR" altLang="en-US"/>
           </a:p>
@@ -1827,7 +1827,7 @@
           <a:p>
             <a:fld id="{77833477-6662-4A50-A76A-48ECB2E8BF1D}" type="datetimeFigureOut">
               <a:rPr lang="ko-KR" altLang="en-US" smtClean="0"/>
-              <a:t>2021-08-27</a:t>
+              <a:t>2021-09-02</a:t>
             </a:fld>
             <a:endParaRPr lang="ko-KR" altLang="en-US"/>
           </a:p>
@@ -2104,7 +2104,7 @@
           <a:p>
             <a:fld id="{77833477-6662-4A50-A76A-48ECB2E8BF1D}" type="datetimeFigureOut">
               <a:rPr lang="ko-KR" altLang="en-US" smtClean="0"/>
-              <a:t>2021-08-27</a:t>
+              <a:t>2021-09-02</a:t>
             </a:fld>
             <a:endParaRPr lang="ko-KR" altLang="en-US"/>
           </a:p>
@@ -2357,7 +2357,7 @@
           <a:p>
             <a:fld id="{77833477-6662-4A50-A76A-48ECB2E8BF1D}" type="datetimeFigureOut">
               <a:rPr lang="ko-KR" altLang="en-US" smtClean="0"/>
-              <a:t>2021-08-27</a:t>
+              <a:t>2021-09-02</a:t>
             </a:fld>
             <a:endParaRPr lang="ko-KR" altLang="en-US"/>
           </a:p>
@@ -2570,7 +2570,7 @@
           <a:p>
             <a:fld id="{77833477-6662-4A50-A76A-48ECB2E8BF1D}" type="datetimeFigureOut">
               <a:rPr lang="ko-KR" altLang="en-US" smtClean="0"/>
-              <a:t>2021-08-27</a:t>
+              <a:t>2021-09-02</a:t>
             </a:fld>
             <a:endParaRPr lang="ko-KR" altLang="en-US"/>
           </a:p>
@@ -10519,30 +10519,444 @@
           <a:lstStyle/>
           <a:p>
             <a:r>
+              <a:rPr lang="ko-KR" altLang="en-US" dirty="0" err="1" smtClean="0"/>
+              <a:t>싱글톤과</a:t>
+            </a:r>
+            <a:r>
               <a:rPr lang="ko-KR" altLang="en-US" dirty="0" smtClean="0"/>
-              <a:t>상속</a:t>
+              <a:t> </a:t>
+            </a:r>
+            <a:r>
+              <a:rPr lang="ko-KR" altLang="en-US" dirty="0" err="1" smtClean="0"/>
+              <a:t>유니티</a:t>
             </a:r>
             <a:endParaRPr lang="ko-KR" altLang="en-US" dirty="0"/>
           </a:p>
         </p:txBody>
       </p:sp>
+      <p:sp>
+        <p:nvSpPr>
+          <p:cNvPr id="15" name="TextBox 14"/>
+          <p:cNvSpPr txBox="1"/>
+          <p:nvPr/>
+        </p:nvSpPr>
+        <p:spPr>
+          <a:xfrm>
+            <a:off x="4730749" y="4552025"/>
+            <a:ext cx="7594600" cy="2031325"/>
+          </a:xfrm>
+          <a:prstGeom prst="rect">
+            <a:avLst/>
+          </a:prstGeom>
+          <a:noFill/>
+        </p:spPr>
+        <p:txBody>
+          <a:bodyPr wrap="square" rtlCol="0">
+            <a:spAutoFit/>
+          </a:bodyPr>
+          <a:lstStyle/>
+          <a:p>
+            <a:r>
+              <a:rPr lang="ko-KR" altLang="en-US" dirty="0" err="1" smtClean="0"/>
+              <a:t>유니티에</a:t>
+            </a:r>
+            <a:r>
+              <a:rPr lang="ko-KR" altLang="en-US" dirty="0" smtClean="0"/>
+              <a:t> </a:t>
+            </a:r>
+            <a:r>
+              <a:rPr lang="ko-KR" altLang="en-US" dirty="0" err="1" smtClean="0"/>
+              <a:t>인스펙터를</a:t>
+            </a:r>
+            <a:r>
+              <a:rPr lang="ko-KR" altLang="en-US" dirty="0" smtClean="0"/>
+              <a:t> 이용하기 위해서 게임관리자는 </a:t>
+            </a:r>
+            <a:r>
+              <a:rPr lang="en-US" altLang="ko-KR" dirty="0" smtClean="0"/>
+              <a:t/>
+            </a:r>
+            <a:br>
+              <a:rPr lang="en-US" altLang="ko-KR" dirty="0" smtClean="0"/>
+            </a:br>
+            <a:r>
+              <a:rPr lang="ko-KR" altLang="en-US" dirty="0" smtClean="0"/>
+              <a:t>반드시</a:t>
+            </a:r>
+            <a:r>
+              <a:rPr lang="en-US" altLang="ko-KR" dirty="0" smtClean="0"/>
+              <a:t>, </a:t>
+            </a:r>
+            <a:r>
+              <a:rPr lang="en-US" altLang="ko-KR" dirty="0" err="1" smtClean="0"/>
+              <a:t>MonoBehaviour</a:t>
+            </a:r>
+            <a:r>
+              <a:rPr lang="ko-KR" altLang="en-US" dirty="0" smtClean="0"/>
+              <a:t>를 상속받아야 하는데</a:t>
+            </a:r>
+            <a:r>
+              <a:rPr lang="en-US" altLang="ko-KR" dirty="0" smtClean="0"/>
+              <a:t>,</a:t>
+            </a:r>
+            <a:br>
+              <a:rPr lang="en-US" altLang="ko-KR" dirty="0" smtClean="0"/>
+            </a:br>
+            <a:r>
+              <a:rPr lang="ko-KR" altLang="en-US" dirty="0" smtClean="0"/>
+              <a:t>생성의 관리는 게임관리자에서 되므로 </a:t>
+            </a:r>
+            <a:r>
+              <a:rPr lang="ko-KR" altLang="en-US" dirty="0" err="1" smtClean="0"/>
+              <a:t>싱글톤이</a:t>
+            </a:r>
+            <a:r>
+              <a:rPr lang="ko-KR" altLang="en-US" dirty="0" smtClean="0"/>
+              <a:t> 성립되기 어렵다</a:t>
+            </a:r>
+            <a:r>
+              <a:rPr lang="en-US" altLang="ko-KR" dirty="0" smtClean="0"/>
+              <a:t>.</a:t>
+            </a:r>
+          </a:p>
+          <a:p>
+            <a:r>
+              <a:rPr lang="ko-KR" altLang="en-US" dirty="0" smtClean="0"/>
+              <a:t>특히</a:t>
+            </a:r>
+            <a:r>
+              <a:rPr lang="en-US" altLang="ko-KR" dirty="0" smtClean="0"/>
+              <a:t>, don’t </a:t>
+            </a:r>
+            <a:r>
+              <a:rPr lang="en-US" altLang="ko-KR" dirty="0" err="1" smtClean="0"/>
+              <a:t>destry</a:t>
+            </a:r>
+            <a:r>
+              <a:rPr lang="ko-KR" altLang="en-US" dirty="0" smtClean="0"/>
+              <a:t>와 같은 기능은 문제를 야기할 수 있다</a:t>
+            </a:r>
+            <a:r>
+              <a:rPr lang="en-US" altLang="ko-KR" dirty="0" smtClean="0"/>
+              <a:t>.</a:t>
+            </a:r>
+          </a:p>
+          <a:p>
+            <a:r>
+              <a:rPr lang="ko-KR" altLang="en-US" dirty="0" smtClean="0"/>
+              <a:t>그러나 실제 설계에서는 생산성도 중요하므로</a:t>
+            </a:r>
+            <a:r>
+              <a:rPr lang="en-US" altLang="ko-KR" dirty="0" smtClean="0"/>
+              <a:t>,</a:t>
+            </a:r>
+            <a:br>
+              <a:rPr lang="en-US" altLang="ko-KR" dirty="0" smtClean="0"/>
+            </a:br>
+            <a:r>
+              <a:rPr lang="ko-KR" altLang="en-US" dirty="0" smtClean="0"/>
+              <a:t>이런 상황을 만들지않는 것이 가장 이상적이라고 할 수 있으며</a:t>
+            </a:r>
+            <a:r>
+              <a:rPr lang="en-US" altLang="ko-KR" dirty="0" smtClean="0"/>
+              <a:t>,</a:t>
+            </a:r>
+            <a:br>
+              <a:rPr lang="en-US" altLang="ko-KR" dirty="0" smtClean="0"/>
+            </a:br>
+            <a:r>
+              <a:rPr lang="ko-KR" altLang="en-US" dirty="0" smtClean="0"/>
+              <a:t>만들어보고 거기서 문제점을 </a:t>
+            </a:r>
+            <a:r>
+              <a:rPr lang="ko-KR" altLang="en-US" dirty="0" err="1" smtClean="0"/>
+              <a:t>고처나간다면</a:t>
+            </a:r>
+            <a:r>
+              <a:rPr lang="ko-KR" altLang="en-US" dirty="0" smtClean="0"/>
+              <a:t> </a:t>
+            </a:r>
+            <a:r>
+              <a:rPr lang="ko-KR" altLang="en-US" dirty="0" err="1" smtClean="0"/>
+              <a:t>이문제도</a:t>
+            </a:r>
+            <a:r>
+              <a:rPr lang="ko-KR" altLang="en-US" dirty="0" smtClean="0"/>
+              <a:t> 해결이 가능하다</a:t>
+            </a:r>
+            <a:r>
+              <a:rPr lang="en-US" altLang="ko-KR" dirty="0" smtClean="0"/>
+              <a:t>.</a:t>
+            </a:r>
+            <a:endParaRPr lang="ko-KR" altLang="en-US" dirty="0"/>
+          </a:p>
+        </p:txBody>
+      </p:sp>
+      <p:sp>
+        <p:nvSpPr>
+          <p:cNvPr id="17" name="타원 16"/>
+          <p:cNvSpPr/>
+          <p:nvPr/>
+        </p:nvSpPr>
+        <p:spPr>
+          <a:xfrm>
+            <a:off x="397936" y="2367758"/>
+            <a:ext cx="1253067" cy="1253067"/>
+          </a:xfrm>
+          <a:prstGeom prst="ellipse">
+            <a:avLst/>
+          </a:prstGeom>
+        </p:spPr>
+        <p:style>
+          <a:lnRef idx="2">
+            <a:schemeClr val="accent1">
+              <a:shade val="50000"/>
+            </a:schemeClr>
+          </a:lnRef>
+          <a:fillRef idx="1">
+            <a:schemeClr val="accent1"/>
+          </a:fillRef>
+          <a:effectRef idx="0">
+            <a:schemeClr val="accent1"/>
+          </a:effectRef>
+          <a:fontRef idx="minor">
+            <a:schemeClr val="lt1"/>
+          </a:fontRef>
+        </p:style>
+        <p:txBody>
+          <a:bodyPr rtlCol="0" anchor="ctr"/>
+          <a:lstStyle/>
+          <a:p>
+            <a:pPr algn="ctr"/>
+            <a:r>
+              <a:rPr lang="en-US" altLang="ko-KR" dirty="0" err="1" smtClean="0"/>
+              <a:t>obj</a:t>
+            </a:r>
+            <a:endParaRPr lang="en-US" altLang="ko-KR" dirty="0" smtClean="0"/>
+          </a:p>
+        </p:txBody>
+      </p:sp>
+      <p:sp>
+        <p:nvSpPr>
+          <p:cNvPr id="18" name="직사각형 17"/>
+          <p:cNvSpPr/>
+          <p:nvPr/>
+        </p:nvSpPr>
+        <p:spPr>
+          <a:xfrm>
+            <a:off x="2531538" y="2706424"/>
+            <a:ext cx="1896533" cy="575734"/>
+          </a:xfrm>
+          <a:prstGeom prst="rect">
+            <a:avLst/>
+          </a:prstGeom>
+        </p:spPr>
+        <p:style>
+          <a:lnRef idx="2">
+            <a:schemeClr val="accent1">
+              <a:shade val="50000"/>
+            </a:schemeClr>
+          </a:lnRef>
+          <a:fillRef idx="1">
+            <a:schemeClr val="accent1"/>
+          </a:fillRef>
+          <a:effectRef idx="0">
+            <a:schemeClr val="accent1"/>
+          </a:effectRef>
+          <a:fontRef idx="minor">
+            <a:schemeClr val="lt1"/>
+          </a:fontRef>
+        </p:style>
+        <p:txBody>
+          <a:bodyPr rtlCol="0" anchor="ctr"/>
+          <a:lstStyle/>
+          <a:p>
+            <a:pPr algn="ctr"/>
+            <a:r>
+              <a:rPr lang="en-US" altLang="ko-KR" dirty="0" err="1" smtClean="0"/>
+              <a:t>GameManager</a:t>
+            </a:r>
+            <a:endParaRPr lang="ko-KR" altLang="en-US" dirty="0"/>
+          </a:p>
+        </p:txBody>
+      </p:sp>
+      <p:cxnSp>
+        <p:nvCxnSpPr>
+          <p:cNvPr id="19" name="직선 화살표 연결선 18"/>
+          <p:cNvCxnSpPr>
+            <a:stCxn id="18" idx="1"/>
+            <a:endCxn id="17" idx="6"/>
+          </p:cNvCxnSpPr>
+          <p:nvPr/>
+        </p:nvCxnSpPr>
+        <p:spPr>
+          <a:xfrm flipH="1">
+            <a:off x="1651003" y="2994291"/>
+            <a:ext cx="880535" cy="1"/>
+          </a:xfrm>
+          <a:prstGeom prst="straightConnector1">
+            <a:avLst/>
+          </a:prstGeom>
+          <a:ln>
+            <a:tailEnd type="triangle"/>
+          </a:ln>
+        </p:spPr>
+        <p:style>
+          <a:lnRef idx="1">
+            <a:schemeClr val="accent1"/>
+          </a:lnRef>
+          <a:fillRef idx="0">
+            <a:schemeClr val="accent1"/>
+          </a:fillRef>
+          <a:effectRef idx="0">
+            <a:schemeClr val="accent1"/>
+          </a:effectRef>
+          <a:fontRef idx="minor">
+            <a:schemeClr val="tx1"/>
+          </a:fontRef>
+        </p:style>
+      </p:cxnSp>
+      <p:sp>
+        <p:nvSpPr>
+          <p:cNvPr id="21" name="타원 20"/>
+          <p:cNvSpPr/>
+          <p:nvPr/>
+        </p:nvSpPr>
+        <p:spPr>
+          <a:xfrm>
+            <a:off x="397936" y="3823892"/>
+            <a:ext cx="1253067" cy="1253067"/>
+          </a:xfrm>
+          <a:prstGeom prst="ellipse">
+            <a:avLst/>
+          </a:prstGeom>
+        </p:spPr>
+        <p:style>
+          <a:lnRef idx="2">
+            <a:schemeClr val="accent1">
+              <a:shade val="50000"/>
+            </a:schemeClr>
+          </a:lnRef>
+          <a:fillRef idx="1">
+            <a:schemeClr val="accent1"/>
+          </a:fillRef>
+          <a:effectRef idx="0">
+            <a:schemeClr val="accent1"/>
+          </a:effectRef>
+          <a:fontRef idx="minor">
+            <a:schemeClr val="lt1"/>
+          </a:fontRef>
+        </p:style>
+        <p:txBody>
+          <a:bodyPr rtlCol="0" anchor="ctr"/>
+          <a:lstStyle/>
+          <a:p>
+            <a:pPr algn="ctr"/>
+            <a:r>
+              <a:rPr lang="en-US" altLang="ko-KR" dirty="0" err="1" smtClean="0"/>
+              <a:t>obj</a:t>
+            </a:r>
+            <a:endParaRPr lang="en-US" altLang="ko-KR" dirty="0" smtClean="0"/>
+          </a:p>
+        </p:txBody>
+      </p:sp>
+      <p:sp>
+        <p:nvSpPr>
+          <p:cNvPr id="22" name="직사각형 21"/>
+          <p:cNvSpPr/>
+          <p:nvPr/>
+        </p:nvSpPr>
+        <p:spPr>
+          <a:xfrm>
+            <a:off x="2531537" y="4162558"/>
+            <a:ext cx="1896533" cy="575734"/>
+          </a:xfrm>
+          <a:prstGeom prst="rect">
+            <a:avLst/>
+          </a:prstGeom>
+        </p:spPr>
+        <p:style>
+          <a:lnRef idx="2">
+            <a:schemeClr val="accent1">
+              <a:shade val="50000"/>
+            </a:schemeClr>
+          </a:lnRef>
+          <a:fillRef idx="1">
+            <a:schemeClr val="accent1"/>
+          </a:fillRef>
+          <a:effectRef idx="0">
+            <a:schemeClr val="accent1"/>
+          </a:effectRef>
+          <a:fontRef idx="minor">
+            <a:schemeClr val="lt1"/>
+          </a:fontRef>
+        </p:style>
+        <p:txBody>
+          <a:bodyPr rtlCol="0" anchor="ctr"/>
+          <a:lstStyle/>
+          <a:p>
+            <a:pPr algn="ctr"/>
+            <a:r>
+              <a:rPr lang="en-US" altLang="ko-KR" dirty="0" err="1" smtClean="0"/>
+              <a:t>GameManager</a:t>
+            </a:r>
+            <a:endParaRPr lang="ko-KR" altLang="en-US" dirty="0"/>
+          </a:p>
+        </p:txBody>
+      </p:sp>
+      <p:cxnSp>
+        <p:nvCxnSpPr>
+          <p:cNvPr id="23" name="직선 화살표 연결선 22"/>
+          <p:cNvCxnSpPr>
+            <a:stCxn id="22" idx="1"/>
+            <a:endCxn id="21" idx="6"/>
+          </p:cNvCxnSpPr>
+          <p:nvPr/>
+        </p:nvCxnSpPr>
+        <p:spPr>
+          <a:xfrm flipH="1">
+            <a:off x="1651003" y="4450425"/>
+            <a:ext cx="880534" cy="1"/>
+          </a:xfrm>
+          <a:prstGeom prst="straightConnector1">
+            <a:avLst/>
+          </a:prstGeom>
+          <a:ln>
+            <a:tailEnd type="triangle"/>
+          </a:ln>
+        </p:spPr>
+        <p:style>
+          <a:lnRef idx="1">
+            <a:schemeClr val="accent1"/>
+          </a:lnRef>
+          <a:fillRef idx="0">
+            <a:schemeClr val="accent1"/>
+          </a:fillRef>
+          <a:effectRef idx="0">
+            <a:schemeClr val="accent1"/>
+          </a:effectRef>
+          <a:fontRef idx="minor">
+            <a:schemeClr val="tx1"/>
+          </a:fontRef>
+        </p:style>
+      </p:cxnSp>
       <p:graphicFrame>
         <p:nvGraphicFramePr>
-          <p:cNvPr id="4" name="표 3"/>
+          <p:cNvPr id="24" name="표 23"/>
           <p:cNvGraphicFramePr>
             <a:graphicFrameLocks noGrp="1"/>
           </p:cNvGraphicFramePr>
           <p:nvPr>
             <p:extLst>
               <p:ext uri="{D42A27DB-BD31-4B8C-83A1-F6EECF244321}">
-                <p14:modId xmlns:p14="http://schemas.microsoft.com/office/powerpoint/2010/main" val="840400610"/>
+                <p14:modId xmlns:p14="http://schemas.microsoft.com/office/powerpoint/2010/main" val="3633997583"/>
               </p:ext>
             </p:extLst>
           </p:nvPr>
         </p:nvGraphicFramePr>
         <p:xfrm>
-          <a:off x="10066867" y="494941"/>
-          <a:ext cx="1286933" cy="1107440"/>
+          <a:off x="6620932" y="1507676"/>
+          <a:ext cx="1782232" cy="1651000"/>
         </p:xfrm>
         <a:graphic>
           <a:graphicData uri="http://schemas.openxmlformats.org/drawingml/2006/table">
@@ -10551,10 +10965,10 @@
                 <a:tableStyleId>{5C22544A-7EE6-4342-B048-85BDC9FD1C3A}</a:tableStyleId>
               </a:tblPr>
               <a:tblGrid>
-                <a:gridCol w="1286933">
+                <a:gridCol w="1782232">
                   <a:extLst>
                     <a:ext uri="{9D8B030D-6E8A-4147-A177-3AD203B41FA5}">
-                      <a16:colId xmlns:a16="http://schemas.microsoft.com/office/drawing/2014/main" val="1268748105"/>
+                      <a16:colId xmlns:a16="http://schemas.microsoft.com/office/drawing/2014/main" val="2493632232"/>
                     </a:ext>
                   </a:extLst>
                 </a:gridCol>
@@ -10567,8 +10981,8 @@
                     <a:p>
                       <a:pPr latinLnBrk="1"/>
                       <a:r>
-                        <a:rPr lang="ko-KR" altLang="en-US" dirty="0" err="1" smtClean="0"/>
-                        <a:t>무적효과</a:t>
+                        <a:rPr lang="en-US" altLang="ko-KR" dirty="0" err="1" smtClean="0"/>
+                        <a:t>GameManager</a:t>
                       </a:r>
                       <a:endParaRPr lang="ko-KR" altLang="en-US" dirty="0"/>
                     </a:p>
@@ -10577,25 +10991,7 @@
                 </a:tc>
                 <a:extLst>
                   <a:ext uri="{0D108BD9-81ED-4DB2-BD59-A6C34878D82A}">
-                    <a16:rowId xmlns:a16="http://schemas.microsoft.com/office/drawing/2014/main" val="4239921442"/>
-                  </a:ext>
-                </a:extLst>
-              </a:tr>
-              <a:tr h="331894">
-                <a:tc>
-                  <a:txBody>
-                    <a:bodyPr/>
-                    <a:lstStyle/>
-                    <a:p>
-                      <a:pPr latinLnBrk="1"/>
-                      <a:endParaRPr lang="ko-KR" altLang="en-US" dirty="0"/>
-                    </a:p>
-                  </a:txBody>
-                  <a:tcPr/>
-                </a:tc>
-                <a:extLst>
-                  <a:ext uri="{0D108BD9-81ED-4DB2-BD59-A6C34878D82A}">
-                    <a16:rowId xmlns:a16="http://schemas.microsoft.com/office/drawing/2014/main" val="1850964627"/>
+                    <a16:rowId xmlns:a16="http://schemas.microsoft.com/office/drawing/2014/main" val="745137186"/>
                   </a:ext>
                 </a:extLst>
               </a:tr>
@@ -10607,8 +11003,15 @@
                     <a:p>
                       <a:pPr latinLnBrk="1"/>
                       <a:r>
-                        <a:rPr lang="ko-KR" altLang="en-US" dirty="0" smtClean="0"/>
-                        <a:t>사용</a:t>
+                        <a:rPr lang="en-US" altLang="ko-KR" dirty="0" smtClean="0"/>
+                        <a:t>Instance </a:t>
+                      </a:r>
+                    </a:p>
+                    <a:p>
+                      <a:pPr latinLnBrk="1"/>
+                      <a:r>
+                        <a:rPr lang="en-US" altLang="ko-KR" dirty="0" smtClean="0"/>
+                        <a:t>Count</a:t>
                       </a:r>
                       <a:endParaRPr lang="ko-KR" altLang="en-US" dirty="0"/>
                     </a:p>
@@ -10617,187 +11020,7 @@
                 </a:tc>
                 <a:extLst>
                   <a:ext uri="{0D108BD9-81ED-4DB2-BD59-A6C34878D82A}">
-                    <a16:rowId xmlns:a16="http://schemas.microsoft.com/office/drawing/2014/main" val="1245535897"/>
-                  </a:ext>
-                </a:extLst>
-              </a:tr>
-            </a:tbl>
-          </a:graphicData>
-        </a:graphic>
-      </p:graphicFrame>
-      <p:graphicFrame>
-        <p:nvGraphicFramePr>
-          <p:cNvPr id="5" name="표 4"/>
-          <p:cNvGraphicFramePr>
-            <a:graphicFrameLocks noGrp="1"/>
-          </p:cNvGraphicFramePr>
-          <p:nvPr>
-            <p:extLst>
-              <p:ext uri="{D42A27DB-BD31-4B8C-83A1-F6EECF244321}">
-                <p14:modId xmlns:p14="http://schemas.microsoft.com/office/powerpoint/2010/main" val="3347968511"/>
-              </p:ext>
-            </p:extLst>
-          </p:nvPr>
-        </p:nvGraphicFramePr>
-        <p:xfrm>
-          <a:off x="10066867" y="4392138"/>
-          <a:ext cx="1286933" cy="1102360"/>
-        </p:xfrm>
-        <a:graphic>
-          <a:graphicData uri="http://schemas.openxmlformats.org/drawingml/2006/table">
-            <a:tbl>
-              <a:tblPr firstRow="1" bandRow="1">
-                <a:tableStyleId>{5C22544A-7EE6-4342-B048-85BDC9FD1C3A}</a:tableStyleId>
-              </a:tblPr>
-              <a:tblGrid>
-                <a:gridCol w="1286933">
-                  <a:extLst>
-                    <a:ext uri="{9D8B030D-6E8A-4147-A177-3AD203B41FA5}">
-                      <a16:colId xmlns:a16="http://schemas.microsoft.com/office/drawing/2014/main" val="1268748105"/>
-                    </a:ext>
-                  </a:extLst>
-                </a:gridCol>
-              </a:tblGrid>
-              <a:tr h="370840">
-                <a:tc>
-                  <a:txBody>
-                    <a:bodyPr/>
-                    <a:lstStyle/>
-                    <a:p>
-                      <a:pPr latinLnBrk="1"/>
-                      <a:r>
-                        <a:rPr lang="ko-KR" altLang="en-US" dirty="0" smtClean="0"/>
-                        <a:t>레이저</a:t>
-                      </a:r>
-                      <a:endParaRPr lang="ko-KR" altLang="en-US" dirty="0"/>
-                    </a:p>
-                  </a:txBody>
-                  <a:tcPr/>
-                </a:tc>
-                <a:extLst>
-                  <a:ext uri="{0D108BD9-81ED-4DB2-BD59-A6C34878D82A}">
-                    <a16:rowId xmlns:a16="http://schemas.microsoft.com/office/drawing/2014/main" val="4239921442"/>
-                  </a:ext>
-                </a:extLst>
-              </a:tr>
-              <a:tr h="331894">
-                <a:tc>
-                  <a:txBody>
-                    <a:bodyPr/>
-                    <a:lstStyle/>
-                    <a:p>
-                      <a:pPr latinLnBrk="1"/>
-                      <a:r>
-                        <a:rPr lang="ko-KR" altLang="en-US" dirty="0" smtClean="0"/>
-                        <a:t>총</a:t>
-                      </a:r>
-                      <a:endParaRPr lang="ko-KR" altLang="en-US" dirty="0"/>
-                    </a:p>
-                  </a:txBody>
-                  <a:tcPr/>
-                </a:tc>
-                <a:extLst>
-                  <a:ext uri="{0D108BD9-81ED-4DB2-BD59-A6C34878D82A}">
-                    <a16:rowId xmlns:a16="http://schemas.microsoft.com/office/drawing/2014/main" val="1850964627"/>
-                  </a:ext>
-                </a:extLst>
-              </a:tr>
-              <a:tr h="356448">
-                <a:tc>
-                  <a:txBody>
-                    <a:bodyPr/>
-                    <a:lstStyle/>
-                    <a:p>
-                      <a:pPr latinLnBrk="1"/>
-                      <a:r>
-                        <a:rPr lang="ko-KR" altLang="en-US" dirty="0" smtClean="0"/>
-                        <a:t>사용</a:t>
-                      </a:r>
-                      <a:endParaRPr lang="ko-KR" altLang="en-US" dirty="0"/>
-                    </a:p>
-                  </a:txBody>
-                  <a:tcPr/>
-                </a:tc>
-                <a:extLst>
-                  <a:ext uri="{0D108BD9-81ED-4DB2-BD59-A6C34878D82A}">
-                    <a16:rowId xmlns:a16="http://schemas.microsoft.com/office/drawing/2014/main" val="1245535897"/>
-                  </a:ext>
-                </a:extLst>
-              </a:tr>
-            </a:tbl>
-          </a:graphicData>
-        </a:graphic>
-      </p:graphicFrame>
-      <p:graphicFrame>
-        <p:nvGraphicFramePr>
-          <p:cNvPr id="6" name="표 5"/>
-          <p:cNvGraphicFramePr>
-            <a:graphicFrameLocks noGrp="1"/>
-          </p:cNvGraphicFramePr>
-          <p:nvPr>
-            <p:extLst>
-              <p:ext uri="{D42A27DB-BD31-4B8C-83A1-F6EECF244321}">
-                <p14:modId xmlns:p14="http://schemas.microsoft.com/office/powerpoint/2010/main" val="284045387"/>
-              </p:ext>
-            </p:extLst>
-          </p:nvPr>
-        </p:nvGraphicFramePr>
-        <p:xfrm>
-          <a:off x="10066867" y="1765461"/>
-          <a:ext cx="1286933" cy="1107440"/>
-        </p:xfrm>
-        <a:graphic>
-          <a:graphicData uri="http://schemas.openxmlformats.org/drawingml/2006/table">
-            <a:tbl>
-              <a:tblPr firstRow="1" bandRow="1">
-                <a:tableStyleId>{5C22544A-7EE6-4342-B048-85BDC9FD1C3A}</a:tableStyleId>
-              </a:tblPr>
-              <a:tblGrid>
-                <a:gridCol w="1286933">
-                  <a:extLst>
-                    <a:ext uri="{9D8B030D-6E8A-4147-A177-3AD203B41FA5}">
-                      <a16:colId xmlns:a16="http://schemas.microsoft.com/office/drawing/2014/main" val="1268748105"/>
-                    </a:ext>
-                  </a:extLst>
-                </a:gridCol>
-              </a:tblGrid>
-              <a:tr h="370840">
-                <a:tc>
-                  <a:txBody>
-                    <a:bodyPr/>
-                    <a:lstStyle/>
-                    <a:p>
-                      <a:pPr latinLnBrk="1"/>
-                      <a:r>
-                        <a:rPr lang="ko-KR" altLang="en-US" dirty="0" err="1" smtClean="0"/>
-                        <a:t>회복효과</a:t>
-                      </a:r>
-                      <a:endParaRPr lang="ko-KR" altLang="en-US" dirty="0"/>
-                    </a:p>
-                  </a:txBody>
-                  <a:tcPr/>
-                </a:tc>
-                <a:extLst>
-                  <a:ext uri="{0D108BD9-81ED-4DB2-BD59-A6C34878D82A}">
-                    <a16:rowId xmlns:a16="http://schemas.microsoft.com/office/drawing/2014/main" val="4239921442"/>
-                  </a:ext>
-                </a:extLst>
-              </a:tr>
-              <a:tr h="331894">
-                <a:tc>
-                  <a:txBody>
-                    <a:bodyPr/>
-                    <a:lstStyle/>
-                    <a:p>
-                      <a:pPr latinLnBrk="1"/>
-                      <a:endParaRPr lang="ko-KR" altLang="en-US" dirty="0"/>
-                    </a:p>
-                  </a:txBody>
-                  <a:tcPr/>
-                </a:tc>
-                <a:extLst>
-                  <a:ext uri="{0D108BD9-81ED-4DB2-BD59-A6C34878D82A}">
-                    <a16:rowId xmlns:a16="http://schemas.microsoft.com/office/drawing/2014/main" val="1850964627"/>
+                    <a16:rowId xmlns:a16="http://schemas.microsoft.com/office/drawing/2014/main" val="3658678486"/>
                   </a:ext>
                 </a:extLst>
               </a:tr>
@@ -10809,8 +11032,23 @@
                     <a:p>
                       <a:pPr latinLnBrk="1"/>
                       <a:r>
-                        <a:rPr lang="ko-KR" altLang="en-US" dirty="0" smtClean="0"/>
-                        <a:t>사용</a:t>
+                        <a:rPr lang="en-US" altLang="ko-KR" dirty="0" err="1" smtClean="0"/>
+                        <a:t>GetInstace</a:t>
+                      </a:r>
+                      <a:r>
+                        <a:rPr lang="en-US" altLang="ko-KR" dirty="0" smtClean="0"/>
+                        <a:t>()</a:t>
+                      </a:r>
+                    </a:p>
+                    <a:p>
+                      <a:pPr latinLnBrk="1"/>
+                      <a:r>
+                        <a:rPr lang="en-US" altLang="ko-KR" dirty="0" err="1" smtClean="0"/>
+                        <a:t>AWake</a:t>
+                      </a:r>
+                      <a:r>
+                        <a:rPr lang="en-US" altLang="ko-KR" dirty="0" smtClean="0"/>
+                        <a:t>()</a:t>
                       </a:r>
                       <a:endParaRPr lang="ko-KR" altLang="en-US" dirty="0"/>
                     </a:p>
@@ -10819,7 +11057,7 @@
                 </a:tc>
                 <a:extLst>
                   <a:ext uri="{0D108BD9-81ED-4DB2-BD59-A6C34878D82A}">
-                    <a16:rowId xmlns:a16="http://schemas.microsoft.com/office/drawing/2014/main" val="1245535897"/>
+                    <a16:rowId xmlns:a16="http://schemas.microsoft.com/office/drawing/2014/main" val="122134384"/>
                   </a:ext>
                 </a:extLst>
               </a:tr>
@@ -10827,477 +11065,27 @@
           </a:graphicData>
         </a:graphic>
       </p:graphicFrame>
-      <p:graphicFrame>
-        <p:nvGraphicFramePr>
-          <p:cNvPr id="7" name="표 6"/>
-          <p:cNvGraphicFramePr>
-            <a:graphicFrameLocks noGrp="1"/>
-          </p:cNvGraphicFramePr>
-          <p:nvPr>
-            <p:extLst>
-              <p:ext uri="{D42A27DB-BD31-4B8C-83A1-F6EECF244321}">
-                <p14:modId xmlns:p14="http://schemas.microsoft.com/office/powerpoint/2010/main" val="4175941618"/>
-              </p:ext>
-            </p:extLst>
-          </p:nvPr>
-        </p:nvGraphicFramePr>
-        <p:xfrm>
-          <a:off x="10066867" y="3042817"/>
-          <a:ext cx="1286933" cy="1107440"/>
-        </p:xfrm>
-        <a:graphic>
-          <a:graphicData uri="http://schemas.openxmlformats.org/drawingml/2006/table">
-            <a:tbl>
-              <a:tblPr firstRow="1" bandRow="1">
-                <a:tableStyleId>{5C22544A-7EE6-4342-B048-85BDC9FD1C3A}</a:tableStyleId>
-              </a:tblPr>
-              <a:tblGrid>
-                <a:gridCol w="1286933">
-                  <a:extLst>
-                    <a:ext uri="{9D8B030D-6E8A-4147-A177-3AD203B41FA5}">
-                      <a16:colId xmlns:a16="http://schemas.microsoft.com/office/drawing/2014/main" val="1268748105"/>
-                    </a:ext>
-                  </a:extLst>
-                </a:gridCol>
-              </a:tblGrid>
-              <a:tr h="370840">
-                <a:tc>
-                  <a:txBody>
-                    <a:bodyPr/>
-                    <a:lstStyle/>
-                    <a:p>
-                      <a:pPr latinLnBrk="1"/>
-                      <a:r>
-                        <a:rPr lang="ko-KR" altLang="en-US" dirty="0" smtClean="0"/>
-                        <a:t>총알</a:t>
-                      </a:r>
-                      <a:endParaRPr lang="ko-KR" altLang="en-US" dirty="0"/>
-                    </a:p>
-                  </a:txBody>
-                  <a:tcPr/>
-                </a:tc>
-                <a:extLst>
-                  <a:ext uri="{0D108BD9-81ED-4DB2-BD59-A6C34878D82A}">
-                    <a16:rowId xmlns:a16="http://schemas.microsoft.com/office/drawing/2014/main" val="4239921442"/>
-                  </a:ext>
-                </a:extLst>
-              </a:tr>
-              <a:tr h="331894">
-                <a:tc>
-                  <a:txBody>
-                    <a:bodyPr/>
-                    <a:lstStyle/>
-                    <a:p>
-                      <a:pPr latinLnBrk="1"/>
-                      <a:r>
-                        <a:rPr lang="ko-KR" altLang="en-US" dirty="0" smtClean="0"/>
-                        <a:t>총</a:t>
-                      </a:r>
-                      <a:endParaRPr lang="ko-KR" altLang="en-US" dirty="0"/>
-                    </a:p>
-                  </a:txBody>
-                  <a:tcPr/>
-                </a:tc>
-                <a:extLst>
-                  <a:ext uri="{0D108BD9-81ED-4DB2-BD59-A6C34878D82A}">
-                    <a16:rowId xmlns:a16="http://schemas.microsoft.com/office/drawing/2014/main" val="1850964627"/>
-                  </a:ext>
-                </a:extLst>
-              </a:tr>
-              <a:tr h="370840">
-                <a:tc>
-                  <a:txBody>
-                    <a:bodyPr/>
-                    <a:lstStyle/>
-                    <a:p>
-                      <a:pPr latinLnBrk="1"/>
-                      <a:r>
-                        <a:rPr lang="ko-KR" altLang="en-US" dirty="0" smtClean="0"/>
-                        <a:t>사용</a:t>
-                      </a:r>
-                      <a:endParaRPr lang="ko-KR" altLang="en-US" dirty="0"/>
-                    </a:p>
-                  </a:txBody>
-                  <a:tcPr/>
-                </a:tc>
-                <a:extLst>
-                  <a:ext uri="{0D108BD9-81ED-4DB2-BD59-A6C34878D82A}">
-                    <a16:rowId xmlns:a16="http://schemas.microsoft.com/office/drawing/2014/main" val="1245535897"/>
-                  </a:ext>
-                </a:extLst>
-              </a:tr>
-            </a:tbl>
-          </a:graphicData>
-        </a:graphic>
-      </p:graphicFrame>
-      <p:graphicFrame>
-        <p:nvGraphicFramePr>
-          <p:cNvPr id="8" name="표 7"/>
-          <p:cNvGraphicFramePr>
-            <a:graphicFrameLocks noGrp="1"/>
-          </p:cNvGraphicFramePr>
-          <p:nvPr>
-            <p:extLst>
-              <p:ext uri="{D42A27DB-BD31-4B8C-83A1-F6EECF244321}">
-                <p14:modId xmlns:p14="http://schemas.microsoft.com/office/powerpoint/2010/main" val="2907801859"/>
-              </p:ext>
-            </p:extLst>
-          </p:nvPr>
-        </p:nvGraphicFramePr>
-        <p:xfrm>
-          <a:off x="6799792" y="2574767"/>
-          <a:ext cx="1286933" cy="1107440"/>
-        </p:xfrm>
-        <a:graphic>
-          <a:graphicData uri="http://schemas.openxmlformats.org/drawingml/2006/table">
-            <a:tbl>
-              <a:tblPr firstRow="1" bandRow="1">
-                <a:tableStyleId>{5C22544A-7EE6-4342-B048-85BDC9FD1C3A}</a:tableStyleId>
-              </a:tblPr>
-              <a:tblGrid>
-                <a:gridCol w="1286933">
-                  <a:extLst>
-                    <a:ext uri="{9D8B030D-6E8A-4147-A177-3AD203B41FA5}">
-                      <a16:colId xmlns:a16="http://schemas.microsoft.com/office/drawing/2014/main" val="1268748105"/>
-                    </a:ext>
-                  </a:extLst>
-                </a:gridCol>
-              </a:tblGrid>
-              <a:tr h="370840">
-                <a:tc>
-                  <a:txBody>
-                    <a:bodyPr/>
-                    <a:lstStyle/>
-                    <a:p>
-                      <a:pPr latinLnBrk="1"/>
-                      <a:r>
-                        <a:rPr lang="ko-KR" altLang="en-US" dirty="0" smtClean="0"/>
-                        <a:t>효과</a:t>
-                      </a:r>
-                      <a:endParaRPr lang="ko-KR" altLang="en-US" dirty="0"/>
-                    </a:p>
-                  </a:txBody>
-                  <a:tcPr/>
-                </a:tc>
-                <a:extLst>
-                  <a:ext uri="{0D108BD9-81ED-4DB2-BD59-A6C34878D82A}">
-                    <a16:rowId xmlns:a16="http://schemas.microsoft.com/office/drawing/2014/main" val="4239921442"/>
-                  </a:ext>
-                </a:extLst>
-              </a:tr>
-              <a:tr h="331894">
-                <a:tc>
-                  <a:txBody>
-                    <a:bodyPr/>
-                    <a:lstStyle/>
-                    <a:p>
-                      <a:pPr latinLnBrk="1"/>
-                      <a:endParaRPr lang="ko-KR" altLang="en-US" dirty="0"/>
-                    </a:p>
-                  </a:txBody>
-                  <a:tcPr/>
-                </a:tc>
-                <a:extLst>
-                  <a:ext uri="{0D108BD9-81ED-4DB2-BD59-A6C34878D82A}">
-                    <a16:rowId xmlns:a16="http://schemas.microsoft.com/office/drawing/2014/main" val="1850964627"/>
-                  </a:ext>
-                </a:extLst>
-              </a:tr>
-              <a:tr h="370840">
-                <a:tc>
-                  <a:txBody>
-                    <a:bodyPr/>
-                    <a:lstStyle/>
-                    <a:p>
-                      <a:pPr latinLnBrk="1"/>
-                      <a:r>
-                        <a:rPr lang="ko-KR" altLang="en-US" dirty="0" smtClean="0"/>
-                        <a:t>사용</a:t>
-                      </a:r>
-                      <a:endParaRPr lang="ko-KR" altLang="en-US" dirty="0"/>
-                    </a:p>
-                  </a:txBody>
-                  <a:tcPr/>
-                </a:tc>
-                <a:extLst>
-                  <a:ext uri="{0D108BD9-81ED-4DB2-BD59-A6C34878D82A}">
-                    <a16:rowId xmlns:a16="http://schemas.microsoft.com/office/drawing/2014/main" val="1245535897"/>
-                  </a:ext>
-                </a:extLst>
-              </a:tr>
-            </a:tbl>
-          </a:graphicData>
-        </a:graphic>
-      </p:graphicFrame>
-      <p:sp>
-        <p:nvSpPr>
-          <p:cNvPr id="9" name="직사각형 8"/>
-          <p:cNvSpPr/>
-          <p:nvPr/>
-        </p:nvSpPr>
-        <p:spPr>
-          <a:xfrm>
-            <a:off x="6799791" y="2573814"/>
-            <a:ext cx="1286934" cy="1107439"/>
-          </a:xfrm>
-          <a:prstGeom prst="rect">
-            <a:avLst/>
-          </a:prstGeom>
-          <a:noFill/>
-          <a:ln>
-            <a:prstDash val="solid"/>
-          </a:ln>
-        </p:spPr>
-        <p:style>
-          <a:lnRef idx="2">
-            <a:schemeClr val="accent1">
-              <a:shade val="50000"/>
-            </a:schemeClr>
-          </a:lnRef>
-          <a:fillRef idx="1">
-            <a:schemeClr val="accent1"/>
-          </a:fillRef>
-          <a:effectRef idx="0">
-            <a:schemeClr val="accent1"/>
-          </a:effectRef>
-          <a:fontRef idx="minor">
-            <a:schemeClr val="lt1"/>
-          </a:fontRef>
-        </p:style>
-        <p:txBody>
-          <a:bodyPr rtlCol="0" anchor="ctr"/>
-          <a:lstStyle/>
-          <a:p>
-            <a:pPr algn="ctr"/>
-            <a:endParaRPr lang="ko-KR" altLang="en-US"/>
-          </a:p>
-        </p:txBody>
-      </p:sp>
-      <p:sp>
-        <p:nvSpPr>
-          <p:cNvPr id="10" name="TextBox 9"/>
-          <p:cNvSpPr txBox="1"/>
-          <p:nvPr/>
-        </p:nvSpPr>
-        <p:spPr>
-          <a:xfrm>
-            <a:off x="8282403" y="3203274"/>
-            <a:ext cx="636177" cy="246221"/>
-          </a:xfrm>
-          <a:prstGeom prst="rect">
-            <a:avLst/>
-          </a:prstGeom>
-          <a:noFill/>
-        </p:spPr>
-        <p:txBody>
-          <a:bodyPr wrap="square" rtlCol="0">
-            <a:spAutoFit/>
-          </a:bodyPr>
-          <a:lstStyle/>
-          <a:p>
-            <a:r>
-              <a:rPr lang="ko-KR" altLang="en-US" sz="1000" dirty="0" smtClean="0"/>
-              <a:t>상속</a:t>
-            </a:r>
-            <a:endParaRPr lang="ko-KR" altLang="en-US" sz="1000" dirty="0"/>
-          </a:p>
-        </p:txBody>
-      </p:sp>
-      <p:sp>
-        <p:nvSpPr>
-          <p:cNvPr id="11" name="직사각형 10"/>
-          <p:cNvSpPr/>
-          <p:nvPr/>
-        </p:nvSpPr>
-        <p:spPr>
-          <a:xfrm>
-            <a:off x="10066866" y="3048730"/>
-            <a:ext cx="1286934" cy="1107439"/>
-          </a:xfrm>
-          <a:prstGeom prst="rect">
-            <a:avLst/>
-          </a:prstGeom>
-          <a:noFill/>
-          <a:ln>
-            <a:prstDash val="solid"/>
-          </a:ln>
-        </p:spPr>
-        <p:style>
-          <a:lnRef idx="2">
-            <a:schemeClr val="accent1">
-              <a:shade val="50000"/>
-            </a:schemeClr>
-          </a:lnRef>
-          <a:fillRef idx="1">
-            <a:schemeClr val="accent1"/>
-          </a:fillRef>
-          <a:effectRef idx="0">
-            <a:schemeClr val="accent1"/>
-          </a:effectRef>
-          <a:fontRef idx="minor">
-            <a:schemeClr val="lt1"/>
-          </a:fontRef>
-        </p:style>
-        <p:txBody>
-          <a:bodyPr rtlCol="0" anchor="ctr"/>
-          <a:lstStyle/>
-          <a:p>
-            <a:pPr algn="ctr"/>
-            <a:endParaRPr lang="ko-KR" altLang="en-US"/>
-          </a:p>
-        </p:txBody>
-      </p:sp>
-      <p:sp>
-        <p:nvSpPr>
-          <p:cNvPr id="12" name="직사각형 11"/>
-          <p:cNvSpPr/>
-          <p:nvPr/>
-        </p:nvSpPr>
-        <p:spPr>
-          <a:xfrm>
-            <a:off x="10066866" y="1789708"/>
-            <a:ext cx="1286934" cy="1107439"/>
-          </a:xfrm>
-          <a:prstGeom prst="rect">
-            <a:avLst/>
-          </a:prstGeom>
-          <a:noFill/>
-          <a:ln>
-            <a:prstDash val="solid"/>
-          </a:ln>
-        </p:spPr>
-        <p:style>
-          <a:lnRef idx="2">
-            <a:schemeClr val="accent1">
-              <a:shade val="50000"/>
-            </a:schemeClr>
-          </a:lnRef>
-          <a:fillRef idx="1">
-            <a:schemeClr val="accent1"/>
-          </a:fillRef>
-          <a:effectRef idx="0">
-            <a:schemeClr val="accent1"/>
-          </a:effectRef>
-          <a:fontRef idx="minor">
-            <a:schemeClr val="lt1"/>
-          </a:fontRef>
-        </p:style>
-        <p:txBody>
-          <a:bodyPr rtlCol="0" anchor="ctr"/>
-          <a:lstStyle/>
-          <a:p>
-            <a:pPr algn="ctr"/>
-            <a:endParaRPr lang="ko-KR" altLang="en-US"/>
-          </a:p>
-        </p:txBody>
-      </p:sp>
-      <p:sp>
-        <p:nvSpPr>
-          <p:cNvPr id="13" name="직사각형 12"/>
-          <p:cNvSpPr/>
-          <p:nvPr/>
-        </p:nvSpPr>
-        <p:spPr>
-          <a:xfrm>
-            <a:off x="10066866" y="4400772"/>
-            <a:ext cx="1286934" cy="1107439"/>
-          </a:xfrm>
-          <a:prstGeom prst="rect">
-            <a:avLst/>
-          </a:prstGeom>
-          <a:noFill/>
-          <a:ln>
-            <a:prstDash val="solid"/>
-          </a:ln>
-        </p:spPr>
-        <p:style>
-          <a:lnRef idx="2">
-            <a:schemeClr val="accent1">
-              <a:shade val="50000"/>
-            </a:schemeClr>
-          </a:lnRef>
-          <a:fillRef idx="1">
-            <a:schemeClr val="accent1"/>
-          </a:fillRef>
-          <a:effectRef idx="0">
-            <a:schemeClr val="accent1"/>
-          </a:effectRef>
-          <a:fontRef idx="minor">
-            <a:schemeClr val="lt1"/>
-          </a:fontRef>
-        </p:style>
-        <p:txBody>
-          <a:bodyPr rtlCol="0" anchor="ctr"/>
-          <a:lstStyle/>
-          <a:p>
-            <a:pPr algn="ctr"/>
-            <a:endParaRPr lang="ko-KR" altLang="en-US"/>
-          </a:p>
-        </p:txBody>
-      </p:sp>
-      <p:sp>
-        <p:nvSpPr>
-          <p:cNvPr id="14" name="직사각형 13"/>
-          <p:cNvSpPr/>
-          <p:nvPr/>
-        </p:nvSpPr>
-        <p:spPr>
-          <a:xfrm>
-            <a:off x="10066866" y="512353"/>
-            <a:ext cx="1286934" cy="1107439"/>
-          </a:xfrm>
-          <a:prstGeom prst="rect">
-            <a:avLst/>
-          </a:prstGeom>
-          <a:noFill/>
-          <a:ln>
-            <a:prstDash val="solid"/>
-          </a:ln>
-        </p:spPr>
-        <p:style>
-          <a:lnRef idx="2">
-            <a:schemeClr val="accent1">
-              <a:shade val="50000"/>
-            </a:schemeClr>
-          </a:lnRef>
-          <a:fillRef idx="1">
-            <a:schemeClr val="accent1"/>
-          </a:fillRef>
-          <a:effectRef idx="0">
-            <a:schemeClr val="accent1"/>
-          </a:effectRef>
-          <a:fontRef idx="minor">
-            <a:schemeClr val="lt1"/>
-          </a:fontRef>
-        </p:style>
-        <p:txBody>
-          <a:bodyPr rtlCol="0" anchor="ctr"/>
-          <a:lstStyle/>
-          <a:p>
-            <a:pPr algn="ctr"/>
-            <a:endParaRPr lang="ko-KR" altLang="en-US"/>
-          </a:p>
-        </p:txBody>
-      </p:sp>
       <p:cxnSp>
         <p:nvCxnSpPr>
-          <p:cNvPr id="16" name="꺾인 연결선 15"/>
+          <p:cNvPr id="30" name="직선 화살표 연결선 29"/>
           <p:cNvCxnSpPr>
-            <a:stCxn id="14" idx="1"/>
-            <a:endCxn id="8" idx="3"/>
+            <a:stCxn id="24" idx="1"/>
+            <a:endCxn id="18" idx="3"/>
           </p:cNvCxnSpPr>
           <p:nvPr/>
         </p:nvCxnSpPr>
         <p:spPr>
-          <a:xfrm rot="10800000" flipV="1">
-            <a:off x="8086726" y="1066073"/>
-            <a:ext cx="1980141" cy="2062414"/>
-          </a:xfrm>
-          <a:prstGeom prst="bentConnector3">
+          <a:xfrm flipH="1">
+            <a:off x="4428071" y="2333176"/>
+            <a:ext cx="2192861" cy="661115"/>
+          </a:xfrm>
+          <a:prstGeom prst="straightConnector1">
             <a:avLst/>
           </a:prstGeom>
           <a:ln>
-            <a:prstDash val="solid"/>
+            <a:solidFill>
+              <a:srgbClr val="FF0000"/>
+            </a:solidFill>
             <a:tailEnd type="triangle"/>
           </a:ln>
         </p:spPr>
@@ -11318,23 +11106,22 @@
       </p:cxnSp>
       <p:cxnSp>
         <p:nvCxnSpPr>
-          <p:cNvPr id="17" name="꺾인 연결선 16"/>
+          <p:cNvPr id="37" name="직선 화살표 연결선 36"/>
           <p:cNvCxnSpPr>
-            <a:stCxn id="12" idx="1"/>
-            <a:endCxn id="8" idx="3"/>
+            <a:stCxn id="24" idx="1"/>
+            <a:endCxn id="22" idx="3"/>
           </p:cNvCxnSpPr>
           <p:nvPr/>
         </p:nvCxnSpPr>
         <p:spPr>
-          <a:xfrm rot="10800000" flipV="1">
-            <a:off x="8086726" y="2343427"/>
-            <a:ext cx="1980141" cy="785059"/>
-          </a:xfrm>
-          <a:prstGeom prst="bentConnector3">
+          <a:xfrm flipH="1">
+            <a:off x="4428070" y="2333176"/>
+            <a:ext cx="2192862" cy="2117249"/>
+          </a:xfrm>
+          <a:prstGeom prst="straightConnector1">
             <a:avLst/>
           </a:prstGeom>
           <a:ln>
-            <a:prstDash val="solid"/>
             <a:tailEnd type="triangle"/>
           </a:ln>
         </p:spPr>
@@ -11355,23 +11142,19 @@
       </p:cxnSp>
       <p:cxnSp>
         <p:nvCxnSpPr>
-          <p:cNvPr id="18" name="꺾인 연결선 17"/>
-          <p:cNvCxnSpPr>
-            <a:stCxn id="11" idx="1"/>
-            <a:endCxn id="9" idx="3"/>
-          </p:cNvCxnSpPr>
+          <p:cNvPr id="52" name="직선 화살표 연결선 51"/>
+          <p:cNvCxnSpPr/>
           <p:nvPr/>
         </p:nvCxnSpPr>
         <p:spPr>
-          <a:xfrm rot="10800000">
-            <a:off x="8086726" y="3127534"/>
-            <a:ext cx="1980141" cy="474916"/>
-          </a:xfrm>
-          <a:prstGeom prst="bentConnector3">
+          <a:xfrm>
+            <a:off x="139912" y="3749380"/>
+            <a:ext cx="9635066" cy="0"/>
+          </a:xfrm>
+          <a:prstGeom prst="straightConnector1">
             <a:avLst/>
           </a:prstGeom>
-          <a:ln>
-            <a:prstDash val="solid"/>
+          <a:ln w="25400">
             <a:tailEnd type="triangle"/>
           </a:ln>
         </p:spPr>
@@ -11390,450 +11173,16 @@
           </a:fontRef>
         </p:style>
       </p:cxnSp>
-      <p:cxnSp>
-        <p:nvCxnSpPr>
-          <p:cNvPr id="19" name="꺾인 연결선 18"/>
-          <p:cNvCxnSpPr>
-            <a:stCxn id="13" idx="1"/>
-            <a:endCxn id="8" idx="3"/>
-          </p:cNvCxnSpPr>
-          <p:nvPr/>
-        </p:nvCxnSpPr>
-        <p:spPr>
-          <a:xfrm rot="10800000">
-            <a:off x="8086726" y="3128488"/>
-            <a:ext cx="1980141" cy="1826005"/>
-          </a:xfrm>
-          <a:prstGeom prst="bentConnector3">
-            <a:avLst/>
-          </a:prstGeom>
-          <a:ln>
-            <a:prstDash val="solid"/>
-            <a:tailEnd type="triangle"/>
-          </a:ln>
-        </p:spPr>
-        <p:style>
-          <a:lnRef idx="1">
-            <a:schemeClr val="accent1"/>
-          </a:lnRef>
-          <a:fillRef idx="0">
-            <a:schemeClr val="accent1"/>
-          </a:fillRef>
-          <a:effectRef idx="0">
-            <a:schemeClr val="accent1"/>
-          </a:effectRef>
-          <a:fontRef idx="minor">
-            <a:schemeClr val="tx1"/>
-          </a:fontRef>
-        </p:style>
-      </p:cxnSp>
-      <p:sp>
-        <p:nvSpPr>
-          <p:cNvPr id="20" name="이등변 삼각형 19"/>
-          <p:cNvSpPr/>
-          <p:nvPr/>
-        </p:nvSpPr>
-        <p:spPr>
-          <a:xfrm rot="16200000">
-            <a:off x="8093030" y="3036846"/>
-            <a:ext cx="183069" cy="157818"/>
-          </a:xfrm>
-          <a:prstGeom prst="triangle">
-            <a:avLst/>
-          </a:prstGeom>
-        </p:spPr>
-        <p:style>
-          <a:lnRef idx="2">
-            <a:schemeClr val="accent1">
-              <a:shade val="50000"/>
-            </a:schemeClr>
-          </a:lnRef>
-          <a:fillRef idx="1">
-            <a:schemeClr val="accent1"/>
-          </a:fillRef>
-          <a:effectRef idx="0">
-            <a:schemeClr val="accent1"/>
-          </a:effectRef>
-          <a:fontRef idx="minor">
-            <a:schemeClr val="lt1"/>
-          </a:fontRef>
-        </p:style>
-        <p:txBody>
-          <a:bodyPr rtlCol="0" anchor="ctr"/>
-          <a:lstStyle/>
-          <a:p>
-            <a:pPr algn="ctr"/>
-            <a:endParaRPr lang="ko-KR" altLang="en-US"/>
-          </a:p>
-        </p:txBody>
-      </p:sp>
-      <p:pic>
-        <p:nvPicPr>
-          <p:cNvPr id="23" name="그림 22"/>
-          <p:cNvPicPr>
-            <a:picLocks noChangeAspect="1"/>
-          </p:cNvPicPr>
-          <p:nvPr/>
-        </p:nvPicPr>
-        <p:blipFill>
-          <a:blip r:embed="rId2"/>
-          <a:stretch>
-            <a:fillRect/>
-          </a:stretch>
-        </p:blipFill>
-        <p:spPr>
-          <a:xfrm>
-            <a:off x="682557" y="1894597"/>
-            <a:ext cx="3714750" cy="1771650"/>
-          </a:xfrm>
-          <a:prstGeom prst="rect">
-            <a:avLst/>
-          </a:prstGeom>
-        </p:spPr>
-      </p:pic>
-      <p:sp>
-        <p:nvSpPr>
-          <p:cNvPr id="24" name="직사각형 23"/>
-          <p:cNvSpPr/>
-          <p:nvPr/>
-        </p:nvSpPr>
-        <p:spPr>
-          <a:xfrm>
-            <a:off x="682557" y="1894597"/>
-            <a:ext cx="3714750" cy="440041"/>
-          </a:xfrm>
-          <a:prstGeom prst="rect">
-            <a:avLst/>
-          </a:prstGeom>
-          <a:solidFill>
-            <a:schemeClr val="accent1">
-              <a:alpha val="50000"/>
-            </a:schemeClr>
-          </a:solidFill>
-        </p:spPr>
-        <p:style>
-          <a:lnRef idx="2">
-            <a:schemeClr val="accent1">
-              <a:shade val="50000"/>
-            </a:schemeClr>
-          </a:lnRef>
-          <a:fillRef idx="1">
-            <a:schemeClr val="accent1"/>
-          </a:fillRef>
-          <a:effectRef idx="0">
-            <a:schemeClr val="accent1"/>
-          </a:effectRef>
-          <a:fontRef idx="minor">
-            <a:schemeClr val="lt1"/>
-          </a:fontRef>
-        </p:style>
-        <p:txBody>
-          <a:bodyPr rtlCol="0" anchor="ctr"/>
-          <a:lstStyle/>
-          <a:p>
-            <a:pPr algn="ctr"/>
-            <a:r>
-              <a:rPr lang="ko-KR" altLang="en-US" dirty="0" err="1" smtClean="0"/>
-              <a:t>무적효과</a:t>
-            </a:r>
-            <a:r>
-              <a:rPr lang="ko-KR" altLang="en-US" dirty="0" smtClean="0"/>
-              <a:t> 생성</a:t>
-            </a:r>
-            <a:endParaRPr lang="ko-KR" altLang="en-US" dirty="0"/>
-          </a:p>
-        </p:txBody>
-      </p:sp>
-      <p:sp>
-        <p:nvSpPr>
-          <p:cNvPr id="25" name="직사각형 24"/>
-          <p:cNvSpPr/>
-          <p:nvPr/>
-        </p:nvSpPr>
-        <p:spPr>
-          <a:xfrm>
-            <a:off x="682557" y="2340381"/>
-            <a:ext cx="3714750" cy="440041"/>
-          </a:xfrm>
-          <a:prstGeom prst="rect">
-            <a:avLst/>
-          </a:prstGeom>
-          <a:solidFill>
-            <a:schemeClr val="accent1">
-              <a:alpha val="50000"/>
-            </a:schemeClr>
-          </a:solidFill>
-        </p:spPr>
-        <p:style>
-          <a:lnRef idx="2">
-            <a:schemeClr val="accent1">
-              <a:shade val="50000"/>
-            </a:schemeClr>
-          </a:lnRef>
-          <a:fillRef idx="1">
-            <a:schemeClr val="accent1"/>
-          </a:fillRef>
-          <a:effectRef idx="0">
-            <a:schemeClr val="accent1"/>
-          </a:effectRef>
-          <a:fontRef idx="minor">
-            <a:schemeClr val="lt1"/>
-          </a:fontRef>
-        </p:style>
-        <p:txBody>
-          <a:bodyPr rtlCol="0" anchor="ctr"/>
-          <a:lstStyle/>
-          <a:p>
-            <a:pPr algn="ctr"/>
-            <a:r>
-              <a:rPr lang="ko-KR" altLang="en-US" dirty="0" err="1" smtClean="0"/>
-              <a:t>회복효과</a:t>
-            </a:r>
-            <a:r>
-              <a:rPr lang="ko-KR" altLang="en-US" dirty="0" smtClean="0"/>
-              <a:t> 생성</a:t>
-            </a:r>
-            <a:endParaRPr lang="ko-KR" altLang="en-US" dirty="0"/>
-          </a:p>
-        </p:txBody>
-      </p:sp>
-      <p:sp>
-        <p:nvSpPr>
-          <p:cNvPr id="26" name="직사각형 25"/>
-          <p:cNvSpPr/>
-          <p:nvPr/>
-        </p:nvSpPr>
-        <p:spPr>
-          <a:xfrm>
-            <a:off x="663627" y="2783293"/>
-            <a:ext cx="3714750" cy="440041"/>
-          </a:xfrm>
-          <a:prstGeom prst="rect">
-            <a:avLst/>
-          </a:prstGeom>
-          <a:solidFill>
-            <a:schemeClr val="accent1">
-              <a:alpha val="50000"/>
-            </a:schemeClr>
-          </a:solidFill>
-        </p:spPr>
-        <p:style>
-          <a:lnRef idx="2">
-            <a:schemeClr val="accent1">
-              <a:shade val="50000"/>
-            </a:schemeClr>
-          </a:lnRef>
-          <a:fillRef idx="1">
-            <a:schemeClr val="accent1"/>
-          </a:fillRef>
-          <a:effectRef idx="0">
-            <a:schemeClr val="accent1"/>
-          </a:effectRef>
-          <a:fontRef idx="minor">
-            <a:schemeClr val="lt1"/>
-          </a:fontRef>
-        </p:style>
-        <p:txBody>
-          <a:bodyPr rtlCol="0" anchor="ctr"/>
-          <a:lstStyle/>
-          <a:p>
-            <a:pPr algn="ctr"/>
-            <a:r>
-              <a:rPr lang="ko-KR" altLang="en-US" smtClean="0"/>
-              <a:t>총알효과</a:t>
-            </a:r>
-            <a:r>
-              <a:rPr lang="ko-KR" altLang="en-US" dirty="0" smtClean="0"/>
-              <a:t> 생성</a:t>
-            </a:r>
-            <a:endParaRPr lang="ko-KR" altLang="en-US" dirty="0"/>
-          </a:p>
-        </p:txBody>
-      </p:sp>
-      <p:sp>
-        <p:nvSpPr>
-          <p:cNvPr id="27" name="직사각형 26"/>
-          <p:cNvSpPr/>
-          <p:nvPr/>
-        </p:nvSpPr>
-        <p:spPr>
-          <a:xfrm>
-            <a:off x="682556" y="3227641"/>
-            <a:ext cx="3714750" cy="440041"/>
-          </a:xfrm>
-          <a:prstGeom prst="rect">
-            <a:avLst/>
-          </a:prstGeom>
-          <a:solidFill>
-            <a:schemeClr val="accent1">
-              <a:alpha val="50000"/>
-            </a:schemeClr>
-          </a:solidFill>
-        </p:spPr>
-        <p:style>
-          <a:lnRef idx="2">
-            <a:schemeClr val="accent1">
-              <a:shade val="50000"/>
-            </a:schemeClr>
-          </a:lnRef>
-          <a:fillRef idx="1">
-            <a:schemeClr val="accent1"/>
-          </a:fillRef>
-          <a:effectRef idx="0">
-            <a:schemeClr val="accent1"/>
-          </a:effectRef>
-          <a:fontRef idx="minor">
-            <a:schemeClr val="lt1"/>
-          </a:fontRef>
-        </p:style>
-        <p:txBody>
-          <a:bodyPr rtlCol="0" anchor="ctr"/>
-          <a:lstStyle/>
-          <a:p>
-            <a:pPr algn="ctr"/>
-            <a:r>
-              <a:rPr lang="ko-KR" altLang="en-US" dirty="0" err="1" smtClean="0"/>
-              <a:t>레이저효과</a:t>
-            </a:r>
-            <a:r>
-              <a:rPr lang="ko-KR" altLang="en-US" dirty="0" smtClean="0"/>
-              <a:t> 생성</a:t>
-            </a:r>
-            <a:endParaRPr lang="ko-KR" altLang="en-US" dirty="0"/>
-          </a:p>
-        </p:txBody>
-      </p:sp>
-      <p:sp>
-        <p:nvSpPr>
-          <p:cNvPr id="28" name="직사각형 27"/>
-          <p:cNvSpPr/>
-          <p:nvPr/>
-        </p:nvSpPr>
-        <p:spPr>
-          <a:xfrm>
-            <a:off x="2521088" y="4977143"/>
-            <a:ext cx="778213" cy="507255"/>
-          </a:xfrm>
-          <a:prstGeom prst="rect">
-            <a:avLst/>
-          </a:prstGeom>
-        </p:spPr>
-        <p:style>
-          <a:lnRef idx="2">
-            <a:schemeClr val="accent1">
-              <a:shade val="50000"/>
-            </a:schemeClr>
-          </a:lnRef>
-          <a:fillRef idx="1">
-            <a:schemeClr val="accent1"/>
-          </a:fillRef>
-          <a:effectRef idx="0">
-            <a:schemeClr val="accent1"/>
-          </a:effectRef>
-          <a:fontRef idx="minor">
-            <a:schemeClr val="lt1"/>
-          </a:fontRef>
-        </p:style>
-        <p:txBody>
-          <a:bodyPr rtlCol="0" anchor="ctr"/>
-          <a:lstStyle/>
-          <a:p>
-            <a:pPr algn="ctr"/>
-            <a:r>
-              <a:rPr lang="ko-KR" altLang="en-US" dirty="0" smtClean="0"/>
-              <a:t>효과</a:t>
-            </a:r>
-            <a:endParaRPr lang="ko-KR" altLang="en-US" dirty="0"/>
-          </a:p>
-        </p:txBody>
-      </p:sp>
-      <p:sp>
-        <p:nvSpPr>
-          <p:cNvPr id="29" name="직사각형 28"/>
-          <p:cNvSpPr/>
-          <p:nvPr/>
-        </p:nvSpPr>
-        <p:spPr>
-          <a:xfrm>
-            <a:off x="2514795" y="4467973"/>
-            <a:ext cx="778213" cy="507255"/>
-          </a:xfrm>
-          <a:prstGeom prst="rect">
-            <a:avLst/>
-          </a:prstGeom>
-        </p:spPr>
-        <p:style>
-          <a:lnRef idx="2">
-            <a:schemeClr val="accent1">
-              <a:shade val="50000"/>
-            </a:schemeClr>
-          </a:lnRef>
-          <a:fillRef idx="1">
-            <a:schemeClr val="accent1"/>
-          </a:fillRef>
-          <a:effectRef idx="0">
-            <a:schemeClr val="accent1"/>
-          </a:effectRef>
-          <a:fontRef idx="minor">
-            <a:schemeClr val="lt1"/>
-          </a:fontRef>
-        </p:style>
-        <p:txBody>
-          <a:bodyPr rtlCol="0" anchor="ctr"/>
-          <a:lstStyle/>
-          <a:p>
-            <a:pPr algn="ctr"/>
-            <a:r>
-              <a:rPr lang="ko-KR" altLang="en-US" dirty="0" err="1" smtClean="0"/>
-              <a:t>무적효과</a:t>
-            </a:r>
-            <a:endParaRPr lang="ko-KR" altLang="en-US" dirty="0"/>
-          </a:p>
-        </p:txBody>
-      </p:sp>
-      <p:cxnSp>
-        <p:nvCxnSpPr>
-          <p:cNvPr id="33" name="직선 화살표 연결선 32"/>
-          <p:cNvCxnSpPr/>
-          <p:nvPr/>
-        </p:nvCxnSpPr>
-        <p:spPr>
-          <a:xfrm>
-            <a:off x="2256821" y="5485833"/>
-            <a:ext cx="1410511" cy="0"/>
-          </a:xfrm>
-          <a:prstGeom prst="straightConnector1">
-            <a:avLst/>
-          </a:prstGeom>
-          <a:ln>
-            <a:tailEnd type="triangle"/>
-          </a:ln>
-        </p:spPr>
-        <p:style>
-          <a:lnRef idx="1">
-            <a:schemeClr val="accent1"/>
-          </a:lnRef>
-          <a:fillRef idx="0">
-            <a:schemeClr val="accent1"/>
-          </a:fillRef>
-          <a:effectRef idx="0">
-            <a:schemeClr val="accent1"/>
-          </a:effectRef>
-          <a:fontRef idx="minor">
-            <a:schemeClr val="tx1"/>
-          </a:fontRef>
-        </p:style>
-      </p:cxnSp>
-      <p:sp>
-        <p:nvSpPr>
-          <p:cNvPr id="34" name="TextBox 33"/>
+      <p:sp>
+        <p:nvSpPr>
+          <p:cNvPr id="53" name="TextBox 52"/>
           <p:cNvSpPr txBox="1"/>
           <p:nvPr/>
         </p:nvSpPr>
         <p:spPr>
           <a:xfrm>
-            <a:off x="215660" y="5043787"/>
-            <a:ext cx="2192258" cy="369332"/>
+            <a:off x="6391072" y="3823892"/>
+            <a:ext cx="3793788" cy="369332"/>
           </a:xfrm>
           <a:prstGeom prst="rect">
             <a:avLst/>
@@ -11847,423 +11196,9 @@
           <a:lstStyle/>
           <a:p>
             <a:r>
-              <a:rPr lang="ko-KR" altLang="en-US" dirty="0" smtClean="0"/>
-              <a:t>부모의 </a:t>
-            </a:r>
-            <a:r>
               <a:rPr lang="ko-KR" altLang="en-US" dirty="0" err="1" smtClean="0"/>
-              <a:t>메모리영역</a:t>
-            </a:r>
-            <a:endParaRPr lang="ko-KR" altLang="en-US" dirty="0"/>
-          </a:p>
-        </p:txBody>
-      </p:sp>
-      <p:sp>
-        <p:nvSpPr>
-          <p:cNvPr id="35" name="TextBox 34"/>
-          <p:cNvSpPr txBox="1"/>
-          <p:nvPr/>
-        </p:nvSpPr>
-        <p:spPr>
-          <a:xfrm>
-            <a:off x="220202" y="4550286"/>
-            <a:ext cx="2187715" cy="369332"/>
-          </a:xfrm>
-          <a:prstGeom prst="rect">
-            <a:avLst/>
-          </a:prstGeom>
-          <a:noFill/>
-        </p:spPr>
-        <p:txBody>
-          <a:bodyPr wrap="square" rtlCol="0">
-            <a:spAutoFit/>
-          </a:bodyPr>
-          <a:lstStyle/>
-          <a:p>
-            <a:r>
-              <a:rPr lang="ko-KR" altLang="en-US" dirty="0" smtClean="0"/>
-              <a:t>자식의 </a:t>
-            </a:r>
-            <a:r>
-              <a:rPr lang="ko-KR" altLang="en-US" dirty="0" err="1" smtClean="0"/>
-              <a:t>메모리영역</a:t>
-            </a:r>
-            <a:endParaRPr lang="ko-KR" altLang="en-US" dirty="0"/>
-          </a:p>
-        </p:txBody>
-      </p:sp>
-      <p:sp>
-        <p:nvSpPr>
-          <p:cNvPr id="36" name="TextBox 35"/>
-          <p:cNvSpPr txBox="1"/>
-          <p:nvPr/>
-        </p:nvSpPr>
-        <p:spPr>
-          <a:xfrm>
-            <a:off x="196172" y="5788650"/>
-            <a:ext cx="10406977" cy="646331"/>
-          </a:xfrm>
-          <a:prstGeom prst="rect">
-            <a:avLst/>
-          </a:prstGeom>
-          <a:noFill/>
-        </p:spPr>
-        <p:txBody>
-          <a:bodyPr wrap="square" rtlCol="0">
-            <a:spAutoFit/>
-          </a:bodyPr>
-          <a:lstStyle/>
-          <a:p>
-            <a:r>
-              <a:rPr lang="ko-KR" altLang="en-US" dirty="0" smtClean="0"/>
-              <a:t>상속을 하면 </a:t>
-            </a:r>
-            <a:r>
-              <a:rPr lang="ko-KR" altLang="en-US" dirty="0" err="1" smtClean="0"/>
-              <a:t>자식객체가</a:t>
-            </a:r>
-            <a:r>
-              <a:rPr lang="ko-KR" altLang="en-US" dirty="0" smtClean="0"/>
-              <a:t> 생성 될 때</a:t>
-            </a:r>
-            <a:r>
-              <a:rPr lang="en-US" altLang="ko-KR" dirty="0" smtClean="0"/>
-              <a:t>,</a:t>
-            </a:r>
-            <a:r>
-              <a:rPr lang="ko-KR" altLang="en-US" dirty="0" smtClean="0"/>
-              <a:t> 부모 부분이 </a:t>
-            </a:r>
-            <a:r>
-              <a:rPr lang="en-US" altLang="ko-KR" dirty="0" smtClean="0"/>
-              <a:t/>
-            </a:r>
-            <a:br>
-              <a:rPr lang="en-US" altLang="ko-KR" dirty="0" smtClean="0"/>
-            </a:br>
-            <a:r>
-              <a:rPr lang="ko-KR" altLang="en-US" dirty="0" smtClean="0"/>
-              <a:t>먼저 생성되고 </a:t>
-            </a:r>
-            <a:r>
-              <a:rPr lang="ko-KR" altLang="en-US" dirty="0" err="1" smtClean="0"/>
-              <a:t>자식부분이</a:t>
-            </a:r>
-            <a:r>
-              <a:rPr lang="ko-KR" altLang="en-US" dirty="0" smtClean="0"/>
-              <a:t> 위에 생성되므로</a:t>
-            </a:r>
-            <a:r>
-              <a:rPr lang="en-US" altLang="ko-KR" dirty="0" smtClean="0"/>
-              <a:t>, </a:t>
-            </a:r>
-            <a:r>
-              <a:rPr lang="ko-KR" altLang="en-US" dirty="0" smtClean="0"/>
-              <a:t>부모의 메모리부분을 자식도 사용 할 수 있게 된다</a:t>
-            </a:r>
-            <a:r>
-              <a:rPr lang="en-US" altLang="ko-KR" dirty="0" smtClean="0"/>
-              <a:t>.</a:t>
-            </a:r>
-            <a:endParaRPr lang="ko-KR" altLang="en-US" dirty="0"/>
-          </a:p>
-        </p:txBody>
-      </p:sp>
-      <p:sp>
-        <p:nvSpPr>
-          <p:cNvPr id="39" name="직사각형 38"/>
-          <p:cNvSpPr/>
-          <p:nvPr/>
-        </p:nvSpPr>
-        <p:spPr>
-          <a:xfrm>
-            <a:off x="4057873" y="4468453"/>
-            <a:ext cx="778213" cy="507255"/>
-          </a:xfrm>
-          <a:prstGeom prst="rect">
-            <a:avLst/>
-          </a:prstGeom>
-          <a:solidFill>
-            <a:schemeClr val="accent1">
-              <a:lumMod val="60000"/>
-              <a:lumOff val="40000"/>
-            </a:schemeClr>
-          </a:solidFill>
-        </p:spPr>
-        <p:style>
-          <a:lnRef idx="2">
-            <a:schemeClr val="accent1">
-              <a:shade val="50000"/>
-            </a:schemeClr>
-          </a:lnRef>
-          <a:fillRef idx="1">
-            <a:schemeClr val="accent1"/>
-          </a:fillRef>
-          <a:effectRef idx="0">
-            <a:schemeClr val="accent1"/>
-          </a:effectRef>
-          <a:fontRef idx="minor">
-            <a:schemeClr val="lt1"/>
-          </a:fontRef>
-        </p:style>
-        <p:txBody>
-          <a:bodyPr rtlCol="0" anchor="ctr"/>
-          <a:lstStyle/>
-          <a:p>
-            <a:pPr algn="ctr"/>
-            <a:r>
-              <a:rPr lang="ko-KR" altLang="en-US" dirty="0" smtClean="0"/>
-              <a:t>사용</a:t>
-            </a:r>
-            <a:endParaRPr lang="ko-KR" altLang="en-US" dirty="0"/>
-          </a:p>
-        </p:txBody>
-      </p:sp>
-      <p:sp>
-        <p:nvSpPr>
-          <p:cNvPr id="40" name="직사각형 39"/>
-          <p:cNvSpPr/>
-          <p:nvPr/>
-        </p:nvSpPr>
-        <p:spPr>
-          <a:xfrm>
-            <a:off x="4057873" y="4976662"/>
-            <a:ext cx="778213" cy="507255"/>
-          </a:xfrm>
-          <a:prstGeom prst="rect">
-            <a:avLst/>
-          </a:prstGeom>
-          <a:solidFill>
-            <a:schemeClr val="accent1">
-              <a:lumMod val="60000"/>
-              <a:lumOff val="40000"/>
-            </a:schemeClr>
-          </a:solidFill>
-        </p:spPr>
-        <p:style>
-          <a:lnRef idx="2">
-            <a:schemeClr val="accent1">
-              <a:shade val="50000"/>
-            </a:schemeClr>
-          </a:lnRef>
-          <a:fillRef idx="1">
-            <a:schemeClr val="accent1"/>
-          </a:fillRef>
-          <a:effectRef idx="0">
-            <a:schemeClr val="accent1"/>
-          </a:effectRef>
-          <a:fontRef idx="minor">
-            <a:schemeClr val="lt1"/>
-          </a:fontRef>
-        </p:style>
-        <p:txBody>
-          <a:bodyPr rtlCol="0" anchor="ctr"/>
-          <a:lstStyle/>
-          <a:p>
-            <a:pPr algn="ctr"/>
-            <a:r>
-              <a:rPr lang="ko-KR" altLang="en-US" dirty="0" smtClean="0"/>
-              <a:t>사용</a:t>
-            </a:r>
-            <a:endParaRPr lang="ko-KR" altLang="en-US" dirty="0"/>
-          </a:p>
-        </p:txBody>
-      </p:sp>
-      <p:cxnSp>
-        <p:nvCxnSpPr>
-          <p:cNvPr id="42" name="직선 화살표 연결선 41"/>
-          <p:cNvCxnSpPr>
-            <a:stCxn id="28" idx="3"/>
-            <a:endCxn id="40" idx="1"/>
-          </p:cNvCxnSpPr>
-          <p:nvPr/>
-        </p:nvCxnSpPr>
-        <p:spPr>
-          <a:xfrm flipV="1">
-            <a:off x="3299301" y="5230290"/>
-            <a:ext cx="758572" cy="481"/>
-          </a:xfrm>
-          <a:prstGeom prst="straightConnector1">
-            <a:avLst/>
-          </a:prstGeom>
-          <a:ln>
-            <a:solidFill>
-              <a:schemeClr val="accent4"/>
-            </a:solidFill>
-            <a:tailEnd type="oval"/>
-          </a:ln>
-        </p:spPr>
-        <p:style>
-          <a:lnRef idx="1">
-            <a:schemeClr val="accent1"/>
-          </a:lnRef>
-          <a:fillRef idx="0">
-            <a:schemeClr val="accent1"/>
-          </a:fillRef>
-          <a:effectRef idx="0">
-            <a:schemeClr val="accent1"/>
-          </a:effectRef>
-          <a:fontRef idx="minor">
-            <a:schemeClr val="tx1"/>
-          </a:fontRef>
-        </p:style>
-      </p:cxnSp>
-      <p:sp>
-        <p:nvSpPr>
-          <p:cNvPr id="45" name="직사각형 44"/>
-          <p:cNvSpPr/>
-          <p:nvPr/>
-        </p:nvSpPr>
-        <p:spPr>
-          <a:xfrm>
-            <a:off x="5409378" y="4975708"/>
-            <a:ext cx="817124" cy="508210"/>
-          </a:xfrm>
-          <a:prstGeom prst="rect">
-            <a:avLst/>
-          </a:prstGeom>
-          <a:solidFill>
-            <a:schemeClr val="accent1">
-              <a:alpha val="50000"/>
-            </a:schemeClr>
-          </a:solidFill>
-        </p:spPr>
-        <p:style>
-          <a:lnRef idx="2">
-            <a:schemeClr val="accent1">
-              <a:shade val="50000"/>
-            </a:schemeClr>
-          </a:lnRef>
-          <a:fillRef idx="1">
-            <a:schemeClr val="accent1"/>
-          </a:fillRef>
-          <a:effectRef idx="0">
-            <a:schemeClr val="accent1"/>
-          </a:effectRef>
-          <a:fontRef idx="minor">
-            <a:schemeClr val="lt1"/>
-          </a:fontRef>
-        </p:style>
-        <p:txBody>
-          <a:bodyPr rtlCol="0" anchor="ctr"/>
-          <a:lstStyle/>
-          <a:p>
-            <a:pPr algn="ctr"/>
-            <a:r>
-              <a:rPr lang="ko-KR" altLang="en-US" sz="1400" dirty="0" smtClean="0"/>
-              <a:t>부모</a:t>
-            </a:r>
-            <a:r>
-              <a:rPr lang="en-US" altLang="ko-KR" sz="1400" dirty="0" smtClean="0"/>
-              <a:t/>
-            </a:r>
-            <a:br>
-              <a:rPr lang="en-US" altLang="ko-KR" sz="1400" dirty="0" smtClean="0"/>
-            </a:br>
-            <a:r>
-              <a:rPr lang="ko-KR" altLang="en-US" sz="1400" dirty="0" smtClean="0"/>
-              <a:t>포인터</a:t>
-            </a:r>
-            <a:endParaRPr lang="ko-KR" altLang="en-US" sz="1400" dirty="0"/>
-          </a:p>
-        </p:txBody>
-      </p:sp>
-      <p:sp>
-        <p:nvSpPr>
-          <p:cNvPr id="46" name="직사각형 45"/>
-          <p:cNvSpPr/>
-          <p:nvPr/>
-        </p:nvSpPr>
-        <p:spPr>
-          <a:xfrm>
-            <a:off x="6821327" y="4482166"/>
-            <a:ext cx="817124" cy="1026045"/>
-          </a:xfrm>
-          <a:prstGeom prst="rect">
-            <a:avLst/>
-          </a:prstGeom>
-          <a:solidFill>
-            <a:schemeClr val="accent1">
-              <a:alpha val="50000"/>
-            </a:schemeClr>
-          </a:solidFill>
-        </p:spPr>
-        <p:style>
-          <a:lnRef idx="2">
-            <a:schemeClr val="accent1">
-              <a:shade val="50000"/>
-            </a:schemeClr>
-          </a:lnRef>
-          <a:fillRef idx="1">
-            <a:schemeClr val="accent1"/>
-          </a:fillRef>
-          <a:effectRef idx="0">
-            <a:schemeClr val="accent1"/>
-          </a:effectRef>
-          <a:fontRef idx="minor">
-            <a:schemeClr val="lt1"/>
-          </a:fontRef>
-        </p:style>
-        <p:txBody>
-          <a:bodyPr rtlCol="0" anchor="ctr"/>
-          <a:lstStyle/>
-          <a:p>
-            <a:pPr algn="ctr"/>
-            <a:r>
-              <a:rPr lang="ko-KR" altLang="en-US" sz="1400" dirty="0" smtClean="0"/>
-              <a:t>자식</a:t>
-            </a:r>
-            <a:r>
-              <a:rPr lang="en-US" altLang="ko-KR" sz="1400" dirty="0" smtClean="0"/>
-              <a:t/>
-            </a:r>
-            <a:br>
-              <a:rPr lang="en-US" altLang="ko-KR" sz="1400" dirty="0" smtClean="0"/>
-            </a:br>
-            <a:r>
-              <a:rPr lang="ko-KR" altLang="en-US" sz="1400" dirty="0" smtClean="0"/>
-              <a:t>포인터</a:t>
-            </a:r>
-            <a:endParaRPr lang="ko-KR" altLang="en-US" sz="1400" dirty="0"/>
-          </a:p>
-        </p:txBody>
-      </p:sp>
-      <p:sp>
-        <p:nvSpPr>
-          <p:cNvPr id="47" name="오른쪽 화살표 46"/>
-          <p:cNvSpPr/>
-          <p:nvPr/>
-        </p:nvSpPr>
-        <p:spPr>
-          <a:xfrm>
-            <a:off x="6312218" y="4744519"/>
-            <a:ext cx="423392" cy="462378"/>
-          </a:xfrm>
-          <a:prstGeom prst="rightArrow">
-            <a:avLst/>
-          </a:prstGeom>
-        </p:spPr>
-        <p:style>
-          <a:lnRef idx="2">
-            <a:schemeClr val="accent1">
-              <a:shade val="50000"/>
-            </a:schemeClr>
-          </a:lnRef>
-          <a:fillRef idx="1">
-            <a:schemeClr val="accent1"/>
-          </a:fillRef>
-          <a:effectRef idx="0">
-            <a:schemeClr val="accent1"/>
-          </a:effectRef>
-          <a:fontRef idx="minor">
-            <a:schemeClr val="lt1"/>
-          </a:fontRef>
-        </p:style>
-        <p:txBody>
-          <a:bodyPr rtlCol="0" anchor="ctr"/>
-          <a:lstStyle/>
-          <a:p>
-            <a:pPr algn="ctr"/>
+              <a:t>씬전환</a:t>
+            </a:r>
             <a:endParaRPr lang="ko-KR" altLang="en-US" dirty="0"/>
           </a:p>
         </p:txBody>
@@ -12271,7 +11206,7 @@
     </p:spTree>
     <p:extLst>
       <p:ext uri="{BB962C8B-B14F-4D97-AF65-F5344CB8AC3E}">
-        <p14:creationId xmlns:p14="http://schemas.microsoft.com/office/powerpoint/2010/main" val="914042860"/>
+        <p14:creationId xmlns:p14="http://schemas.microsoft.com/office/powerpoint/2010/main" val="2662985760"/>
       </p:ext>
     </p:extLst>
   </p:cSld>

--- a/GamePlatfromAppPrograming/Documents/실전 클래스의 활용!.pptx
+++ b/GamePlatfromAppPrograming/Documents/실전 클래스의 활용!.pptx
@@ -249,7 +249,7 @@
           <a:p>
             <a:fld id="{77833477-6662-4A50-A76A-48ECB2E8BF1D}" type="datetimeFigureOut">
               <a:rPr lang="ko-KR" altLang="en-US" smtClean="0"/>
-              <a:t>2021-09-02</a:t>
+              <a:t>2021-09-09</a:t>
             </a:fld>
             <a:endParaRPr lang="ko-KR" altLang="en-US"/>
           </a:p>
@@ -419,7 +419,7 @@
           <a:p>
             <a:fld id="{77833477-6662-4A50-A76A-48ECB2E8BF1D}" type="datetimeFigureOut">
               <a:rPr lang="ko-KR" altLang="en-US" smtClean="0"/>
-              <a:t>2021-09-02</a:t>
+              <a:t>2021-09-09</a:t>
             </a:fld>
             <a:endParaRPr lang="ko-KR" altLang="en-US"/>
           </a:p>
@@ -599,7 +599,7 @@
           <a:p>
             <a:fld id="{77833477-6662-4A50-A76A-48ECB2E8BF1D}" type="datetimeFigureOut">
               <a:rPr lang="ko-KR" altLang="en-US" smtClean="0"/>
-              <a:t>2021-09-02</a:t>
+              <a:t>2021-09-09</a:t>
             </a:fld>
             <a:endParaRPr lang="ko-KR" altLang="en-US"/>
           </a:p>
@@ -769,7 +769,7 @@
           <a:p>
             <a:fld id="{77833477-6662-4A50-A76A-48ECB2E8BF1D}" type="datetimeFigureOut">
               <a:rPr lang="ko-KR" altLang="en-US" smtClean="0"/>
-              <a:t>2021-09-02</a:t>
+              <a:t>2021-09-09</a:t>
             </a:fld>
             <a:endParaRPr lang="ko-KR" altLang="en-US"/>
           </a:p>
@@ -1015,7 +1015,7 @@
           <a:p>
             <a:fld id="{77833477-6662-4A50-A76A-48ECB2E8BF1D}" type="datetimeFigureOut">
               <a:rPr lang="ko-KR" altLang="en-US" smtClean="0"/>
-              <a:t>2021-09-02</a:t>
+              <a:t>2021-09-09</a:t>
             </a:fld>
             <a:endParaRPr lang="ko-KR" altLang="en-US"/>
           </a:p>
@@ -1247,7 +1247,7 @@
           <a:p>
             <a:fld id="{77833477-6662-4A50-A76A-48ECB2E8BF1D}" type="datetimeFigureOut">
               <a:rPr lang="ko-KR" altLang="en-US" smtClean="0"/>
-              <a:t>2021-09-02</a:t>
+              <a:t>2021-09-09</a:t>
             </a:fld>
             <a:endParaRPr lang="ko-KR" altLang="en-US"/>
           </a:p>
@@ -1614,7 +1614,7 @@
           <a:p>
             <a:fld id="{77833477-6662-4A50-A76A-48ECB2E8BF1D}" type="datetimeFigureOut">
               <a:rPr lang="ko-KR" altLang="en-US" smtClean="0"/>
-              <a:t>2021-09-02</a:t>
+              <a:t>2021-09-09</a:t>
             </a:fld>
             <a:endParaRPr lang="ko-KR" altLang="en-US"/>
           </a:p>
@@ -1732,7 +1732,7 @@
           <a:p>
             <a:fld id="{77833477-6662-4A50-A76A-48ECB2E8BF1D}" type="datetimeFigureOut">
               <a:rPr lang="ko-KR" altLang="en-US" smtClean="0"/>
-              <a:t>2021-09-02</a:t>
+              <a:t>2021-09-09</a:t>
             </a:fld>
             <a:endParaRPr lang="ko-KR" altLang="en-US"/>
           </a:p>
@@ -1827,7 +1827,7 @@
           <a:p>
             <a:fld id="{77833477-6662-4A50-A76A-48ECB2E8BF1D}" type="datetimeFigureOut">
               <a:rPr lang="ko-KR" altLang="en-US" smtClean="0"/>
-              <a:t>2021-09-02</a:t>
+              <a:t>2021-09-09</a:t>
             </a:fld>
             <a:endParaRPr lang="ko-KR" altLang="en-US"/>
           </a:p>
@@ -2104,7 +2104,7 @@
           <a:p>
             <a:fld id="{77833477-6662-4A50-A76A-48ECB2E8BF1D}" type="datetimeFigureOut">
               <a:rPr lang="ko-KR" altLang="en-US" smtClean="0"/>
-              <a:t>2021-09-02</a:t>
+              <a:t>2021-09-09</a:t>
             </a:fld>
             <a:endParaRPr lang="ko-KR" altLang="en-US"/>
           </a:p>
@@ -2357,7 +2357,7 @@
           <a:p>
             <a:fld id="{77833477-6662-4A50-A76A-48ECB2E8BF1D}" type="datetimeFigureOut">
               <a:rPr lang="ko-KR" altLang="en-US" smtClean="0"/>
-              <a:t>2021-09-02</a:t>
+              <a:t>2021-09-09</a:t>
             </a:fld>
             <a:endParaRPr lang="ko-KR" altLang="en-US"/>
           </a:p>
@@ -2570,7 +2570,7 @@
           <a:p>
             <a:fld id="{77833477-6662-4A50-A76A-48ECB2E8BF1D}" type="datetimeFigureOut">
               <a:rPr lang="ko-KR" altLang="en-US" smtClean="0"/>
-              <a:t>2021-09-02</a:t>
+              <a:t>2021-09-09</a:t>
             </a:fld>
             <a:endParaRPr lang="ko-KR" altLang="en-US"/>
           </a:p>

--- a/GamePlatfromAppPrograming/Documents/실전 클래스의 활용!.pptx
+++ b/GamePlatfromAppPrograming/Documents/실전 클래스의 활용!.pptx
@@ -249,7 +249,7 @@
           <a:p>
             <a:fld id="{77833477-6662-4A50-A76A-48ECB2E8BF1D}" type="datetimeFigureOut">
               <a:rPr lang="ko-KR" altLang="en-US" smtClean="0"/>
-              <a:t>2021-09-09</a:t>
+              <a:t>2021-09-13</a:t>
             </a:fld>
             <a:endParaRPr lang="ko-KR" altLang="en-US"/>
           </a:p>
@@ -419,7 +419,7 @@
           <a:p>
             <a:fld id="{77833477-6662-4A50-A76A-48ECB2E8BF1D}" type="datetimeFigureOut">
               <a:rPr lang="ko-KR" altLang="en-US" smtClean="0"/>
-              <a:t>2021-09-09</a:t>
+              <a:t>2021-09-13</a:t>
             </a:fld>
             <a:endParaRPr lang="ko-KR" altLang="en-US"/>
           </a:p>
@@ -599,7 +599,7 @@
           <a:p>
             <a:fld id="{77833477-6662-4A50-A76A-48ECB2E8BF1D}" type="datetimeFigureOut">
               <a:rPr lang="ko-KR" altLang="en-US" smtClean="0"/>
-              <a:t>2021-09-09</a:t>
+              <a:t>2021-09-13</a:t>
             </a:fld>
             <a:endParaRPr lang="ko-KR" altLang="en-US"/>
           </a:p>
@@ -769,7 +769,7 @@
           <a:p>
             <a:fld id="{77833477-6662-4A50-A76A-48ECB2E8BF1D}" type="datetimeFigureOut">
               <a:rPr lang="ko-KR" altLang="en-US" smtClean="0"/>
-              <a:t>2021-09-09</a:t>
+              <a:t>2021-09-13</a:t>
             </a:fld>
             <a:endParaRPr lang="ko-KR" altLang="en-US"/>
           </a:p>
@@ -1015,7 +1015,7 @@
           <a:p>
             <a:fld id="{77833477-6662-4A50-A76A-48ECB2E8BF1D}" type="datetimeFigureOut">
               <a:rPr lang="ko-KR" altLang="en-US" smtClean="0"/>
-              <a:t>2021-09-09</a:t>
+              <a:t>2021-09-13</a:t>
             </a:fld>
             <a:endParaRPr lang="ko-KR" altLang="en-US"/>
           </a:p>
@@ -1247,7 +1247,7 @@
           <a:p>
             <a:fld id="{77833477-6662-4A50-A76A-48ECB2E8BF1D}" type="datetimeFigureOut">
               <a:rPr lang="ko-KR" altLang="en-US" smtClean="0"/>
-              <a:t>2021-09-09</a:t>
+              <a:t>2021-09-13</a:t>
             </a:fld>
             <a:endParaRPr lang="ko-KR" altLang="en-US"/>
           </a:p>
@@ -1614,7 +1614,7 @@
           <a:p>
             <a:fld id="{77833477-6662-4A50-A76A-48ECB2E8BF1D}" type="datetimeFigureOut">
               <a:rPr lang="ko-KR" altLang="en-US" smtClean="0"/>
-              <a:t>2021-09-09</a:t>
+              <a:t>2021-09-13</a:t>
             </a:fld>
             <a:endParaRPr lang="ko-KR" altLang="en-US"/>
           </a:p>
@@ -1732,7 +1732,7 @@
           <a:p>
             <a:fld id="{77833477-6662-4A50-A76A-48ECB2E8BF1D}" type="datetimeFigureOut">
               <a:rPr lang="ko-KR" altLang="en-US" smtClean="0"/>
-              <a:t>2021-09-09</a:t>
+              <a:t>2021-09-13</a:t>
             </a:fld>
             <a:endParaRPr lang="ko-KR" altLang="en-US"/>
           </a:p>
@@ -1827,7 +1827,7 @@
           <a:p>
             <a:fld id="{77833477-6662-4A50-A76A-48ECB2E8BF1D}" type="datetimeFigureOut">
               <a:rPr lang="ko-KR" altLang="en-US" smtClean="0"/>
-              <a:t>2021-09-09</a:t>
+              <a:t>2021-09-13</a:t>
             </a:fld>
             <a:endParaRPr lang="ko-KR" altLang="en-US"/>
           </a:p>
@@ -2104,7 +2104,7 @@
           <a:p>
             <a:fld id="{77833477-6662-4A50-A76A-48ECB2E8BF1D}" type="datetimeFigureOut">
               <a:rPr lang="ko-KR" altLang="en-US" smtClean="0"/>
-              <a:t>2021-09-09</a:t>
+              <a:t>2021-09-13</a:t>
             </a:fld>
             <a:endParaRPr lang="ko-KR" altLang="en-US"/>
           </a:p>
@@ -2357,7 +2357,7 @@
           <a:p>
             <a:fld id="{77833477-6662-4A50-A76A-48ECB2E8BF1D}" type="datetimeFigureOut">
               <a:rPr lang="ko-KR" altLang="en-US" smtClean="0"/>
-              <a:t>2021-09-09</a:t>
+              <a:t>2021-09-13</a:t>
             </a:fld>
             <a:endParaRPr lang="ko-KR" altLang="en-US"/>
           </a:p>
@@ -2570,7 +2570,7 @@
           <a:p>
             <a:fld id="{77833477-6662-4A50-A76A-48ECB2E8BF1D}" type="datetimeFigureOut">
               <a:rPr lang="ko-KR" altLang="en-US" smtClean="0"/>
-              <a:t>2021-09-09</a:t>
+              <a:t>2021-09-13</a:t>
             </a:fld>
             <a:endParaRPr lang="ko-KR" altLang="en-US"/>
           </a:p>
@@ -10446,7 +10446,15 @@
             </a:br>
             <a:r>
               <a:rPr lang="ko-KR" altLang="en-US" dirty="0" smtClean="0"/>
-              <a:t>설계에 반영한다</a:t>
+              <a:t>설계에 </a:t>
+            </a:r>
+            <a:r>
+              <a:rPr lang="ko-KR" altLang="en-US" dirty="0" smtClean="0"/>
+              <a:t>반영한다</a:t>
+            </a:r>
+            <a:r>
+              <a:rPr lang="en-US" altLang="ko-KR" dirty="0" smtClean="0"/>
+              <a:t>.</a:t>
             </a:r>
             <a:endParaRPr lang="en-US" altLang="ko-KR" dirty="0" smtClean="0"/>
           </a:p>
@@ -10677,12 +10685,12 @@
               <a:t> </a:t>
             </a:r>
             <a:r>
-              <a:rPr lang="ko-KR" altLang="en-US" dirty="0" err="1" smtClean="0"/>
-              <a:t>이문제도</a:t>
-            </a:r>
-            <a:r>
               <a:rPr lang="ko-KR" altLang="en-US" dirty="0" smtClean="0"/>
-              <a:t> 해결이 가능하다</a:t>
+              <a:t>이 문제도 </a:t>
+            </a:r>
+            <a:r>
+              <a:rPr lang="ko-KR" altLang="en-US" dirty="0" smtClean="0"/>
+              <a:t>해결이 가능하다</a:t>
             </a:r>
             <a:r>
               <a:rPr lang="en-US" altLang="ko-KR" dirty="0" smtClean="0"/>
